--- a/translations/en-us/intermediate/Calibrate.pptx
+++ b/translations/en-us/intermediate/Calibrate.pptx
@@ -3,21 +3,22 @@
 <p:presentation xmlns:a="http://schemas.openxmlformats.org/drawingml/2006/main" xmlns:r="http://schemas.openxmlformats.org/officeDocument/2006/relationships" xmlns:p="http://schemas.openxmlformats.org/presentationml/2006/main" showSpecialPlsOnTitleSld="0" saveSubsetFonts="1">
   <p:sldMasterIdLst>
     <p:sldMasterId id="2147483835" r:id="rId1"/>
+    <p:sldMasterId id="2147483847" r:id="rId2"/>
   </p:sldMasterIdLst>
   <p:notesMasterIdLst>
-    <p:notesMasterId r:id="rId9"/>
+    <p:notesMasterId r:id="rId10"/>
   </p:notesMasterIdLst>
   <p:handoutMasterIdLst>
-    <p:handoutMasterId r:id="rId10"/>
+    <p:handoutMasterId r:id="rId11"/>
   </p:handoutMasterIdLst>
   <p:sldIdLst>
-    <p:sldId id="284" r:id="rId2"/>
-    <p:sldId id="281" r:id="rId3"/>
-    <p:sldId id="279" r:id="rId4"/>
-    <p:sldId id="283" r:id="rId5"/>
-    <p:sldId id="280" r:id="rId6"/>
-    <p:sldId id="282" r:id="rId7"/>
-    <p:sldId id="263" r:id="rId8"/>
+    <p:sldId id="284" r:id="rId3"/>
+    <p:sldId id="281" r:id="rId4"/>
+    <p:sldId id="279" r:id="rId5"/>
+    <p:sldId id="283" r:id="rId6"/>
+    <p:sldId id="280" r:id="rId7"/>
+    <p:sldId id="282" r:id="rId8"/>
+    <p:sldId id="263" r:id="rId9"/>
   </p:sldIdLst>
   <p:sldSz cx="9144000" cy="6858000" type="screen4x3"/>
   <p:notesSz cx="6858000" cy="9144000"/>
@@ -217,7 +218,7 @@
           <a:p>
             <a:fld id="{E354B44E-40A3-0E46-B16A-9BF1250A248B}" type="datetimeFigureOut">
               <a:rPr lang="en-US" smtClean="0"/>
-              <a:t>11/13/15</a:t>
+              <a:t>7/7/2016</a:t>
             </a:fld>
             <a:endParaRPr lang="en-US"/>
           </a:p>
@@ -383,7 +384,7 @@
           <a:p>
             <a:fld id="{C86AD16C-2DB4-6642-BAD4-9ED973A087A0}" type="datetimeFigureOut">
               <a:rPr lang="en-US" smtClean="0"/>
-              <a:t>11/13/15</a:t>
+              <a:t>7/7/2016</a:t>
             </a:fld>
             <a:endParaRPr lang="en-US"/>
           </a:p>
@@ -447,38 +448,37 @@
           <a:p>
             <a:pPr lvl="0"/>
             <a:r>
-              <a:rPr lang="en-US" smtClean="0"/>
+              <a:rPr lang="en-US"/>
               <a:t>Click to edit Master text styles</a:t>
             </a:r>
           </a:p>
           <a:p>
             <a:pPr lvl="1"/>
             <a:r>
-              <a:rPr lang="en-US" smtClean="0"/>
+              <a:rPr lang="en-US"/>
               <a:t>Second level</a:t>
             </a:r>
           </a:p>
           <a:p>
             <a:pPr lvl="2"/>
             <a:r>
-              <a:rPr lang="en-US" smtClean="0"/>
+              <a:rPr lang="en-US"/>
               <a:t>Third level</a:t>
             </a:r>
           </a:p>
           <a:p>
             <a:pPr lvl="3"/>
             <a:r>
-              <a:rPr lang="en-US" smtClean="0"/>
+              <a:rPr lang="en-US"/>
               <a:t>Fourth level</a:t>
             </a:r>
           </a:p>
           <a:p>
             <a:pPr lvl="4"/>
             <a:r>
-              <a:rPr lang="en-US" smtClean="0"/>
+              <a:rPr lang="en-US"/>
               <a:t>Fifth level</a:t>
             </a:r>
-            <a:endParaRPr lang="en-US"/>
           </a:p>
         </p:txBody>
       </p:sp>
@@ -747,10 +747,9 @@
           </a:lstStyle>
           <a:p>
             <a:r>
-              <a:rPr lang="en-US" dirty="0" smtClean="0"/>
+              <a:rPr lang="en-US" dirty="0"/>
               <a:t>INTERMEDIATE PROGRAMMING LESSON</a:t>
             </a:r>
-            <a:endParaRPr lang="en-US" dirty="0"/>
           </a:p>
         </p:txBody>
       </p:sp>
@@ -819,10 +818,9 @@
           </a:lstStyle>
           <a:p>
             <a:r>
-              <a:rPr lang="en-US" dirty="0" smtClean="0"/>
+              <a:rPr lang="en-US" dirty="0"/>
               <a:t>Click to edit Master subtitle style</a:t>
             </a:r>
-            <a:endParaRPr lang="en-US" dirty="0"/>
           </a:p>
         </p:txBody>
       </p:sp>
@@ -841,9 +839,9 @@
           <a:bodyPr/>
           <a:lstStyle/>
           <a:p>
-            <a:fld id="{6B13CFBD-0392-DF42-9C65-6D1DE0580181}" type="datetime1">
+            <a:fld id="{25B11890-25CA-46F5-9F8C-9E79EBF4CE1C}" type="datetime1">
               <a:rPr lang="en-US" smtClean="0"/>
-              <a:t>11/13/15</a:t>
+              <a:t>7/7/2016</a:t>
             </a:fld>
             <a:endParaRPr lang="en-US"/>
           </a:p>
@@ -865,10 +863,9 @@
           <a:lstStyle/>
           <a:p>
             <a:r>
-              <a:rPr lang="sk-SK" smtClean="0"/>
-              <a:t>© 2015 EV3Lessons.com, Last edit 11/13/2015</a:t>
-            </a:r>
-            <a:endParaRPr lang="en-US"/>
+              <a:rPr lang="en-US"/>
+              <a:t>© 2015 EV3Lessons.com, Last edit 7/06/2016</a:t>
+            </a:r>
           </a:p>
         </p:txBody>
       </p:sp>
@@ -1032,14 +1029,13 @@
           <a:lstStyle/>
           <a:p>
             <a:r>
-              <a:rPr lang="en-US" dirty="0" smtClean="0"/>
+              <a:rPr lang="en-US" dirty="0"/>
               <a:t>By </a:t>
             </a:r>
             <a:r>
-              <a:rPr lang="en-US" smtClean="0"/>
+              <a:rPr lang="en-US"/>
               <a:t>Droids Robotics</a:t>
             </a:r>
-            <a:endParaRPr lang="en-US"/>
           </a:p>
         </p:txBody>
       </p:sp>
@@ -1052,7 +1048,7 @@
           <p:nvPr userDrawn="1"/>
         </p:nvPicPr>
         <p:blipFill>
-          <a:blip r:embed="rId2">
+          <a:blip r:embed="rId2" cstate="email">
             <a:extLst>
               <a:ext uri="{28A0092B-C50C-407E-A947-70E740481C1C}">
                 <a14:useLocalDpi xmlns:a14="http://schemas.microsoft.com/office/drawing/2010/main" val="0"/>
@@ -1105,7 +1101,7 @@
           <a:noFill/>
           <a:extLst>
             <a:ext uri="{909E8E84-426E-40dd-AFC4-6F175D3DCCD1}">
-              <a14:hiddenFill xmlns:a14="http://schemas.microsoft.com/office/drawing/2010/main" xmlns="">
+              <a14:hiddenFill xmlns="" xmlns:a14="http://schemas.microsoft.com/office/drawing/2010/main">
                 <a:solidFill>
                   <a:srgbClr val="FFFFFF"/>
                 </a:solidFill>
@@ -1160,83 +1156,83 @@
           <a:lstStyle/>
           <a:p>
             <a:r>
+              <a:rPr lang="en-US"/>
+              <a:t>Click to edit Master title style</a:t>
+            </a:r>
+            <a:endParaRPr lang="en-US" dirty="0"/>
+          </a:p>
+        </p:txBody>
+      </p:sp>
+      <p:sp>
+        <p:nvSpPr>
+          <p:cNvPr id="3" name="Vertical Text Placeholder 2"/>
+          <p:cNvSpPr>
+            <a:spLocks noGrp="1"/>
+          </p:cNvSpPr>
+          <p:nvPr>
+            <p:ph type="body" orient="vert" idx="1"/>
+          </p:nvPr>
+        </p:nvSpPr>
+        <p:spPr/>
+        <p:txBody>
+          <a:bodyPr vert="eaVert" lIns="45720" tIns="0" rIns="45720" bIns="0"/>
+          <a:lstStyle/>
+          <a:p>
+            <a:pPr lvl="0"/>
+            <a:r>
+              <a:rPr lang="en-US"/>
+              <a:t>Click to edit Master text styles</a:t>
+            </a:r>
+          </a:p>
+          <a:p>
+            <a:pPr lvl="1"/>
+            <a:r>
+              <a:rPr lang="en-US"/>
+              <a:t>Second level</a:t>
+            </a:r>
+          </a:p>
+          <a:p>
+            <a:pPr lvl="2"/>
+            <a:r>
+              <a:rPr lang="en-US"/>
+              <a:t>Third level</a:t>
+            </a:r>
+          </a:p>
+          <a:p>
+            <a:pPr lvl="3"/>
+            <a:r>
+              <a:rPr lang="en-US"/>
+              <a:t>Fourth level</a:t>
+            </a:r>
+          </a:p>
+          <a:p>
+            <a:pPr lvl="4"/>
+            <a:r>
+              <a:rPr lang="en-US"/>
+              <a:t>Fifth level</a:t>
+            </a:r>
+            <a:endParaRPr lang="en-US" dirty="0"/>
+          </a:p>
+        </p:txBody>
+      </p:sp>
+      <p:sp>
+        <p:nvSpPr>
+          <p:cNvPr id="4" name="Date Placeholder 3"/>
+          <p:cNvSpPr>
+            <a:spLocks noGrp="1"/>
+          </p:cNvSpPr>
+          <p:nvPr>
+            <p:ph type="dt" sz="half" idx="10"/>
+          </p:nvPr>
+        </p:nvSpPr>
+        <p:spPr/>
+        <p:txBody>
+          <a:bodyPr/>
+          <a:lstStyle/>
+          <a:p>
+            <a:fld id="{BC0A2806-5D5F-4AFE-8E3A-30EC8BB4272B}" type="datetime1">
               <a:rPr lang="en-US" smtClean="0"/>
-              <a:t>Click to edit Master title style</a:t>
-            </a:r>
-            <a:endParaRPr lang="en-US" dirty="0"/>
-          </a:p>
-        </p:txBody>
-      </p:sp>
-      <p:sp>
-        <p:nvSpPr>
-          <p:cNvPr id="3" name="Vertical Text Placeholder 2"/>
-          <p:cNvSpPr>
-            <a:spLocks noGrp="1"/>
-          </p:cNvSpPr>
-          <p:nvPr>
-            <p:ph type="body" orient="vert" idx="1"/>
-          </p:nvPr>
-        </p:nvSpPr>
-        <p:spPr/>
-        <p:txBody>
-          <a:bodyPr vert="eaVert" lIns="45720" tIns="0" rIns="45720" bIns="0"/>
-          <a:lstStyle/>
-          <a:p>
-            <a:pPr lvl="0"/>
-            <a:r>
-              <a:rPr lang="en-US" smtClean="0"/>
-              <a:t>Click to edit Master text styles</a:t>
-            </a:r>
-          </a:p>
-          <a:p>
-            <a:pPr lvl="1"/>
-            <a:r>
-              <a:rPr lang="en-US" smtClean="0"/>
-              <a:t>Second level</a:t>
-            </a:r>
-          </a:p>
-          <a:p>
-            <a:pPr lvl="2"/>
-            <a:r>
-              <a:rPr lang="en-US" smtClean="0"/>
-              <a:t>Third level</a:t>
-            </a:r>
-          </a:p>
-          <a:p>
-            <a:pPr lvl="3"/>
-            <a:r>
-              <a:rPr lang="en-US" smtClean="0"/>
-              <a:t>Fourth level</a:t>
-            </a:r>
-          </a:p>
-          <a:p>
-            <a:pPr lvl="4"/>
-            <a:r>
-              <a:rPr lang="en-US" smtClean="0"/>
-              <a:t>Fifth level</a:t>
-            </a:r>
-            <a:endParaRPr lang="en-US" dirty="0"/>
-          </a:p>
-        </p:txBody>
-      </p:sp>
-      <p:sp>
-        <p:nvSpPr>
-          <p:cNvPr id="4" name="Date Placeholder 3"/>
-          <p:cNvSpPr>
-            <a:spLocks noGrp="1"/>
-          </p:cNvSpPr>
-          <p:nvPr>
-            <p:ph type="dt" sz="half" idx="10"/>
-          </p:nvPr>
-        </p:nvSpPr>
-        <p:spPr/>
-        <p:txBody>
-          <a:bodyPr/>
-          <a:lstStyle/>
-          <a:p>
-            <a:fld id="{BF0F175E-9EAC-E14B-B7AC-8C8F25EC1DAA}" type="datetime1">
-              <a:rPr lang="en-US" smtClean="0"/>
-              <a:t>11/13/15</a:t>
+              <a:t>7/7/2016</a:t>
             </a:fld>
             <a:endParaRPr lang="en-US"/>
           </a:p>
@@ -1258,10 +1254,9 @@
           <a:lstStyle/>
           <a:p>
             <a:r>
-              <a:rPr lang="sk-SK" smtClean="0"/>
-              <a:t>© 2015 EV3Lessons.com, Last edit 11/13/2015</a:t>
-            </a:r>
-            <a:endParaRPr lang="en-US"/>
+              <a:rPr lang="en-US"/>
+              <a:t>© 2015 EV3Lessons.com, Last edit 7/06/2016</a:t>
+            </a:r>
           </a:p>
         </p:txBody>
       </p:sp>
@@ -1415,7 +1410,7 @@
           <a:lstStyle/>
           <a:p>
             <a:r>
-              <a:rPr lang="en-US" smtClean="0"/>
+              <a:rPr lang="en-US"/>
               <a:t>Click to edit Master title style</a:t>
             </a:r>
             <a:endParaRPr lang="en-US" dirty="0"/>
@@ -1444,59 +1439,59 @@
           <a:p>
             <a:pPr lvl="0"/>
             <a:r>
+              <a:rPr lang="en-US"/>
+              <a:t>Click to edit Master text styles</a:t>
+            </a:r>
+          </a:p>
+          <a:p>
+            <a:pPr lvl="1"/>
+            <a:r>
+              <a:rPr lang="en-US"/>
+              <a:t>Second level</a:t>
+            </a:r>
+          </a:p>
+          <a:p>
+            <a:pPr lvl="2"/>
+            <a:r>
+              <a:rPr lang="en-US"/>
+              <a:t>Third level</a:t>
+            </a:r>
+          </a:p>
+          <a:p>
+            <a:pPr lvl="3"/>
+            <a:r>
+              <a:rPr lang="en-US"/>
+              <a:t>Fourth level</a:t>
+            </a:r>
+          </a:p>
+          <a:p>
+            <a:pPr lvl="4"/>
+            <a:r>
+              <a:rPr lang="en-US"/>
+              <a:t>Fifth level</a:t>
+            </a:r>
+            <a:endParaRPr lang="en-US" dirty="0"/>
+          </a:p>
+        </p:txBody>
+      </p:sp>
+      <p:sp>
+        <p:nvSpPr>
+          <p:cNvPr id="4" name="Date Placeholder 3"/>
+          <p:cNvSpPr>
+            <a:spLocks noGrp="1"/>
+          </p:cNvSpPr>
+          <p:nvPr>
+            <p:ph type="dt" sz="half" idx="10"/>
+          </p:nvPr>
+        </p:nvSpPr>
+        <p:spPr/>
+        <p:txBody>
+          <a:bodyPr/>
+          <a:lstStyle/>
+          <a:p>
+            <a:fld id="{BD9A8E37-E2BD-4CAE-B237-1EEED0ABFF10}" type="datetime1">
               <a:rPr lang="en-US" smtClean="0"/>
-              <a:t>Click to edit Master text styles</a:t>
-            </a:r>
-          </a:p>
-          <a:p>
-            <a:pPr lvl="1"/>
-            <a:r>
-              <a:rPr lang="en-US" smtClean="0"/>
-              <a:t>Second level</a:t>
-            </a:r>
-          </a:p>
-          <a:p>
-            <a:pPr lvl="2"/>
-            <a:r>
-              <a:rPr lang="en-US" smtClean="0"/>
-              <a:t>Third level</a:t>
-            </a:r>
-          </a:p>
-          <a:p>
-            <a:pPr lvl="3"/>
-            <a:r>
-              <a:rPr lang="en-US" smtClean="0"/>
-              <a:t>Fourth level</a:t>
-            </a:r>
-          </a:p>
-          <a:p>
-            <a:pPr lvl="4"/>
-            <a:r>
-              <a:rPr lang="en-US" smtClean="0"/>
-              <a:t>Fifth level</a:t>
-            </a:r>
-            <a:endParaRPr lang="en-US" dirty="0"/>
-          </a:p>
-        </p:txBody>
-      </p:sp>
-      <p:sp>
-        <p:nvSpPr>
-          <p:cNvPr id="4" name="Date Placeholder 3"/>
-          <p:cNvSpPr>
-            <a:spLocks noGrp="1"/>
-          </p:cNvSpPr>
-          <p:nvPr>
-            <p:ph type="dt" sz="half" idx="10"/>
-          </p:nvPr>
-        </p:nvSpPr>
-        <p:spPr/>
-        <p:txBody>
-          <a:bodyPr/>
-          <a:lstStyle/>
-          <a:p>
-            <a:fld id="{ABE2FCFC-C57A-2442-884C-F5C58B3A2465}" type="datetime1">
-              <a:rPr lang="en-US" smtClean="0"/>
-              <a:t>11/13/15</a:t>
+              <a:t>7/7/2016</a:t>
             </a:fld>
             <a:endParaRPr lang="en-US"/>
           </a:p>
@@ -1518,10 +1513,9 @@
           <a:lstStyle/>
           <a:p>
             <a:r>
-              <a:rPr lang="sk-SK" smtClean="0"/>
-              <a:t>© 2015 EV3Lessons.com, Last edit 11/13/2015</a:t>
-            </a:r>
-            <a:endParaRPr lang="en-US"/>
+              <a:rPr lang="en-US"/>
+              <a:t>© 2015 EV3Lessons.com, Last edit 7/06/2016</a:t>
+            </a:r>
           </a:p>
         </p:txBody>
       </p:sp>
@@ -1552,6 +1546,2385 @@
     <p:extLst>
       <p:ext uri="{BB962C8B-B14F-4D97-AF65-F5344CB8AC3E}">
         <p14:creationId xmlns:p14="http://schemas.microsoft.com/office/powerpoint/2010/main" val="1922797083"/>
+      </p:ext>
+    </p:extLst>
+  </p:cSld>
+  <p:clrMapOvr>
+    <a:masterClrMapping/>
+  </p:clrMapOvr>
+</p:sldLayout>
+</file>
+
+<file path=ppt/slideLayouts/slideLayout12.xml><?xml version="1.0" encoding="utf-8"?>
+<p:sldLayout xmlns:a="http://schemas.openxmlformats.org/drawingml/2006/main" xmlns:r="http://schemas.openxmlformats.org/officeDocument/2006/relationships" xmlns:p="http://schemas.openxmlformats.org/presentationml/2006/main" showMasterSp="0" type="title" preserve="1">
+  <p:cSld name="Title Slide">
+    <p:spTree>
+      <p:nvGrpSpPr>
+        <p:cNvPr id="1" name=""/>
+        <p:cNvGrpSpPr/>
+        <p:nvPr/>
+      </p:nvGrpSpPr>
+      <p:grpSpPr>
+        <a:xfrm>
+          <a:off x="0" y="0"/>
+          <a:ext cx="0" cy="0"/>
+          <a:chOff x="0" y="0"/>
+          <a:chExt cx="0" cy="0"/>
+        </a:xfrm>
+      </p:grpSpPr>
+      <p:sp>
+        <p:nvSpPr>
+          <p:cNvPr id="7" name="Rectangle 6"/>
+          <p:cNvSpPr/>
+          <p:nvPr/>
+        </p:nvSpPr>
+        <p:spPr>
+          <a:xfrm>
+            <a:off x="2382" y="6400800"/>
+            <a:ext cx="9141619" cy="457200"/>
+          </a:xfrm>
+          <a:prstGeom prst="rect">
+            <a:avLst/>
+          </a:prstGeom>
+          <a:solidFill>
+            <a:srgbClr val="0070C0"/>
+          </a:solidFill>
+          <a:ln>
+            <a:noFill/>
+          </a:ln>
+        </p:spPr>
+        <p:style>
+          <a:lnRef idx="2">
+            <a:schemeClr val="accent1">
+              <a:shade val="50000"/>
+            </a:schemeClr>
+          </a:lnRef>
+          <a:fillRef idx="1">
+            <a:schemeClr val="accent1"/>
+          </a:fillRef>
+          <a:effectRef idx="0">
+            <a:schemeClr val="accent1"/>
+          </a:effectRef>
+          <a:fontRef idx="minor">
+            <a:schemeClr val="lt1"/>
+          </a:fontRef>
+        </p:style>
+      </p:sp>
+      <p:sp>
+        <p:nvSpPr>
+          <p:cNvPr id="2" name="Title 1"/>
+          <p:cNvSpPr>
+            <a:spLocks noGrp="1"/>
+          </p:cNvSpPr>
+          <p:nvPr>
+            <p:ph type="ctrTitle" hasCustomPrompt="1"/>
+          </p:nvPr>
+        </p:nvSpPr>
+        <p:spPr>
+          <a:xfrm>
+            <a:off x="196279" y="154094"/>
+            <a:ext cx="3853207" cy="1870649"/>
+          </a:xfrm>
+          <a:ln>
+            <a:noFill/>
+          </a:ln>
+        </p:spPr>
+        <p:txBody>
+          <a:bodyPr anchor="ctr">
+            <a:normAutofit/>
+          </a:bodyPr>
+          <a:lstStyle>
+            <a:lvl1pPr algn="l">
+              <a:lnSpc>
+                <a:spcPct val="85000"/>
+              </a:lnSpc>
+              <a:defRPr sz="4000" spc="-50" baseline="0">
+                <a:solidFill>
+                  <a:schemeClr val="tx1">
+                    <a:lumMod val="85000"/>
+                    <a:lumOff val="15000"/>
+                  </a:schemeClr>
+                </a:solidFill>
+              </a:defRPr>
+            </a:lvl1pPr>
+          </a:lstStyle>
+          <a:p>
+            <a:r>
+              <a:rPr lang="en-US" dirty="0"/>
+              <a:t>INTERMEDIATE PROGRAMMING LESSON</a:t>
+            </a:r>
+          </a:p>
+        </p:txBody>
+      </p:sp>
+      <p:sp>
+        <p:nvSpPr>
+          <p:cNvPr id="3" name="Subtitle 2"/>
+          <p:cNvSpPr>
+            <a:spLocks noGrp="1"/>
+          </p:cNvSpPr>
+          <p:nvPr>
+            <p:ph type="subTitle" idx="1"/>
+          </p:nvPr>
+        </p:nvSpPr>
+        <p:spPr>
+          <a:xfrm>
+            <a:off x="1548051" y="3452894"/>
+            <a:ext cx="6004883" cy="401411"/>
+          </a:xfrm>
+        </p:spPr>
+        <p:txBody>
+          <a:bodyPr lIns="91440" rIns="91440">
+            <a:normAutofit/>
+          </a:bodyPr>
+          <a:lstStyle>
+            <a:lvl1pPr marL="0" indent="0" algn="ctr">
+              <a:buNone/>
+              <a:defRPr sz="2400" cap="all" spc="200" baseline="0">
+                <a:solidFill>
+                  <a:schemeClr val="tx2"/>
+                </a:solidFill>
+                <a:latin typeface="+mj-lt"/>
+              </a:defRPr>
+            </a:lvl1pPr>
+            <a:lvl2pPr marL="457200" indent="0" algn="ctr">
+              <a:buNone/>
+              <a:defRPr sz="2400"/>
+            </a:lvl2pPr>
+            <a:lvl3pPr marL="914400" indent="0" algn="ctr">
+              <a:buNone/>
+              <a:defRPr sz="2400"/>
+            </a:lvl3pPr>
+            <a:lvl4pPr marL="1371600" indent="0" algn="ctr">
+              <a:buNone/>
+              <a:defRPr sz="2000"/>
+            </a:lvl4pPr>
+            <a:lvl5pPr marL="1828800" indent="0" algn="ctr">
+              <a:buNone/>
+              <a:defRPr sz="2000"/>
+            </a:lvl5pPr>
+            <a:lvl6pPr marL="2286000" indent="0" algn="ctr">
+              <a:buNone/>
+              <a:defRPr sz="2000"/>
+            </a:lvl6pPr>
+            <a:lvl7pPr marL="2743200" indent="0" algn="ctr">
+              <a:buNone/>
+              <a:defRPr sz="2000"/>
+            </a:lvl7pPr>
+            <a:lvl8pPr marL="3200400" indent="0" algn="ctr">
+              <a:buNone/>
+              <a:defRPr sz="2000"/>
+            </a:lvl8pPr>
+            <a:lvl9pPr marL="3657600" indent="0" algn="ctr">
+              <a:buNone/>
+              <a:defRPr sz="2000"/>
+            </a:lvl9pPr>
+          </a:lstStyle>
+          <a:p>
+            <a:r>
+              <a:rPr lang="en-US"/>
+              <a:t>Click to edit Master subtitle style</a:t>
+            </a:r>
+            <a:endParaRPr lang="en-US" dirty="0"/>
+          </a:p>
+        </p:txBody>
+      </p:sp>
+      <p:sp>
+        <p:nvSpPr>
+          <p:cNvPr id="4" name="Date Placeholder 3"/>
+          <p:cNvSpPr>
+            <a:spLocks noGrp="1"/>
+          </p:cNvSpPr>
+          <p:nvPr>
+            <p:ph type="dt" sz="half" idx="10"/>
+          </p:nvPr>
+        </p:nvSpPr>
+        <p:spPr/>
+        <p:txBody>
+          <a:bodyPr/>
+          <a:lstStyle/>
+          <a:p>
+            <a:fld id="{4D933E21-E101-4D73-B43E-E88E406318A3}" type="datetime1">
+              <a:rPr lang="en-US" smtClean="0"/>
+              <a:t>7/7/2016</a:t>
+            </a:fld>
+            <a:endParaRPr lang="en-US"/>
+          </a:p>
+        </p:txBody>
+      </p:sp>
+      <p:sp>
+        <p:nvSpPr>
+          <p:cNvPr id="5" name="Footer Placeholder 4"/>
+          <p:cNvSpPr>
+            <a:spLocks noGrp="1"/>
+          </p:cNvSpPr>
+          <p:nvPr>
+            <p:ph type="ftr" sz="quarter" idx="11"/>
+          </p:nvPr>
+        </p:nvSpPr>
+        <p:spPr/>
+        <p:txBody>
+          <a:bodyPr/>
+          <a:lstStyle/>
+          <a:p>
+            <a:r>
+              <a:rPr lang="en-US"/>
+              <a:t>© 2015 EV3Lessons.com, Last edit 7/06/2016</a:t>
+            </a:r>
+          </a:p>
+        </p:txBody>
+      </p:sp>
+      <p:sp>
+        <p:nvSpPr>
+          <p:cNvPr id="6" name="Slide Number Placeholder 5"/>
+          <p:cNvSpPr>
+            <a:spLocks noGrp="1"/>
+          </p:cNvSpPr>
+          <p:nvPr>
+            <p:ph type="sldNum" sz="quarter" idx="12"/>
+          </p:nvPr>
+        </p:nvSpPr>
+        <p:spPr/>
+        <p:txBody>
+          <a:bodyPr/>
+          <a:lstStyle/>
+          <a:p>
+            <a:fld id="{7F5CE407-6216-4202-80E4-A30DC2F709B2}" type="slidenum">
+              <a:rPr lang="en-US" smtClean="0"/>
+              <a:t>‹#›</a:t>
+            </a:fld>
+            <a:endParaRPr lang="en-US"/>
+          </a:p>
+        </p:txBody>
+      </p:sp>
+      <p:cxnSp>
+        <p:nvCxnSpPr>
+          <p:cNvPr id="9" name="Straight Connector 8"/>
+          <p:cNvCxnSpPr/>
+          <p:nvPr/>
+        </p:nvCxnSpPr>
+        <p:spPr>
+          <a:xfrm>
+            <a:off x="905744" y="3854305"/>
+            <a:ext cx="7406640" cy="0"/>
+          </a:xfrm>
+          <a:prstGeom prst="line">
+            <a:avLst/>
+          </a:prstGeom>
+          <a:ln w="6350">
+            <a:solidFill>
+              <a:schemeClr val="tx1">
+                <a:lumMod val="50000"/>
+                <a:lumOff val="50000"/>
+              </a:schemeClr>
+            </a:solidFill>
+          </a:ln>
+        </p:spPr>
+        <p:style>
+          <a:lnRef idx="1">
+            <a:schemeClr val="accent1"/>
+          </a:lnRef>
+          <a:fillRef idx="0">
+            <a:schemeClr val="accent1"/>
+          </a:fillRef>
+          <a:effectRef idx="0">
+            <a:schemeClr val="accent1"/>
+          </a:effectRef>
+          <a:fontRef idx="minor">
+            <a:schemeClr val="tx1"/>
+          </a:fontRef>
+        </p:style>
+      </p:cxnSp>
+      <p:sp>
+        <p:nvSpPr>
+          <p:cNvPr id="10" name="Rectangle 9"/>
+          <p:cNvSpPr/>
+          <p:nvPr/>
+        </p:nvSpPr>
+        <p:spPr>
+          <a:xfrm>
+            <a:off x="0" y="6334315"/>
+            <a:ext cx="4487333" cy="92382"/>
+          </a:xfrm>
+          <a:prstGeom prst="rect">
+            <a:avLst/>
+          </a:prstGeom>
+          <a:solidFill>
+            <a:srgbClr val="00B050"/>
+          </a:solidFill>
+          <a:ln>
+            <a:noFill/>
+          </a:ln>
+        </p:spPr>
+        <p:style>
+          <a:lnRef idx="2">
+            <a:schemeClr val="accent1">
+              <a:shade val="50000"/>
+            </a:schemeClr>
+          </a:lnRef>
+          <a:fillRef idx="1">
+            <a:schemeClr val="accent1"/>
+          </a:fillRef>
+          <a:effectRef idx="0">
+            <a:schemeClr val="accent1"/>
+          </a:effectRef>
+          <a:fontRef idx="minor">
+            <a:schemeClr val="lt1"/>
+          </a:fontRef>
+        </p:style>
+      </p:sp>
+      <p:sp>
+        <p:nvSpPr>
+          <p:cNvPr id="11" name="Rectangle 10"/>
+          <p:cNvSpPr/>
+          <p:nvPr/>
+        </p:nvSpPr>
+        <p:spPr>
+          <a:xfrm>
+            <a:off x="4487333" y="6334315"/>
+            <a:ext cx="4656667" cy="92382"/>
+          </a:xfrm>
+          <a:prstGeom prst="rect">
+            <a:avLst/>
+          </a:prstGeom>
+          <a:solidFill>
+            <a:srgbClr val="7030A0"/>
+          </a:solidFill>
+          <a:ln>
+            <a:noFill/>
+          </a:ln>
+        </p:spPr>
+        <p:style>
+          <a:lnRef idx="2">
+            <a:schemeClr val="accent1">
+              <a:shade val="50000"/>
+            </a:schemeClr>
+          </a:lnRef>
+          <a:fillRef idx="1">
+            <a:schemeClr val="accent1"/>
+          </a:fillRef>
+          <a:effectRef idx="0">
+            <a:schemeClr val="accent1"/>
+          </a:effectRef>
+          <a:fontRef idx="minor">
+            <a:schemeClr val="lt1"/>
+          </a:fontRef>
+        </p:style>
+      </p:sp>
+      <p:sp>
+        <p:nvSpPr>
+          <p:cNvPr id="8" name="TextBox 7"/>
+          <p:cNvSpPr txBox="1"/>
+          <p:nvPr/>
+        </p:nvSpPr>
+        <p:spPr>
+          <a:xfrm>
+            <a:off x="2363695" y="3959525"/>
+            <a:ext cx="4373593" cy="369332"/>
+          </a:xfrm>
+          <a:prstGeom prst="rect">
+            <a:avLst/>
+          </a:prstGeom>
+          <a:noFill/>
+        </p:spPr>
+        <p:txBody>
+          <a:bodyPr wrap="square" rtlCol="0">
+            <a:spAutoFit/>
+          </a:bodyPr>
+          <a:lstStyle/>
+          <a:p>
+            <a:pPr algn="ctr"/>
+            <a:r>
+              <a:rPr lang="en-US" dirty="0">
+                <a:latin typeface="+mj-lt"/>
+              </a:rPr>
+              <a:t>By</a:t>
+            </a:r>
+            <a:r>
+              <a:rPr lang="en-US" baseline="0" dirty="0">
+                <a:latin typeface="+mj-lt"/>
+              </a:rPr>
+              <a:t> Sanjay and Arvind Seshan</a:t>
+            </a:r>
+            <a:endParaRPr lang="en-US" dirty="0">
+              <a:latin typeface="+mj-lt"/>
+            </a:endParaRPr>
+          </a:p>
+        </p:txBody>
+      </p:sp>
+      <p:pic>
+        <p:nvPicPr>
+          <p:cNvPr id="1026" name="Picture 2" descr="EV3Lessons.com"/>
+          <p:cNvPicPr>
+            <a:picLocks noChangeAspect="1" noChangeArrowheads="1"/>
+          </p:cNvPicPr>
+          <p:nvPr/>
+        </p:nvPicPr>
+        <p:blipFill>
+          <a:blip r:embed="rId2" cstate="email">
+            <a:extLst>
+              <a:ext uri="{28A0092B-C50C-407E-A947-70E740481C1C}">
+                <a14:useLocalDpi xmlns:a14="http://schemas.microsoft.com/office/drawing/2010/main" val="0"/>
+              </a:ext>
+            </a:extLst>
+          </a:blip>
+          <a:srcRect/>
+          <a:stretch>
+            <a:fillRect/>
+          </a:stretch>
+        </p:blipFill>
+        <p:spPr bwMode="auto">
+          <a:xfrm>
+            <a:off x="3955687" y="139554"/>
+            <a:ext cx="5075507" cy="1885189"/>
+          </a:xfrm>
+          <a:prstGeom prst="rect">
+            <a:avLst/>
+          </a:prstGeom>
+          <a:noFill/>
+          <a:extLst>
+            <a:ext uri="{909E8E84-426E-40DD-AFC4-6F175D3DCCD1}">
+              <a14:hiddenFill xmlns:a14="http://schemas.microsoft.com/office/drawing/2010/main">
+                <a:solidFill>
+                  <a:srgbClr val="FFFFFF"/>
+                </a:solidFill>
+              </a14:hiddenFill>
+            </a:ext>
+          </a:extLst>
+        </p:spPr>
+      </p:pic>
+      <p:sp>
+        <p:nvSpPr>
+          <p:cNvPr id="13" name="Rectangle 12"/>
+          <p:cNvSpPr/>
+          <p:nvPr userDrawn="1"/>
+        </p:nvSpPr>
+        <p:spPr>
+          <a:xfrm>
+            <a:off x="0" y="6334315"/>
+            <a:ext cx="4487333" cy="92382"/>
+          </a:xfrm>
+          <a:prstGeom prst="rect">
+            <a:avLst/>
+          </a:prstGeom>
+          <a:solidFill>
+            <a:srgbClr val="00B050"/>
+          </a:solidFill>
+          <a:ln>
+            <a:noFill/>
+          </a:ln>
+        </p:spPr>
+        <p:style>
+          <a:lnRef idx="2">
+            <a:schemeClr val="accent1">
+              <a:shade val="50000"/>
+            </a:schemeClr>
+          </a:lnRef>
+          <a:fillRef idx="1">
+            <a:schemeClr val="accent1"/>
+          </a:fillRef>
+          <a:effectRef idx="0">
+            <a:schemeClr val="accent1"/>
+          </a:effectRef>
+          <a:fontRef idx="minor">
+            <a:schemeClr val="lt1"/>
+          </a:fontRef>
+        </p:style>
+      </p:sp>
+      <p:sp>
+        <p:nvSpPr>
+          <p:cNvPr id="14" name="Rectangle 13"/>
+          <p:cNvSpPr/>
+          <p:nvPr userDrawn="1"/>
+        </p:nvSpPr>
+        <p:spPr>
+          <a:xfrm>
+            <a:off x="4487333" y="6334315"/>
+            <a:ext cx="4656667" cy="92382"/>
+          </a:xfrm>
+          <a:prstGeom prst="rect">
+            <a:avLst/>
+          </a:prstGeom>
+          <a:solidFill>
+            <a:srgbClr val="7030A0"/>
+          </a:solidFill>
+          <a:ln>
+            <a:noFill/>
+          </a:ln>
+        </p:spPr>
+        <p:style>
+          <a:lnRef idx="2">
+            <a:schemeClr val="accent1">
+              <a:shade val="50000"/>
+            </a:schemeClr>
+          </a:lnRef>
+          <a:fillRef idx="1">
+            <a:schemeClr val="accent1"/>
+          </a:fillRef>
+          <a:effectRef idx="0">
+            <a:schemeClr val="accent1"/>
+          </a:effectRef>
+          <a:fontRef idx="minor">
+            <a:schemeClr val="lt1"/>
+          </a:fontRef>
+        </p:style>
+      </p:sp>
+    </p:spTree>
+    <p:extLst>
+      <p:ext uri="{BB962C8B-B14F-4D97-AF65-F5344CB8AC3E}">
+        <p14:creationId xmlns:p14="http://schemas.microsoft.com/office/powerpoint/2010/main" val="171929820"/>
+      </p:ext>
+    </p:extLst>
+  </p:cSld>
+  <p:clrMapOvr>
+    <a:masterClrMapping/>
+  </p:clrMapOvr>
+</p:sldLayout>
+</file>
+
+<file path=ppt/slideLayouts/slideLayout13.xml><?xml version="1.0" encoding="utf-8"?>
+<p:sldLayout xmlns:a="http://schemas.openxmlformats.org/drawingml/2006/main" xmlns:r="http://schemas.openxmlformats.org/officeDocument/2006/relationships" xmlns:p="http://schemas.openxmlformats.org/presentationml/2006/main" type="obj" preserve="1">
+  <p:cSld name="Title and Content">
+    <p:spTree>
+      <p:nvGrpSpPr>
+        <p:cNvPr id="1" name=""/>
+        <p:cNvGrpSpPr/>
+        <p:nvPr/>
+      </p:nvGrpSpPr>
+      <p:grpSpPr>
+        <a:xfrm>
+          <a:off x="0" y="0"/>
+          <a:ext cx="0" cy="0"/>
+          <a:chOff x="0" y="0"/>
+          <a:chExt cx="0" cy="0"/>
+        </a:xfrm>
+      </p:grpSpPr>
+      <p:sp>
+        <p:nvSpPr>
+          <p:cNvPr id="2" name="Title 1"/>
+          <p:cNvSpPr>
+            <a:spLocks noGrp="1"/>
+          </p:cNvSpPr>
+          <p:nvPr>
+            <p:ph type="title"/>
+          </p:nvPr>
+        </p:nvSpPr>
+        <p:spPr/>
+        <p:txBody>
+          <a:bodyPr/>
+          <a:lstStyle/>
+          <a:p>
+            <a:r>
+              <a:rPr lang="en-US"/>
+              <a:t>Click to edit Master title style</a:t>
+            </a:r>
+            <a:endParaRPr lang="en-US" dirty="0"/>
+          </a:p>
+        </p:txBody>
+      </p:sp>
+      <p:sp>
+        <p:nvSpPr>
+          <p:cNvPr id="3" name="Content Placeholder 2"/>
+          <p:cNvSpPr>
+            <a:spLocks noGrp="1"/>
+          </p:cNvSpPr>
+          <p:nvPr>
+            <p:ph idx="1"/>
+          </p:nvPr>
+        </p:nvSpPr>
+        <p:spPr/>
+        <p:txBody>
+          <a:bodyPr/>
+          <a:lstStyle/>
+          <a:p>
+            <a:pPr lvl="0"/>
+            <a:r>
+              <a:rPr lang="en-US"/>
+              <a:t>Edit Master text styles</a:t>
+            </a:r>
+          </a:p>
+          <a:p>
+            <a:pPr lvl="1"/>
+            <a:r>
+              <a:rPr lang="en-US"/>
+              <a:t>Second level</a:t>
+            </a:r>
+          </a:p>
+          <a:p>
+            <a:pPr lvl="2"/>
+            <a:r>
+              <a:rPr lang="en-US"/>
+              <a:t>Third level</a:t>
+            </a:r>
+          </a:p>
+          <a:p>
+            <a:pPr lvl="3"/>
+            <a:r>
+              <a:rPr lang="en-US"/>
+              <a:t>Fourth level</a:t>
+            </a:r>
+          </a:p>
+          <a:p>
+            <a:pPr lvl="4"/>
+            <a:r>
+              <a:rPr lang="en-US"/>
+              <a:t>Fifth level</a:t>
+            </a:r>
+            <a:endParaRPr lang="en-US" dirty="0"/>
+          </a:p>
+        </p:txBody>
+      </p:sp>
+      <p:sp>
+        <p:nvSpPr>
+          <p:cNvPr id="4" name="Date Placeholder 3"/>
+          <p:cNvSpPr>
+            <a:spLocks noGrp="1"/>
+          </p:cNvSpPr>
+          <p:nvPr>
+            <p:ph type="dt" sz="half" idx="10"/>
+          </p:nvPr>
+        </p:nvSpPr>
+        <p:spPr/>
+        <p:txBody>
+          <a:bodyPr/>
+          <a:lstStyle/>
+          <a:p>
+            <a:fld id="{C9F1B8B2-FE24-4934-A1D5-B0D2E5301B1C}" type="datetime1">
+              <a:rPr lang="en-US" smtClean="0"/>
+              <a:t>7/7/2016</a:t>
+            </a:fld>
+            <a:endParaRPr lang="en-US"/>
+          </a:p>
+        </p:txBody>
+      </p:sp>
+      <p:sp>
+        <p:nvSpPr>
+          <p:cNvPr id="5" name="Footer Placeholder 4"/>
+          <p:cNvSpPr>
+            <a:spLocks noGrp="1"/>
+          </p:cNvSpPr>
+          <p:nvPr>
+            <p:ph type="ftr" sz="quarter" idx="11"/>
+          </p:nvPr>
+        </p:nvSpPr>
+        <p:spPr/>
+        <p:txBody>
+          <a:bodyPr/>
+          <a:lstStyle/>
+          <a:p>
+            <a:r>
+              <a:rPr lang="en-US"/>
+              <a:t>© 2015 EV3Lessons.com, Last edit 7/06/2016</a:t>
+            </a:r>
+          </a:p>
+        </p:txBody>
+      </p:sp>
+      <p:sp>
+        <p:nvSpPr>
+          <p:cNvPr id="6" name="Slide Number Placeholder 5"/>
+          <p:cNvSpPr>
+            <a:spLocks noGrp="1"/>
+          </p:cNvSpPr>
+          <p:nvPr>
+            <p:ph type="sldNum" sz="quarter" idx="12"/>
+          </p:nvPr>
+        </p:nvSpPr>
+        <p:spPr/>
+        <p:txBody>
+          <a:bodyPr/>
+          <a:lstStyle/>
+          <a:p>
+            <a:fld id="{4382A7F7-08BF-4252-8141-63FB96055BBB}" type="slidenum">
+              <a:rPr lang="en-US" smtClean="0"/>
+              <a:t>‹#›</a:t>
+            </a:fld>
+            <a:endParaRPr lang="en-US"/>
+          </a:p>
+        </p:txBody>
+      </p:sp>
+    </p:spTree>
+    <p:extLst>
+      <p:ext uri="{BB962C8B-B14F-4D97-AF65-F5344CB8AC3E}">
+        <p14:creationId xmlns:p14="http://schemas.microsoft.com/office/powerpoint/2010/main" val="2676472055"/>
+      </p:ext>
+    </p:extLst>
+  </p:cSld>
+  <p:clrMapOvr>
+    <a:masterClrMapping/>
+  </p:clrMapOvr>
+</p:sldLayout>
+</file>
+
+<file path=ppt/slideLayouts/slideLayout14.xml><?xml version="1.0" encoding="utf-8"?>
+<p:sldLayout xmlns:a="http://schemas.openxmlformats.org/drawingml/2006/main" xmlns:r="http://schemas.openxmlformats.org/officeDocument/2006/relationships" xmlns:p="http://schemas.openxmlformats.org/presentationml/2006/main" showMasterSp="0" type="secHead" preserve="1">
+  <p:cSld name="Section Header">
+    <p:bg>
+      <p:bgPr>
+        <a:solidFill>
+          <a:schemeClr val="bg1"/>
+        </a:solidFill>
+        <a:effectLst/>
+      </p:bgPr>
+    </p:bg>
+    <p:spTree>
+      <p:nvGrpSpPr>
+        <p:cNvPr id="1" name=""/>
+        <p:cNvGrpSpPr/>
+        <p:nvPr/>
+      </p:nvGrpSpPr>
+      <p:grpSpPr>
+        <a:xfrm>
+          <a:off x="0" y="0"/>
+          <a:ext cx="0" cy="0"/>
+          <a:chOff x="0" y="0"/>
+          <a:chExt cx="0" cy="0"/>
+        </a:xfrm>
+      </p:grpSpPr>
+      <p:sp>
+        <p:nvSpPr>
+          <p:cNvPr id="7" name="Rectangle 6"/>
+          <p:cNvSpPr/>
+          <p:nvPr/>
+        </p:nvSpPr>
+        <p:spPr>
+          <a:xfrm>
+            <a:off x="2382" y="6400800"/>
+            <a:ext cx="9141619" cy="457200"/>
+          </a:xfrm>
+          <a:prstGeom prst="rect">
+            <a:avLst/>
+          </a:prstGeom>
+          <a:solidFill>
+            <a:schemeClr val="accent2"/>
+          </a:solidFill>
+          <a:ln>
+            <a:noFill/>
+          </a:ln>
+        </p:spPr>
+        <p:style>
+          <a:lnRef idx="2">
+            <a:schemeClr val="accent1">
+              <a:shade val="50000"/>
+            </a:schemeClr>
+          </a:lnRef>
+          <a:fillRef idx="1">
+            <a:schemeClr val="accent1"/>
+          </a:fillRef>
+          <a:effectRef idx="0">
+            <a:schemeClr val="accent1"/>
+          </a:effectRef>
+          <a:fontRef idx="minor">
+            <a:schemeClr val="lt1"/>
+          </a:fontRef>
+        </p:style>
+      </p:sp>
+      <p:sp>
+        <p:nvSpPr>
+          <p:cNvPr id="8" name="Rectangle 7"/>
+          <p:cNvSpPr/>
+          <p:nvPr/>
+        </p:nvSpPr>
+        <p:spPr>
+          <a:xfrm>
+            <a:off x="12" y="6334316"/>
+            <a:ext cx="9141619" cy="64008"/>
+          </a:xfrm>
+          <a:prstGeom prst="rect">
+            <a:avLst/>
+          </a:prstGeom>
+          <a:solidFill>
+            <a:schemeClr val="accent1"/>
+          </a:solidFill>
+          <a:ln>
+            <a:noFill/>
+          </a:ln>
+        </p:spPr>
+        <p:style>
+          <a:lnRef idx="2">
+            <a:schemeClr val="accent1">
+              <a:shade val="50000"/>
+            </a:schemeClr>
+          </a:lnRef>
+          <a:fillRef idx="1">
+            <a:schemeClr val="accent1"/>
+          </a:fillRef>
+          <a:effectRef idx="0">
+            <a:schemeClr val="accent1"/>
+          </a:effectRef>
+          <a:fontRef idx="minor">
+            <a:schemeClr val="lt1"/>
+          </a:fontRef>
+        </p:style>
+      </p:sp>
+      <p:sp>
+        <p:nvSpPr>
+          <p:cNvPr id="2" name="Title 1"/>
+          <p:cNvSpPr>
+            <a:spLocks noGrp="1"/>
+          </p:cNvSpPr>
+          <p:nvPr>
+            <p:ph type="title"/>
+          </p:nvPr>
+        </p:nvSpPr>
+        <p:spPr>
+          <a:xfrm>
+            <a:off x="822960" y="758952"/>
+            <a:ext cx="7543800" cy="3566160"/>
+          </a:xfrm>
+        </p:spPr>
+        <p:txBody>
+          <a:bodyPr anchor="b" anchorCtr="0">
+            <a:normAutofit/>
+          </a:bodyPr>
+          <a:lstStyle>
+            <a:lvl1pPr>
+              <a:lnSpc>
+                <a:spcPct val="85000"/>
+              </a:lnSpc>
+              <a:defRPr sz="8000" b="0">
+                <a:solidFill>
+                  <a:schemeClr val="tx1">
+                    <a:lumMod val="85000"/>
+                    <a:lumOff val="15000"/>
+                  </a:schemeClr>
+                </a:solidFill>
+              </a:defRPr>
+            </a:lvl1pPr>
+          </a:lstStyle>
+          <a:p>
+            <a:r>
+              <a:rPr lang="en-US"/>
+              <a:t>Click to edit Master title style</a:t>
+            </a:r>
+            <a:endParaRPr lang="en-US" dirty="0"/>
+          </a:p>
+        </p:txBody>
+      </p:sp>
+      <p:sp>
+        <p:nvSpPr>
+          <p:cNvPr id="3" name="Text Placeholder 2"/>
+          <p:cNvSpPr>
+            <a:spLocks noGrp="1"/>
+          </p:cNvSpPr>
+          <p:nvPr>
+            <p:ph type="body" idx="1"/>
+          </p:nvPr>
+        </p:nvSpPr>
+        <p:spPr>
+          <a:xfrm>
+            <a:off x="822960" y="4453128"/>
+            <a:ext cx="7543800" cy="1143000"/>
+          </a:xfrm>
+        </p:spPr>
+        <p:txBody>
+          <a:bodyPr lIns="91440" rIns="91440" anchor="t" anchorCtr="0">
+            <a:normAutofit/>
+          </a:bodyPr>
+          <a:lstStyle>
+            <a:lvl1pPr marL="0" indent="0">
+              <a:buNone/>
+              <a:defRPr sz="2400" cap="all" spc="200" baseline="0">
+                <a:solidFill>
+                  <a:schemeClr val="tx2"/>
+                </a:solidFill>
+                <a:latin typeface="+mj-lt"/>
+              </a:defRPr>
+            </a:lvl1pPr>
+            <a:lvl2pPr marL="457200" indent="0">
+              <a:buNone/>
+              <a:defRPr sz="1800">
+                <a:solidFill>
+                  <a:schemeClr val="tx1">
+                    <a:tint val="75000"/>
+                  </a:schemeClr>
+                </a:solidFill>
+              </a:defRPr>
+            </a:lvl2pPr>
+            <a:lvl3pPr marL="914400" indent="0">
+              <a:buNone/>
+              <a:defRPr sz="1600">
+                <a:solidFill>
+                  <a:schemeClr val="tx1">
+                    <a:tint val="75000"/>
+                  </a:schemeClr>
+                </a:solidFill>
+              </a:defRPr>
+            </a:lvl3pPr>
+            <a:lvl4pPr marL="1371600" indent="0">
+              <a:buNone/>
+              <a:defRPr sz="1400">
+                <a:solidFill>
+                  <a:schemeClr val="tx1">
+                    <a:tint val="75000"/>
+                  </a:schemeClr>
+                </a:solidFill>
+              </a:defRPr>
+            </a:lvl4pPr>
+            <a:lvl5pPr marL="1828800" indent="0">
+              <a:buNone/>
+              <a:defRPr sz="1400">
+                <a:solidFill>
+                  <a:schemeClr val="tx1">
+                    <a:tint val="75000"/>
+                  </a:schemeClr>
+                </a:solidFill>
+              </a:defRPr>
+            </a:lvl5pPr>
+            <a:lvl6pPr marL="2286000" indent="0">
+              <a:buNone/>
+              <a:defRPr sz="1400">
+                <a:solidFill>
+                  <a:schemeClr val="tx1">
+                    <a:tint val="75000"/>
+                  </a:schemeClr>
+                </a:solidFill>
+              </a:defRPr>
+            </a:lvl6pPr>
+            <a:lvl7pPr marL="2743200" indent="0">
+              <a:buNone/>
+              <a:defRPr sz="1400">
+                <a:solidFill>
+                  <a:schemeClr val="tx1">
+                    <a:tint val="75000"/>
+                  </a:schemeClr>
+                </a:solidFill>
+              </a:defRPr>
+            </a:lvl7pPr>
+            <a:lvl8pPr marL="3200400" indent="0">
+              <a:buNone/>
+              <a:defRPr sz="1400">
+                <a:solidFill>
+                  <a:schemeClr val="tx1">
+                    <a:tint val="75000"/>
+                  </a:schemeClr>
+                </a:solidFill>
+              </a:defRPr>
+            </a:lvl8pPr>
+            <a:lvl9pPr marL="3657600" indent="0">
+              <a:buNone/>
+              <a:defRPr sz="1400">
+                <a:solidFill>
+                  <a:schemeClr val="tx1">
+                    <a:tint val="75000"/>
+                  </a:schemeClr>
+                </a:solidFill>
+              </a:defRPr>
+            </a:lvl9pPr>
+          </a:lstStyle>
+          <a:p>
+            <a:pPr lvl="0"/>
+            <a:r>
+              <a:rPr lang="en-US"/>
+              <a:t>Edit Master text styles</a:t>
+            </a:r>
+          </a:p>
+        </p:txBody>
+      </p:sp>
+      <p:sp>
+        <p:nvSpPr>
+          <p:cNvPr id="4" name="Date Placeholder 3"/>
+          <p:cNvSpPr>
+            <a:spLocks noGrp="1"/>
+          </p:cNvSpPr>
+          <p:nvPr>
+            <p:ph type="dt" sz="half" idx="10"/>
+          </p:nvPr>
+        </p:nvSpPr>
+        <p:spPr/>
+        <p:txBody>
+          <a:bodyPr/>
+          <a:lstStyle/>
+          <a:p>
+            <a:fld id="{BA3B3C2F-EC1C-46CA-BECB-CFF1C49CD76C}" type="datetime1">
+              <a:rPr lang="en-US" smtClean="0"/>
+              <a:t>7/7/2016</a:t>
+            </a:fld>
+            <a:endParaRPr lang="en-US"/>
+          </a:p>
+        </p:txBody>
+      </p:sp>
+      <p:sp>
+        <p:nvSpPr>
+          <p:cNvPr id="5" name="Footer Placeholder 4"/>
+          <p:cNvSpPr>
+            <a:spLocks noGrp="1"/>
+          </p:cNvSpPr>
+          <p:nvPr>
+            <p:ph type="ftr" sz="quarter" idx="11"/>
+          </p:nvPr>
+        </p:nvSpPr>
+        <p:spPr/>
+        <p:txBody>
+          <a:bodyPr/>
+          <a:lstStyle/>
+          <a:p>
+            <a:r>
+              <a:rPr lang="en-US"/>
+              <a:t>© 2015 EV3Lessons.com, Last edit 7/06/2016</a:t>
+            </a:r>
+          </a:p>
+        </p:txBody>
+      </p:sp>
+      <p:sp>
+        <p:nvSpPr>
+          <p:cNvPr id="6" name="Slide Number Placeholder 5"/>
+          <p:cNvSpPr>
+            <a:spLocks noGrp="1"/>
+          </p:cNvSpPr>
+          <p:nvPr>
+            <p:ph type="sldNum" sz="quarter" idx="12"/>
+          </p:nvPr>
+        </p:nvSpPr>
+        <p:spPr/>
+        <p:txBody>
+          <a:bodyPr/>
+          <a:lstStyle/>
+          <a:p>
+            <a:fld id="{162F1D00-BD13-4404-86B0-79703945A0A7}" type="slidenum">
+              <a:rPr lang="en-US" smtClean="0"/>
+              <a:t>‹#›</a:t>
+            </a:fld>
+            <a:endParaRPr lang="en-US"/>
+          </a:p>
+        </p:txBody>
+      </p:sp>
+      <p:cxnSp>
+        <p:nvCxnSpPr>
+          <p:cNvPr id="9" name="Straight Connector 8"/>
+          <p:cNvCxnSpPr/>
+          <p:nvPr/>
+        </p:nvCxnSpPr>
+        <p:spPr>
+          <a:xfrm>
+            <a:off x="905744" y="4343400"/>
+            <a:ext cx="7406640" cy="0"/>
+          </a:xfrm>
+          <a:prstGeom prst="line">
+            <a:avLst/>
+          </a:prstGeom>
+          <a:ln w="6350">
+            <a:solidFill>
+              <a:schemeClr val="tx1">
+                <a:lumMod val="50000"/>
+                <a:lumOff val="50000"/>
+              </a:schemeClr>
+            </a:solidFill>
+          </a:ln>
+        </p:spPr>
+        <p:style>
+          <a:lnRef idx="1">
+            <a:schemeClr val="accent1"/>
+          </a:lnRef>
+          <a:fillRef idx="0">
+            <a:schemeClr val="accent1"/>
+          </a:fillRef>
+          <a:effectRef idx="0">
+            <a:schemeClr val="accent1"/>
+          </a:effectRef>
+          <a:fontRef idx="minor">
+            <a:schemeClr val="tx1"/>
+          </a:fontRef>
+        </p:style>
+      </p:cxnSp>
+    </p:spTree>
+    <p:extLst>
+      <p:ext uri="{BB962C8B-B14F-4D97-AF65-F5344CB8AC3E}">
+        <p14:creationId xmlns:p14="http://schemas.microsoft.com/office/powerpoint/2010/main" val="3018165587"/>
+      </p:ext>
+    </p:extLst>
+  </p:cSld>
+  <p:clrMapOvr>
+    <a:masterClrMapping/>
+  </p:clrMapOvr>
+</p:sldLayout>
+</file>
+
+<file path=ppt/slideLayouts/slideLayout15.xml><?xml version="1.0" encoding="utf-8"?>
+<p:sldLayout xmlns:a="http://schemas.openxmlformats.org/drawingml/2006/main" xmlns:r="http://schemas.openxmlformats.org/officeDocument/2006/relationships" xmlns:p="http://schemas.openxmlformats.org/presentationml/2006/main" type="twoObj" preserve="1">
+  <p:cSld name="Two Content">
+    <p:spTree>
+      <p:nvGrpSpPr>
+        <p:cNvPr id="1" name=""/>
+        <p:cNvGrpSpPr/>
+        <p:nvPr/>
+      </p:nvGrpSpPr>
+      <p:grpSpPr>
+        <a:xfrm>
+          <a:off x="0" y="0"/>
+          <a:ext cx="0" cy="0"/>
+          <a:chOff x="0" y="0"/>
+          <a:chExt cx="0" cy="0"/>
+        </a:xfrm>
+      </p:grpSpPr>
+      <p:sp>
+        <p:nvSpPr>
+          <p:cNvPr id="8" name="Title 7"/>
+          <p:cNvSpPr>
+            <a:spLocks noGrp="1"/>
+          </p:cNvSpPr>
+          <p:nvPr>
+            <p:ph type="title"/>
+          </p:nvPr>
+        </p:nvSpPr>
+        <p:spPr>
+          <a:xfrm>
+            <a:off x="822960" y="286604"/>
+            <a:ext cx="7543800" cy="1450757"/>
+          </a:xfrm>
+        </p:spPr>
+        <p:txBody>
+          <a:bodyPr/>
+          <a:lstStyle/>
+          <a:p>
+            <a:r>
+              <a:rPr lang="en-US"/>
+              <a:t>Click to edit Master title style</a:t>
+            </a:r>
+            <a:endParaRPr lang="en-US" dirty="0"/>
+          </a:p>
+        </p:txBody>
+      </p:sp>
+      <p:sp>
+        <p:nvSpPr>
+          <p:cNvPr id="3" name="Content Placeholder 2"/>
+          <p:cNvSpPr>
+            <a:spLocks noGrp="1"/>
+          </p:cNvSpPr>
+          <p:nvPr>
+            <p:ph sz="half" idx="1"/>
+          </p:nvPr>
+        </p:nvSpPr>
+        <p:spPr>
+          <a:xfrm>
+            <a:off x="822960" y="1845734"/>
+            <a:ext cx="3703320" cy="4023360"/>
+          </a:xfrm>
+        </p:spPr>
+        <p:txBody>
+          <a:bodyPr/>
+          <a:lstStyle/>
+          <a:p>
+            <a:pPr lvl="0"/>
+            <a:r>
+              <a:rPr lang="en-US"/>
+              <a:t>Edit Master text styles</a:t>
+            </a:r>
+          </a:p>
+          <a:p>
+            <a:pPr lvl="1"/>
+            <a:r>
+              <a:rPr lang="en-US"/>
+              <a:t>Second level</a:t>
+            </a:r>
+          </a:p>
+          <a:p>
+            <a:pPr lvl="2"/>
+            <a:r>
+              <a:rPr lang="en-US"/>
+              <a:t>Third level</a:t>
+            </a:r>
+          </a:p>
+          <a:p>
+            <a:pPr lvl="3"/>
+            <a:r>
+              <a:rPr lang="en-US"/>
+              <a:t>Fourth level</a:t>
+            </a:r>
+          </a:p>
+          <a:p>
+            <a:pPr lvl="4"/>
+            <a:r>
+              <a:rPr lang="en-US"/>
+              <a:t>Fifth level</a:t>
+            </a:r>
+            <a:endParaRPr lang="en-US" dirty="0"/>
+          </a:p>
+        </p:txBody>
+      </p:sp>
+      <p:sp>
+        <p:nvSpPr>
+          <p:cNvPr id="4" name="Content Placeholder 3"/>
+          <p:cNvSpPr>
+            <a:spLocks noGrp="1"/>
+          </p:cNvSpPr>
+          <p:nvPr>
+            <p:ph sz="half" idx="2"/>
+          </p:nvPr>
+        </p:nvSpPr>
+        <p:spPr>
+          <a:xfrm>
+            <a:off x="4663440" y="1845736"/>
+            <a:ext cx="3703320" cy="4023359"/>
+          </a:xfrm>
+        </p:spPr>
+        <p:txBody>
+          <a:bodyPr/>
+          <a:lstStyle/>
+          <a:p>
+            <a:pPr lvl="0"/>
+            <a:r>
+              <a:rPr lang="en-US"/>
+              <a:t>Edit Master text styles</a:t>
+            </a:r>
+          </a:p>
+          <a:p>
+            <a:pPr lvl="1"/>
+            <a:r>
+              <a:rPr lang="en-US"/>
+              <a:t>Second level</a:t>
+            </a:r>
+          </a:p>
+          <a:p>
+            <a:pPr lvl="2"/>
+            <a:r>
+              <a:rPr lang="en-US"/>
+              <a:t>Third level</a:t>
+            </a:r>
+          </a:p>
+          <a:p>
+            <a:pPr lvl="3"/>
+            <a:r>
+              <a:rPr lang="en-US"/>
+              <a:t>Fourth level</a:t>
+            </a:r>
+          </a:p>
+          <a:p>
+            <a:pPr lvl="4"/>
+            <a:r>
+              <a:rPr lang="en-US"/>
+              <a:t>Fifth level</a:t>
+            </a:r>
+            <a:endParaRPr lang="en-US" dirty="0"/>
+          </a:p>
+        </p:txBody>
+      </p:sp>
+      <p:sp>
+        <p:nvSpPr>
+          <p:cNvPr id="5" name="Date Placeholder 4"/>
+          <p:cNvSpPr>
+            <a:spLocks noGrp="1"/>
+          </p:cNvSpPr>
+          <p:nvPr>
+            <p:ph type="dt" sz="half" idx="10"/>
+          </p:nvPr>
+        </p:nvSpPr>
+        <p:spPr/>
+        <p:txBody>
+          <a:bodyPr/>
+          <a:lstStyle/>
+          <a:p>
+            <a:fld id="{00827A6B-EFF2-41DA-9389-1DD4326B2EE4}" type="datetime1">
+              <a:rPr lang="en-US" smtClean="0"/>
+              <a:t>7/7/2016</a:t>
+            </a:fld>
+            <a:endParaRPr lang="en-US"/>
+          </a:p>
+        </p:txBody>
+      </p:sp>
+      <p:sp>
+        <p:nvSpPr>
+          <p:cNvPr id="6" name="Footer Placeholder 5"/>
+          <p:cNvSpPr>
+            <a:spLocks noGrp="1"/>
+          </p:cNvSpPr>
+          <p:nvPr>
+            <p:ph type="ftr" sz="quarter" idx="11"/>
+          </p:nvPr>
+        </p:nvSpPr>
+        <p:spPr/>
+        <p:txBody>
+          <a:bodyPr/>
+          <a:lstStyle/>
+          <a:p>
+            <a:r>
+              <a:rPr lang="en-US"/>
+              <a:t>© 2015 EV3Lessons.com, Last edit 7/06/2016</a:t>
+            </a:r>
+            <a:endParaRPr lang="en-US" dirty="0"/>
+          </a:p>
+        </p:txBody>
+      </p:sp>
+      <p:sp>
+        <p:nvSpPr>
+          <p:cNvPr id="7" name="Slide Number Placeholder 6"/>
+          <p:cNvSpPr>
+            <a:spLocks noGrp="1"/>
+          </p:cNvSpPr>
+          <p:nvPr>
+            <p:ph type="sldNum" sz="quarter" idx="12"/>
+          </p:nvPr>
+        </p:nvSpPr>
+        <p:spPr/>
+        <p:txBody>
+          <a:bodyPr/>
+          <a:lstStyle/>
+          <a:p>
+            <a:fld id="{4382A7F7-08BF-4252-8141-63FB96055BBB}" type="slidenum">
+              <a:rPr lang="en-US" smtClean="0"/>
+              <a:t>‹#›</a:t>
+            </a:fld>
+            <a:endParaRPr lang="en-US"/>
+          </a:p>
+        </p:txBody>
+      </p:sp>
+    </p:spTree>
+    <p:extLst>
+      <p:ext uri="{BB962C8B-B14F-4D97-AF65-F5344CB8AC3E}">
+        <p14:creationId xmlns:p14="http://schemas.microsoft.com/office/powerpoint/2010/main" val="1762618034"/>
+      </p:ext>
+    </p:extLst>
+  </p:cSld>
+  <p:clrMapOvr>
+    <a:masterClrMapping/>
+  </p:clrMapOvr>
+</p:sldLayout>
+</file>
+
+<file path=ppt/slideLayouts/slideLayout16.xml><?xml version="1.0" encoding="utf-8"?>
+<p:sldLayout xmlns:a="http://schemas.openxmlformats.org/drawingml/2006/main" xmlns:r="http://schemas.openxmlformats.org/officeDocument/2006/relationships" xmlns:p="http://schemas.openxmlformats.org/presentationml/2006/main" type="twoTxTwoObj" preserve="1">
+  <p:cSld name="Comparison">
+    <p:spTree>
+      <p:nvGrpSpPr>
+        <p:cNvPr id="1" name=""/>
+        <p:cNvGrpSpPr/>
+        <p:nvPr/>
+      </p:nvGrpSpPr>
+      <p:grpSpPr>
+        <a:xfrm>
+          <a:off x="0" y="0"/>
+          <a:ext cx="0" cy="0"/>
+          <a:chOff x="0" y="0"/>
+          <a:chExt cx="0" cy="0"/>
+        </a:xfrm>
+      </p:grpSpPr>
+      <p:sp>
+        <p:nvSpPr>
+          <p:cNvPr id="10" name="Title 9"/>
+          <p:cNvSpPr>
+            <a:spLocks noGrp="1"/>
+          </p:cNvSpPr>
+          <p:nvPr>
+            <p:ph type="title"/>
+          </p:nvPr>
+        </p:nvSpPr>
+        <p:spPr>
+          <a:xfrm>
+            <a:off x="822960" y="286604"/>
+            <a:ext cx="7543800" cy="1450757"/>
+          </a:xfrm>
+        </p:spPr>
+        <p:txBody>
+          <a:bodyPr/>
+          <a:lstStyle/>
+          <a:p>
+            <a:r>
+              <a:rPr lang="en-US"/>
+              <a:t>Click to edit Master title style</a:t>
+            </a:r>
+            <a:endParaRPr lang="en-US" dirty="0"/>
+          </a:p>
+        </p:txBody>
+      </p:sp>
+      <p:sp>
+        <p:nvSpPr>
+          <p:cNvPr id="3" name="Text Placeholder 2"/>
+          <p:cNvSpPr>
+            <a:spLocks noGrp="1"/>
+          </p:cNvSpPr>
+          <p:nvPr>
+            <p:ph type="body" idx="1"/>
+          </p:nvPr>
+        </p:nvSpPr>
+        <p:spPr>
+          <a:xfrm>
+            <a:off x="822960" y="1846052"/>
+            <a:ext cx="3703320" cy="736282"/>
+          </a:xfrm>
+        </p:spPr>
+        <p:txBody>
+          <a:bodyPr lIns="91440" rIns="91440" anchor="ctr">
+            <a:normAutofit/>
+          </a:bodyPr>
+          <a:lstStyle>
+            <a:lvl1pPr marL="0" indent="0">
+              <a:buNone/>
+              <a:defRPr sz="2000" b="0" cap="all" baseline="0">
+                <a:solidFill>
+                  <a:schemeClr val="tx2"/>
+                </a:solidFill>
+              </a:defRPr>
+            </a:lvl1pPr>
+            <a:lvl2pPr marL="457200" indent="0">
+              <a:buNone/>
+              <a:defRPr sz="2000" b="1"/>
+            </a:lvl2pPr>
+            <a:lvl3pPr marL="914400" indent="0">
+              <a:buNone/>
+              <a:defRPr sz="1800" b="1"/>
+            </a:lvl3pPr>
+            <a:lvl4pPr marL="1371600" indent="0">
+              <a:buNone/>
+              <a:defRPr sz="1600" b="1"/>
+            </a:lvl4pPr>
+            <a:lvl5pPr marL="1828800" indent="0">
+              <a:buNone/>
+              <a:defRPr sz="1600" b="1"/>
+            </a:lvl5pPr>
+            <a:lvl6pPr marL="2286000" indent="0">
+              <a:buNone/>
+              <a:defRPr sz="1600" b="1"/>
+            </a:lvl6pPr>
+            <a:lvl7pPr marL="2743200" indent="0">
+              <a:buNone/>
+              <a:defRPr sz="1600" b="1"/>
+            </a:lvl7pPr>
+            <a:lvl8pPr marL="3200400" indent="0">
+              <a:buNone/>
+              <a:defRPr sz="1600" b="1"/>
+            </a:lvl8pPr>
+            <a:lvl9pPr marL="3657600" indent="0">
+              <a:buNone/>
+              <a:defRPr sz="1600" b="1"/>
+            </a:lvl9pPr>
+          </a:lstStyle>
+          <a:p>
+            <a:pPr lvl="0"/>
+            <a:r>
+              <a:rPr lang="en-US"/>
+              <a:t>Edit Master text styles</a:t>
+            </a:r>
+          </a:p>
+        </p:txBody>
+      </p:sp>
+      <p:sp>
+        <p:nvSpPr>
+          <p:cNvPr id="4" name="Content Placeholder 3"/>
+          <p:cNvSpPr>
+            <a:spLocks noGrp="1"/>
+          </p:cNvSpPr>
+          <p:nvPr>
+            <p:ph sz="half" idx="2"/>
+          </p:nvPr>
+        </p:nvSpPr>
+        <p:spPr>
+          <a:xfrm>
+            <a:off x="822960" y="2582334"/>
+            <a:ext cx="3703320" cy="3286760"/>
+          </a:xfrm>
+        </p:spPr>
+        <p:txBody>
+          <a:bodyPr/>
+          <a:lstStyle/>
+          <a:p>
+            <a:pPr lvl="0"/>
+            <a:r>
+              <a:rPr lang="en-US"/>
+              <a:t>Edit Master text styles</a:t>
+            </a:r>
+          </a:p>
+          <a:p>
+            <a:pPr lvl="1"/>
+            <a:r>
+              <a:rPr lang="en-US"/>
+              <a:t>Second level</a:t>
+            </a:r>
+          </a:p>
+          <a:p>
+            <a:pPr lvl="2"/>
+            <a:r>
+              <a:rPr lang="en-US"/>
+              <a:t>Third level</a:t>
+            </a:r>
+          </a:p>
+          <a:p>
+            <a:pPr lvl="3"/>
+            <a:r>
+              <a:rPr lang="en-US"/>
+              <a:t>Fourth level</a:t>
+            </a:r>
+          </a:p>
+          <a:p>
+            <a:pPr lvl="4"/>
+            <a:r>
+              <a:rPr lang="en-US"/>
+              <a:t>Fifth level</a:t>
+            </a:r>
+            <a:endParaRPr lang="en-US" dirty="0"/>
+          </a:p>
+        </p:txBody>
+      </p:sp>
+      <p:sp>
+        <p:nvSpPr>
+          <p:cNvPr id="5" name="Text Placeholder 4"/>
+          <p:cNvSpPr>
+            <a:spLocks noGrp="1"/>
+          </p:cNvSpPr>
+          <p:nvPr>
+            <p:ph type="body" sz="quarter" idx="3"/>
+          </p:nvPr>
+        </p:nvSpPr>
+        <p:spPr>
+          <a:xfrm>
+            <a:off x="4663440" y="1846052"/>
+            <a:ext cx="3703320" cy="736282"/>
+          </a:xfrm>
+        </p:spPr>
+        <p:txBody>
+          <a:bodyPr lIns="91440" rIns="91440" anchor="ctr">
+            <a:normAutofit/>
+          </a:bodyPr>
+          <a:lstStyle>
+            <a:lvl1pPr marL="0" indent="0">
+              <a:buNone/>
+              <a:defRPr sz="2000" b="0" cap="all" baseline="0">
+                <a:solidFill>
+                  <a:schemeClr val="tx2"/>
+                </a:solidFill>
+              </a:defRPr>
+            </a:lvl1pPr>
+            <a:lvl2pPr marL="457200" indent="0">
+              <a:buNone/>
+              <a:defRPr sz="2000" b="1"/>
+            </a:lvl2pPr>
+            <a:lvl3pPr marL="914400" indent="0">
+              <a:buNone/>
+              <a:defRPr sz="1800" b="1"/>
+            </a:lvl3pPr>
+            <a:lvl4pPr marL="1371600" indent="0">
+              <a:buNone/>
+              <a:defRPr sz="1600" b="1"/>
+            </a:lvl4pPr>
+            <a:lvl5pPr marL="1828800" indent="0">
+              <a:buNone/>
+              <a:defRPr sz="1600" b="1"/>
+            </a:lvl5pPr>
+            <a:lvl6pPr marL="2286000" indent="0">
+              <a:buNone/>
+              <a:defRPr sz="1600" b="1"/>
+            </a:lvl6pPr>
+            <a:lvl7pPr marL="2743200" indent="0">
+              <a:buNone/>
+              <a:defRPr sz="1600" b="1"/>
+            </a:lvl7pPr>
+            <a:lvl8pPr marL="3200400" indent="0">
+              <a:buNone/>
+              <a:defRPr sz="1600" b="1"/>
+            </a:lvl8pPr>
+            <a:lvl9pPr marL="3657600" indent="0">
+              <a:buNone/>
+              <a:defRPr sz="1600" b="1"/>
+            </a:lvl9pPr>
+          </a:lstStyle>
+          <a:p>
+            <a:pPr lvl="0"/>
+            <a:r>
+              <a:rPr lang="en-US"/>
+              <a:t>Edit Master text styles</a:t>
+            </a:r>
+          </a:p>
+        </p:txBody>
+      </p:sp>
+      <p:sp>
+        <p:nvSpPr>
+          <p:cNvPr id="6" name="Content Placeholder 5"/>
+          <p:cNvSpPr>
+            <a:spLocks noGrp="1"/>
+          </p:cNvSpPr>
+          <p:nvPr>
+            <p:ph sz="quarter" idx="4"/>
+          </p:nvPr>
+        </p:nvSpPr>
+        <p:spPr>
+          <a:xfrm>
+            <a:off x="4663440" y="2582334"/>
+            <a:ext cx="3703320" cy="3286760"/>
+          </a:xfrm>
+        </p:spPr>
+        <p:txBody>
+          <a:bodyPr/>
+          <a:lstStyle/>
+          <a:p>
+            <a:pPr lvl="0"/>
+            <a:r>
+              <a:rPr lang="en-US"/>
+              <a:t>Edit Master text styles</a:t>
+            </a:r>
+          </a:p>
+          <a:p>
+            <a:pPr lvl="1"/>
+            <a:r>
+              <a:rPr lang="en-US"/>
+              <a:t>Second level</a:t>
+            </a:r>
+          </a:p>
+          <a:p>
+            <a:pPr lvl="2"/>
+            <a:r>
+              <a:rPr lang="en-US"/>
+              <a:t>Third level</a:t>
+            </a:r>
+          </a:p>
+          <a:p>
+            <a:pPr lvl="3"/>
+            <a:r>
+              <a:rPr lang="en-US"/>
+              <a:t>Fourth level</a:t>
+            </a:r>
+          </a:p>
+          <a:p>
+            <a:pPr lvl="4"/>
+            <a:r>
+              <a:rPr lang="en-US"/>
+              <a:t>Fifth level</a:t>
+            </a:r>
+            <a:endParaRPr lang="en-US" dirty="0"/>
+          </a:p>
+        </p:txBody>
+      </p:sp>
+      <p:sp>
+        <p:nvSpPr>
+          <p:cNvPr id="7" name="Date Placeholder 6"/>
+          <p:cNvSpPr>
+            <a:spLocks noGrp="1"/>
+          </p:cNvSpPr>
+          <p:nvPr>
+            <p:ph type="dt" sz="half" idx="10"/>
+          </p:nvPr>
+        </p:nvSpPr>
+        <p:spPr/>
+        <p:txBody>
+          <a:bodyPr/>
+          <a:lstStyle/>
+          <a:p>
+            <a:fld id="{A2B67B4E-6008-4AC3-AE01-C0CC6493FE44}" type="datetime1">
+              <a:rPr lang="en-US" smtClean="0"/>
+              <a:t>7/7/2016</a:t>
+            </a:fld>
+            <a:endParaRPr lang="en-US"/>
+          </a:p>
+        </p:txBody>
+      </p:sp>
+      <p:sp>
+        <p:nvSpPr>
+          <p:cNvPr id="8" name="Footer Placeholder 7"/>
+          <p:cNvSpPr>
+            <a:spLocks noGrp="1"/>
+          </p:cNvSpPr>
+          <p:nvPr>
+            <p:ph type="ftr" sz="quarter" idx="11"/>
+          </p:nvPr>
+        </p:nvSpPr>
+        <p:spPr/>
+        <p:txBody>
+          <a:bodyPr/>
+          <a:lstStyle/>
+          <a:p>
+            <a:r>
+              <a:rPr lang="en-US"/>
+              <a:t>© 2015 EV3Lessons.com, Last edit 7/06/2016</a:t>
+            </a:r>
+          </a:p>
+        </p:txBody>
+      </p:sp>
+      <p:sp>
+        <p:nvSpPr>
+          <p:cNvPr id="9" name="Slide Number Placeholder 8"/>
+          <p:cNvSpPr>
+            <a:spLocks noGrp="1"/>
+          </p:cNvSpPr>
+          <p:nvPr>
+            <p:ph type="sldNum" sz="quarter" idx="12"/>
+          </p:nvPr>
+        </p:nvSpPr>
+        <p:spPr/>
+        <p:txBody>
+          <a:bodyPr/>
+          <a:lstStyle/>
+          <a:p>
+            <a:fld id="{4382A7F7-08BF-4252-8141-63FB96055BBB}" type="slidenum">
+              <a:rPr lang="en-US" smtClean="0"/>
+              <a:t>‹#›</a:t>
+            </a:fld>
+            <a:endParaRPr lang="en-US"/>
+          </a:p>
+        </p:txBody>
+      </p:sp>
+    </p:spTree>
+    <p:extLst>
+      <p:ext uri="{BB962C8B-B14F-4D97-AF65-F5344CB8AC3E}">
+        <p14:creationId xmlns:p14="http://schemas.microsoft.com/office/powerpoint/2010/main" val="407057224"/>
+      </p:ext>
+    </p:extLst>
+  </p:cSld>
+  <p:clrMapOvr>
+    <a:masterClrMapping/>
+  </p:clrMapOvr>
+</p:sldLayout>
+</file>
+
+<file path=ppt/slideLayouts/slideLayout17.xml><?xml version="1.0" encoding="utf-8"?>
+<p:sldLayout xmlns:a="http://schemas.openxmlformats.org/drawingml/2006/main" xmlns:r="http://schemas.openxmlformats.org/officeDocument/2006/relationships" xmlns:p="http://schemas.openxmlformats.org/presentationml/2006/main" type="titleOnly" preserve="1">
+  <p:cSld name="Title Only">
+    <p:spTree>
+      <p:nvGrpSpPr>
+        <p:cNvPr id="1" name=""/>
+        <p:cNvGrpSpPr/>
+        <p:nvPr/>
+      </p:nvGrpSpPr>
+      <p:grpSpPr>
+        <a:xfrm>
+          <a:off x="0" y="0"/>
+          <a:ext cx="0" cy="0"/>
+          <a:chOff x="0" y="0"/>
+          <a:chExt cx="0" cy="0"/>
+        </a:xfrm>
+      </p:grpSpPr>
+      <p:sp>
+        <p:nvSpPr>
+          <p:cNvPr id="2" name="Title 1"/>
+          <p:cNvSpPr>
+            <a:spLocks noGrp="1"/>
+          </p:cNvSpPr>
+          <p:nvPr>
+            <p:ph type="title"/>
+          </p:nvPr>
+        </p:nvSpPr>
+        <p:spPr/>
+        <p:txBody>
+          <a:bodyPr/>
+          <a:lstStyle/>
+          <a:p>
+            <a:r>
+              <a:rPr lang="en-US"/>
+              <a:t>Click to edit Master title style</a:t>
+            </a:r>
+            <a:endParaRPr lang="en-US" dirty="0"/>
+          </a:p>
+        </p:txBody>
+      </p:sp>
+      <p:sp>
+        <p:nvSpPr>
+          <p:cNvPr id="3" name="Date Placeholder 2"/>
+          <p:cNvSpPr>
+            <a:spLocks noGrp="1"/>
+          </p:cNvSpPr>
+          <p:nvPr>
+            <p:ph type="dt" sz="half" idx="10"/>
+          </p:nvPr>
+        </p:nvSpPr>
+        <p:spPr/>
+        <p:txBody>
+          <a:bodyPr/>
+          <a:lstStyle/>
+          <a:p>
+            <a:fld id="{8FC4C136-C7FF-499B-A164-2D4C94D5780B}" type="datetime1">
+              <a:rPr lang="en-US" smtClean="0"/>
+              <a:t>7/7/2016</a:t>
+            </a:fld>
+            <a:endParaRPr lang="en-US"/>
+          </a:p>
+        </p:txBody>
+      </p:sp>
+      <p:sp>
+        <p:nvSpPr>
+          <p:cNvPr id="4" name="Footer Placeholder 3"/>
+          <p:cNvSpPr>
+            <a:spLocks noGrp="1"/>
+          </p:cNvSpPr>
+          <p:nvPr>
+            <p:ph type="ftr" sz="quarter" idx="11"/>
+          </p:nvPr>
+        </p:nvSpPr>
+        <p:spPr/>
+        <p:txBody>
+          <a:bodyPr/>
+          <a:lstStyle/>
+          <a:p>
+            <a:r>
+              <a:rPr lang="en-US"/>
+              <a:t>© 2015 EV3Lessons.com, Last edit 7/06/2016</a:t>
+            </a:r>
+          </a:p>
+        </p:txBody>
+      </p:sp>
+      <p:sp>
+        <p:nvSpPr>
+          <p:cNvPr id="5" name="Slide Number Placeholder 4"/>
+          <p:cNvSpPr>
+            <a:spLocks noGrp="1"/>
+          </p:cNvSpPr>
+          <p:nvPr>
+            <p:ph type="sldNum" sz="quarter" idx="12"/>
+          </p:nvPr>
+        </p:nvSpPr>
+        <p:spPr/>
+        <p:txBody>
+          <a:bodyPr/>
+          <a:lstStyle/>
+          <a:p>
+            <a:fld id="{4382A7F7-08BF-4252-8141-63FB96055BBB}" type="slidenum">
+              <a:rPr lang="en-US" smtClean="0"/>
+              <a:t>‹#›</a:t>
+            </a:fld>
+            <a:endParaRPr lang="en-US"/>
+          </a:p>
+        </p:txBody>
+      </p:sp>
+    </p:spTree>
+    <p:extLst>
+      <p:ext uri="{BB962C8B-B14F-4D97-AF65-F5344CB8AC3E}">
+        <p14:creationId xmlns:p14="http://schemas.microsoft.com/office/powerpoint/2010/main" val="3470071245"/>
+      </p:ext>
+    </p:extLst>
+  </p:cSld>
+  <p:clrMapOvr>
+    <a:masterClrMapping/>
+  </p:clrMapOvr>
+</p:sldLayout>
+</file>
+
+<file path=ppt/slideLayouts/slideLayout18.xml><?xml version="1.0" encoding="utf-8"?>
+<p:sldLayout xmlns:a="http://schemas.openxmlformats.org/drawingml/2006/main" xmlns:r="http://schemas.openxmlformats.org/officeDocument/2006/relationships" xmlns:p="http://schemas.openxmlformats.org/presentationml/2006/main" showMasterSp="0" type="blank" preserve="1">
+  <p:cSld name="Blank">
+    <p:spTree>
+      <p:nvGrpSpPr>
+        <p:cNvPr id="1" name=""/>
+        <p:cNvGrpSpPr/>
+        <p:nvPr/>
+      </p:nvGrpSpPr>
+      <p:grpSpPr>
+        <a:xfrm>
+          <a:off x="0" y="0"/>
+          <a:ext cx="0" cy="0"/>
+          <a:chOff x="0" y="0"/>
+          <a:chExt cx="0" cy="0"/>
+        </a:xfrm>
+      </p:grpSpPr>
+      <p:sp>
+        <p:nvSpPr>
+          <p:cNvPr id="5" name="Rectangle 4"/>
+          <p:cNvSpPr/>
+          <p:nvPr/>
+        </p:nvSpPr>
+        <p:spPr>
+          <a:xfrm>
+            <a:off x="2382" y="6400800"/>
+            <a:ext cx="9141619" cy="457200"/>
+          </a:xfrm>
+          <a:prstGeom prst="rect">
+            <a:avLst/>
+          </a:prstGeom>
+          <a:solidFill>
+            <a:schemeClr val="accent2"/>
+          </a:solidFill>
+          <a:ln>
+            <a:noFill/>
+          </a:ln>
+        </p:spPr>
+        <p:style>
+          <a:lnRef idx="2">
+            <a:schemeClr val="accent1">
+              <a:shade val="50000"/>
+            </a:schemeClr>
+          </a:lnRef>
+          <a:fillRef idx="1">
+            <a:schemeClr val="accent1"/>
+          </a:fillRef>
+          <a:effectRef idx="0">
+            <a:schemeClr val="accent1"/>
+          </a:effectRef>
+          <a:fontRef idx="minor">
+            <a:schemeClr val="lt1"/>
+          </a:fontRef>
+        </p:style>
+      </p:sp>
+      <p:sp>
+        <p:nvSpPr>
+          <p:cNvPr id="6" name="Rectangle 5"/>
+          <p:cNvSpPr/>
+          <p:nvPr/>
+        </p:nvSpPr>
+        <p:spPr>
+          <a:xfrm>
+            <a:off x="12" y="6334316"/>
+            <a:ext cx="9141619" cy="64008"/>
+          </a:xfrm>
+          <a:prstGeom prst="rect">
+            <a:avLst/>
+          </a:prstGeom>
+          <a:solidFill>
+            <a:schemeClr val="accent1"/>
+          </a:solidFill>
+          <a:ln>
+            <a:noFill/>
+          </a:ln>
+        </p:spPr>
+        <p:style>
+          <a:lnRef idx="2">
+            <a:schemeClr val="accent1">
+              <a:shade val="50000"/>
+            </a:schemeClr>
+          </a:lnRef>
+          <a:fillRef idx="1">
+            <a:schemeClr val="accent1"/>
+          </a:fillRef>
+          <a:effectRef idx="0">
+            <a:schemeClr val="accent1"/>
+          </a:effectRef>
+          <a:fontRef idx="minor">
+            <a:schemeClr val="lt1"/>
+          </a:fontRef>
+        </p:style>
+      </p:sp>
+      <p:sp>
+        <p:nvSpPr>
+          <p:cNvPr id="7" name="Date Placeholder 6"/>
+          <p:cNvSpPr>
+            <a:spLocks noGrp="1"/>
+          </p:cNvSpPr>
+          <p:nvPr>
+            <p:ph type="dt" sz="half" idx="10"/>
+          </p:nvPr>
+        </p:nvSpPr>
+        <p:spPr/>
+        <p:txBody>
+          <a:bodyPr/>
+          <a:lstStyle/>
+          <a:p>
+            <a:fld id="{D9F8EE4C-AF6A-44DC-9C1E-0CB7A12851C7}" type="datetime1">
+              <a:rPr lang="en-US" smtClean="0"/>
+              <a:t>7/7/2016</a:t>
+            </a:fld>
+            <a:endParaRPr lang="en-US"/>
+          </a:p>
+        </p:txBody>
+      </p:sp>
+      <p:sp>
+        <p:nvSpPr>
+          <p:cNvPr id="8" name="Footer Placeholder 7"/>
+          <p:cNvSpPr>
+            <a:spLocks noGrp="1"/>
+          </p:cNvSpPr>
+          <p:nvPr>
+            <p:ph type="ftr" sz="quarter" idx="11"/>
+          </p:nvPr>
+        </p:nvSpPr>
+        <p:spPr/>
+        <p:txBody>
+          <a:bodyPr/>
+          <a:lstStyle>
+            <a:lvl1pPr>
+              <a:defRPr>
+                <a:solidFill>
+                  <a:srgbClr val="FFFFFF"/>
+                </a:solidFill>
+              </a:defRPr>
+            </a:lvl1pPr>
+          </a:lstStyle>
+          <a:p>
+            <a:r>
+              <a:rPr lang="en-US"/>
+              <a:t>© 2015 EV3Lessons.com, Last edit 7/06/2016</a:t>
+            </a:r>
+          </a:p>
+        </p:txBody>
+      </p:sp>
+      <p:sp>
+        <p:nvSpPr>
+          <p:cNvPr id="9" name="Slide Number Placeholder 8"/>
+          <p:cNvSpPr>
+            <a:spLocks noGrp="1"/>
+          </p:cNvSpPr>
+          <p:nvPr>
+            <p:ph type="sldNum" sz="quarter" idx="12"/>
+          </p:nvPr>
+        </p:nvSpPr>
+        <p:spPr/>
+        <p:txBody>
+          <a:bodyPr/>
+          <a:lstStyle/>
+          <a:p>
+            <a:fld id="{4382A7F7-08BF-4252-8141-63FB96055BBB}" type="slidenum">
+              <a:rPr lang="en-US" smtClean="0"/>
+              <a:t>‹#›</a:t>
+            </a:fld>
+            <a:endParaRPr lang="en-US"/>
+          </a:p>
+        </p:txBody>
+      </p:sp>
+    </p:spTree>
+    <p:extLst>
+      <p:ext uri="{BB962C8B-B14F-4D97-AF65-F5344CB8AC3E}">
+        <p14:creationId xmlns:p14="http://schemas.microsoft.com/office/powerpoint/2010/main" val="721174583"/>
+      </p:ext>
+    </p:extLst>
+  </p:cSld>
+  <p:clrMapOvr>
+    <a:masterClrMapping/>
+  </p:clrMapOvr>
+</p:sldLayout>
+</file>
+
+<file path=ppt/slideLayouts/slideLayout19.xml><?xml version="1.0" encoding="utf-8"?>
+<p:sldLayout xmlns:a="http://schemas.openxmlformats.org/drawingml/2006/main" xmlns:r="http://schemas.openxmlformats.org/officeDocument/2006/relationships" xmlns:p="http://schemas.openxmlformats.org/presentationml/2006/main" showMasterSp="0" type="objTx" preserve="1">
+  <p:cSld name="Content with Caption">
+    <p:spTree>
+      <p:nvGrpSpPr>
+        <p:cNvPr id="1" name=""/>
+        <p:cNvGrpSpPr/>
+        <p:nvPr/>
+      </p:nvGrpSpPr>
+      <p:grpSpPr>
+        <a:xfrm>
+          <a:off x="0" y="0"/>
+          <a:ext cx="0" cy="0"/>
+          <a:chOff x="0" y="0"/>
+          <a:chExt cx="0" cy="0"/>
+        </a:xfrm>
+      </p:grpSpPr>
+      <p:sp>
+        <p:nvSpPr>
+          <p:cNvPr id="8" name="Rectangle 7"/>
+          <p:cNvSpPr/>
+          <p:nvPr/>
+        </p:nvSpPr>
+        <p:spPr>
+          <a:xfrm>
+            <a:off x="13" y="0"/>
+            <a:ext cx="3038093" cy="6858000"/>
+          </a:xfrm>
+          <a:prstGeom prst="rect">
+            <a:avLst/>
+          </a:prstGeom>
+          <a:solidFill>
+            <a:schemeClr val="accent2"/>
+          </a:solidFill>
+          <a:ln>
+            <a:noFill/>
+          </a:ln>
+        </p:spPr>
+        <p:style>
+          <a:lnRef idx="2">
+            <a:schemeClr val="accent1">
+              <a:shade val="50000"/>
+            </a:schemeClr>
+          </a:lnRef>
+          <a:fillRef idx="1">
+            <a:schemeClr val="accent1"/>
+          </a:fillRef>
+          <a:effectRef idx="0">
+            <a:schemeClr val="accent1"/>
+          </a:effectRef>
+          <a:fontRef idx="minor">
+            <a:schemeClr val="lt1"/>
+          </a:fontRef>
+        </p:style>
+      </p:sp>
+      <p:sp>
+        <p:nvSpPr>
+          <p:cNvPr id="9" name="Rectangle 8"/>
+          <p:cNvSpPr/>
+          <p:nvPr/>
+        </p:nvSpPr>
+        <p:spPr>
+          <a:xfrm>
+            <a:off x="3030053" y="0"/>
+            <a:ext cx="48006" cy="6858000"/>
+          </a:xfrm>
+          <a:prstGeom prst="rect">
+            <a:avLst/>
+          </a:prstGeom>
+          <a:solidFill>
+            <a:schemeClr val="accent1"/>
+          </a:solidFill>
+          <a:ln>
+            <a:noFill/>
+          </a:ln>
+        </p:spPr>
+        <p:style>
+          <a:lnRef idx="2">
+            <a:schemeClr val="accent1">
+              <a:shade val="50000"/>
+            </a:schemeClr>
+          </a:lnRef>
+          <a:fillRef idx="1">
+            <a:schemeClr val="accent1"/>
+          </a:fillRef>
+          <a:effectRef idx="0">
+            <a:schemeClr val="accent1"/>
+          </a:effectRef>
+          <a:fontRef idx="minor">
+            <a:schemeClr val="lt1"/>
+          </a:fontRef>
+        </p:style>
+      </p:sp>
+      <p:sp>
+        <p:nvSpPr>
+          <p:cNvPr id="2" name="Title 1"/>
+          <p:cNvSpPr>
+            <a:spLocks noGrp="1"/>
+          </p:cNvSpPr>
+          <p:nvPr>
+            <p:ph type="title"/>
+          </p:nvPr>
+        </p:nvSpPr>
+        <p:spPr>
+          <a:xfrm>
+            <a:off x="342900" y="594359"/>
+            <a:ext cx="2400300" cy="2286000"/>
+          </a:xfrm>
+        </p:spPr>
+        <p:txBody>
+          <a:bodyPr anchor="b">
+            <a:normAutofit/>
+          </a:bodyPr>
+          <a:lstStyle>
+            <a:lvl1pPr>
+              <a:defRPr sz="3600" b="0">
+                <a:solidFill>
+                  <a:srgbClr val="FFFFFF"/>
+                </a:solidFill>
+              </a:defRPr>
+            </a:lvl1pPr>
+          </a:lstStyle>
+          <a:p>
+            <a:r>
+              <a:rPr lang="en-US"/>
+              <a:t>Click to edit Master title style</a:t>
+            </a:r>
+            <a:endParaRPr lang="en-US" dirty="0"/>
+          </a:p>
+        </p:txBody>
+      </p:sp>
+      <p:sp>
+        <p:nvSpPr>
+          <p:cNvPr id="3" name="Content Placeholder 2"/>
+          <p:cNvSpPr>
+            <a:spLocks noGrp="1"/>
+          </p:cNvSpPr>
+          <p:nvPr>
+            <p:ph idx="1"/>
+          </p:nvPr>
+        </p:nvSpPr>
+        <p:spPr>
+          <a:xfrm>
+            <a:off x="3460237" y="731520"/>
+            <a:ext cx="5009393" cy="5257800"/>
+          </a:xfrm>
+        </p:spPr>
+        <p:txBody>
+          <a:bodyPr/>
+          <a:lstStyle/>
+          <a:p>
+            <a:pPr lvl="0"/>
+            <a:r>
+              <a:rPr lang="en-US"/>
+              <a:t>Edit Master text styles</a:t>
+            </a:r>
+          </a:p>
+          <a:p>
+            <a:pPr lvl="1"/>
+            <a:r>
+              <a:rPr lang="en-US"/>
+              <a:t>Second level</a:t>
+            </a:r>
+          </a:p>
+          <a:p>
+            <a:pPr lvl="2"/>
+            <a:r>
+              <a:rPr lang="en-US"/>
+              <a:t>Third level</a:t>
+            </a:r>
+          </a:p>
+          <a:p>
+            <a:pPr lvl="3"/>
+            <a:r>
+              <a:rPr lang="en-US"/>
+              <a:t>Fourth level</a:t>
+            </a:r>
+          </a:p>
+          <a:p>
+            <a:pPr lvl="4"/>
+            <a:r>
+              <a:rPr lang="en-US"/>
+              <a:t>Fifth level</a:t>
+            </a:r>
+            <a:endParaRPr lang="en-US" dirty="0"/>
+          </a:p>
+        </p:txBody>
+      </p:sp>
+      <p:sp>
+        <p:nvSpPr>
+          <p:cNvPr id="4" name="Text Placeholder 3"/>
+          <p:cNvSpPr>
+            <a:spLocks noGrp="1"/>
+          </p:cNvSpPr>
+          <p:nvPr>
+            <p:ph type="body" sz="half" idx="2"/>
+          </p:nvPr>
+        </p:nvSpPr>
+        <p:spPr>
+          <a:xfrm>
+            <a:off x="342900" y="2926080"/>
+            <a:ext cx="2400300" cy="3379124"/>
+          </a:xfrm>
+        </p:spPr>
+        <p:txBody>
+          <a:bodyPr lIns="91440" rIns="91440">
+            <a:normAutofit/>
+          </a:bodyPr>
+          <a:lstStyle>
+            <a:lvl1pPr marL="0" indent="0">
+              <a:buNone/>
+              <a:defRPr sz="1500">
+                <a:solidFill>
+                  <a:srgbClr val="FFFFFF"/>
+                </a:solidFill>
+              </a:defRPr>
+            </a:lvl1pPr>
+            <a:lvl2pPr marL="457200" indent="0">
+              <a:buNone/>
+              <a:defRPr sz="1200"/>
+            </a:lvl2pPr>
+            <a:lvl3pPr marL="914400" indent="0">
+              <a:buNone/>
+              <a:defRPr sz="1000"/>
+            </a:lvl3pPr>
+            <a:lvl4pPr marL="1371600" indent="0">
+              <a:buNone/>
+              <a:defRPr sz="900"/>
+            </a:lvl4pPr>
+            <a:lvl5pPr marL="1828800" indent="0">
+              <a:buNone/>
+              <a:defRPr sz="900"/>
+            </a:lvl5pPr>
+            <a:lvl6pPr marL="2286000" indent="0">
+              <a:buNone/>
+              <a:defRPr sz="900"/>
+            </a:lvl6pPr>
+            <a:lvl7pPr marL="2743200" indent="0">
+              <a:buNone/>
+              <a:defRPr sz="900"/>
+            </a:lvl7pPr>
+            <a:lvl8pPr marL="3200400" indent="0">
+              <a:buNone/>
+              <a:defRPr sz="900"/>
+            </a:lvl8pPr>
+            <a:lvl9pPr marL="3657600" indent="0">
+              <a:buNone/>
+              <a:defRPr sz="900"/>
+            </a:lvl9pPr>
+          </a:lstStyle>
+          <a:p>
+            <a:pPr lvl="0"/>
+            <a:r>
+              <a:rPr lang="en-US"/>
+              <a:t>Edit Master text styles</a:t>
+            </a:r>
+          </a:p>
+        </p:txBody>
+      </p:sp>
+      <p:sp>
+        <p:nvSpPr>
+          <p:cNvPr id="5" name="Date Placeholder 4"/>
+          <p:cNvSpPr>
+            <a:spLocks noGrp="1"/>
+          </p:cNvSpPr>
+          <p:nvPr>
+            <p:ph type="dt" sz="half" idx="10"/>
+          </p:nvPr>
+        </p:nvSpPr>
+        <p:spPr>
+          <a:xfrm>
+            <a:off x="349134" y="6459786"/>
+            <a:ext cx="1963883" cy="365125"/>
+          </a:xfrm>
+        </p:spPr>
+        <p:txBody>
+          <a:bodyPr/>
+          <a:lstStyle>
+            <a:lvl1pPr algn="l">
+              <a:defRPr/>
+            </a:lvl1pPr>
+          </a:lstStyle>
+          <a:p>
+            <a:fld id="{D5922F30-34E0-4C39-BC01-021BBB3779F5}" type="datetime1">
+              <a:rPr lang="en-US" smtClean="0"/>
+              <a:t>7/7/2016</a:t>
+            </a:fld>
+            <a:endParaRPr lang="en-US"/>
+          </a:p>
+        </p:txBody>
+      </p:sp>
+      <p:sp>
+        <p:nvSpPr>
+          <p:cNvPr id="6" name="Footer Placeholder 5"/>
+          <p:cNvSpPr>
+            <a:spLocks noGrp="1"/>
+          </p:cNvSpPr>
+          <p:nvPr>
+            <p:ph type="ftr" sz="quarter" idx="11"/>
+          </p:nvPr>
+        </p:nvSpPr>
+        <p:spPr>
+          <a:xfrm>
+            <a:off x="3600450" y="6459786"/>
+            <a:ext cx="3486150" cy="365125"/>
+          </a:xfrm>
+        </p:spPr>
+        <p:txBody>
+          <a:bodyPr/>
+          <a:lstStyle>
+            <a:lvl1pPr algn="l">
+              <a:defRPr>
+                <a:solidFill>
+                  <a:schemeClr val="tx2"/>
+                </a:solidFill>
+              </a:defRPr>
+            </a:lvl1pPr>
+          </a:lstStyle>
+          <a:p>
+            <a:r>
+              <a:rPr lang="en-US"/>
+              <a:t>© 2015 EV3Lessons.com, Last edit 7/06/2016</a:t>
+            </a:r>
+          </a:p>
+        </p:txBody>
+      </p:sp>
+      <p:sp>
+        <p:nvSpPr>
+          <p:cNvPr id="7" name="Slide Number Placeholder 6"/>
+          <p:cNvSpPr>
+            <a:spLocks noGrp="1"/>
+          </p:cNvSpPr>
+          <p:nvPr>
+            <p:ph type="sldNum" sz="quarter" idx="12"/>
+          </p:nvPr>
+        </p:nvSpPr>
+        <p:spPr/>
+        <p:txBody>
+          <a:bodyPr/>
+          <a:lstStyle>
+            <a:lvl1pPr>
+              <a:defRPr>
+                <a:solidFill>
+                  <a:schemeClr val="tx2"/>
+                </a:solidFill>
+              </a:defRPr>
+            </a:lvl1pPr>
+          </a:lstStyle>
+          <a:p>
+            <a:fld id="{7F5CE407-6216-4202-80E4-A30DC2F709B2}" type="slidenum">
+              <a:rPr lang="en-US" smtClean="0"/>
+              <a:t>‹#›</a:t>
+            </a:fld>
+            <a:endParaRPr lang="en-US"/>
+          </a:p>
+        </p:txBody>
+      </p:sp>
+    </p:spTree>
+    <p:extLst>
+      <p:ext uri="{BB962C8B-B14F-4D97-AF65-F5344CB8AC3E}">
+        <p14:creationId xmlns:p14="http://schemas.microsoft.com/office/powerpoint/2010/main" val="2683677002"/>
       </p:ext>
     </p:extLst>
   </p:cSld>
@@ -1594,83 +3967,83 @@
           <a:lstStyle/>
           <a:p>
             <a:r>
+              <a:rPr lang="en-US"/>
+              <a:t>Click to edit Master title style</a:t>
+            </a:r>
+            <a:endParaRPr lang="en-US" dirty="0"/>
+          </a:p>
+        </p:txBody>
+      </p:sp>
+      <p:sp>
+        <p:nvSpPr>
+          <p:cNvPr id="3" name="Content Placeholder 2"/>
+          <p:cNvSpPr>
+            <a:spLocks noGrp="1"/>
+          </p:cNvSpPr>
+          <p:nvPr>
+            <p:ph idx="1"/>
+          </p:nvPr>
+        </p:nvSpPr>
+        <p:spPr/>
+        <p:txBody>
+          <a:bodyPr/>
+          <a:lstStyle/>
+          <a:p>
+            <a:pPr lvl="0"/>
+            <a:r>
+              <a:rPr lang="en-US"/>
+              <a:t>Click to edit Master text styles</a:t>
+            </a:r>
+          </a:p>
+          <a:p>
+            <a:pPr lvl="1"/>
+            <a:r>
+              <a:rPr lang="en-US"/>
+              <a:t>Second level</a:t>
+            </a:r>
+          </a:p>
+          <a:p>
+            <a:pPr lvl="2"/>
+            <a:r>
+              <a:rPr lang="en-US"/>
+              <a:t>Third level</a:t>
+            </a:r>
+          </a:p>
+          <a:p>
+            <a:pPr lvl="3"/>
+            <a:r>
+              <a:rPr lang="en-US"/>
+              <a:t>Fourth level</a:t>
+            </a:r>
+          </a:p>
+          <a:p>
+            <a:pPr lvl="4"/>
+            <a:r>
+              <a:rPr lang="en-US"/>
+              <a:t>Fifth level</a:t>
+            </a:r>
+            <a:endParaRPr lang="en-US" dirty="0"/>
+          </a:p>
+        </p:txBody>
+      </p:sp>
+      <p:sp>
+        <p:nvSpPr>
+          <p:cNvPr id="4" name="Date Placeholder 3"/>
+          <p:cNvSpPr>
+            <a:spLocks noGrp="1"/>
+          </p:cNvSpPr>
+          <p:nvPr>
+            <p:ph type="dt" sz="half" idx="10"/>
+          </p:nvPr>
+        </p:nvSpPr>
+        <p:spPr/>
+        <p:txBody>
+          <a:bodyPr/>
+          <a:lstStyle/>
+          <a:p>
+            <a:fld id="{44DD82AE-8167-4DFE-A047-E1FF61796F26}" type="datetime1">
               <a:rPr lang="en-US" smtClean="0"/>
-              <a:t>Click to edit Master title style</a:t>
-            </a:r>
-            <a:endParaRPr lang="en-US" dirty="0"/>
-          </a:p>
-        </p:txBody>
-      </p:sp>
-      <p:sp>
-        <p:nvSpPr>
-          <p:cNvPr id="3" name="Content Placeholder 2"/>
-          <p:cNvSpPr>
-            <a:spLocks noGrp="1"/>
-          </p:cNvSpPr>
-          <p:nvPr>
-            <p:ph idx="1"/>
-          </p:nvPr>
-        </p:nvSpPr>
-        <p:spPr/>
-        <p:txBody>
-          <a:bodyPr/>
-          <a:lstStyle/>
-          <a:p>
-            <a:pPr lvl="0"/>
-            <a:r>
-              <a:rPr lang="en-US" smtClean="0"/>
-              <a:t>Click to edit Master text styles</a:t>
-            </a:r>
-          </a:p>
-          <a:p>
-            <a:pPr lvl="1"/>
-            <a:r>
-              <a:rPr lang="en-US" smtClean="0"/>
-              <a:t>Second level</a:t>
-            </a:r>
-          </a:p>
-          <a:p>
-            <a:pPr lvl="2"/>
-            <a:r>
-              <a:rPr lang="en-US" smtClean="0"/>
-              <a:t>Third level</a:t>
-            </a:r>
-          </a:p>
-          <a:p>
-            <a:pPr lvl="3"/>
-            <a:r>
-              <a:rPr lang="en-US" smtClean="0"/>
-              <a:t>Fourth level</a:t>
-            </a:r>
-          </a:p>
-          <a:p>
-            <a:pPr lvl="4"/>
-            <a:r>
-              <a:rPr lang="en-US" smtClean="0"/>
-              <a:t>Fifth level</a:t>
-            </a:r>
-            <a:endParaRPr lang="en-US" dirty="0"/>
-          </a:p>
-        </p:txBody>
-      </p:sp>
-      <p:sp>
-        <p:nvSpPr>
-          <p:cNvPr id="4" name="Date Placeholder 3"/>
-          <p:cNvSpPr>
-            <a:spLocks noGrp="1"/>
-          </p:cNvSpPr>
-          <p:nvPr>
-            <p:ph type="dt" sz="half" idx="10"/>
-          </p:nvPr>
-        </p:nvSpPr>
-        <p:spPr/>
-        <p:txBody>
-          <a:bodyPr/>
-          <a:lstStyle/>
-          <a:p>
-            <a:fld id="{6964D4EB-A2A3-5D46-A2E3-B082D53C11C5}" type="datetime1">
-              <a:rPr lang="en-US" smtClean="0"/>
-              <a:t>11/13/15</a:t>
+              <a:t>7/7/2016</a:t>
             </a:fld>
             <a:endParaRPr lang="en-US"/>
           </a:p>
@@ -1692,10 +4065,9 @@
           <a:lstStyle/>
           <a:p>
             <a:r>
-              <a:rPr lang="sk-SK" smtClean="0"/>
-              <a:t>© 2015 EV3Lessons.com, Last edit 11/13/2015</a:t>
-            </a:r>
-            <a:endParaRPr lang="en-US"/>
+              <a:rPr lang="en-US"/>
+              <a:t>© 2015 EV3Lessons.com, Last edit 7/06/2016</a:t>
+            </a:r>
           </a:p>
         </p:txBody>
       </p:sp>
@@ -1726,6 +4098,802 @@
     <p:extLst>
       <p:ext uri="{BB962C8B-B14F-4D97-AF65-F5344CB8AC3E}">
         <p14:creationId xmlns:p14="http://schemas.microsoft.com/office/powerpoint/2010/main" val="948106956"/>
+      </p:ext>
+    </p:extLst>
+  </p:cSld>
+  <p:clrMapOvr>
+    <a:masterClrMapping/>
+  </p:clrMapOvr>
+</p:sldLayout>
+</file>
+
+<file path=ppt/slideLayouts/slideLayout20.xml><?xml version="1.0" encoding="utf-8"?>
+<p:sldLayout xmlns:a="http://schemas.openxmlformats.org/drawingml/2006/main" xmlns:r="http://schemas.openxmlformats.org/officeDocument/2006/relationships" xmlns:p="http://schemas.openxmlformats.org/presentationml/2006/main" showMasterSp="0" type="picTx" preserve="1">
+  <p:cSld name="Picture with Caption">
+    <p:spTree>
+      <p:nvGrpSpPr>
+        <p:cNvPr id="1" name=""/>
+        <p:cNvGrpSpPr/>
+        <p:nvPr/>
+      </p:nvGrpSpPr>
+      <p:grpSpPr>
+        <a:xfrm>
+          <a:off x="0" y="0"/>
+          <a:ext cx="0" cy="0"/>
+          <a:chOff x="0" y="0"/>
+          <a:chExt cx="0" cy="0"/>
+        </a:xfrm>
+      </p:grpSpPr>
+      <p:sp>
+        <p:nvSpPr>
+          <p:cNvPr id="8" name="Rectangle 7"/>
+          <p:cNvSpPr/>
+          <p:nvPr/>
+        </p:nvSpPr>
+        <p:spPr>
+          <a:xfrm>
+            <a:off x="0" y="4953000"/>
+            <a:ext cx="9141619" cy="1905000"/>
+          </a:xfrm>
+          <a:prstGeom prst="rect">
+            <a:avLst/>
+          </a:prstGeom>
+          <a:solidFill>
+            <a:schemeClr val="accent2"/>
+          </a:solidFill>
+          <a:ln>
+            <a:noFill/>
+          </a:ln>
+        </p:spPr>
+        <p:style>
+          <a:lnRef idx="2">
+            <a:schemeClr val="accent1">
+              <a:shade val="50000"/>
+            </a:schemeClr>
+          </a:lnRef>
+          <a:fillRef idx="1">
+            <a:schemeClr val="accent1"/>
+          </a:fillRef>
+          <a:effectRef idx="0">
+            <a:schemeClr val="accent1"/>
+          </a:effectRef>
+          <a:fontRef idx="minor">
+            <a:schemeClr val="lt1"/>
+          </a:fontRef>
+        </p:style>
+      </p:sp>
+      <p:sp>
+        <p:nvSpPr>
+          <p:cNvPr id="9" name="Rectangle 8"/>
+          <p:cNvSpPr/>
+          <p:nvPr/>
+        </p:nvSpPr>
+        <p:spPr>
+          <a:xfrm>
+            <a:off x="12" y="4915076"/>
+            <a:ext cx="9141619" cy="64008"/>
+          </a:xfrm>
+          <a:prstGeom prst="rect">
+            <a:avLst/>
+          </a:prstGeom>
+          <a:solidFill>
+            <a:schemeClr val="accent1"/>
+          </a:solidFill>
+          <a:ln>
+            <a:noFill/>
+          </a:ln>
+        </p:spPr>
+        <p:style>
+          <a:lnRef idx="2">
+            <a:schemeClr val="accent1">
+              <a:shade val="50000"/>
+            </a:schemeClr>
+          </a:lnRef>
+          <a:fillRef idx="1">
+            <a:schemeClr val="accent1"/>
+          </a:fillRef>
+          <a:effectRef idx="0">
+            <a:schemeClr val="accent1"/>
+          </a:effectRef>
+          <a:fontRef idx="minor">
+            <a:schemeClr val="lt1"/>
+          </a:fontRef>
+        </p:style>
+      </p:sp>
+      <p:sp>
+        <p:nvSpPr>
+          <p:cNvPr id="2" name="Title 1"/>
+          <p:cNvSpPr>
+            <a:spLocks noGrp="1"/>
+          </p:cNvSpPr>
+          <p:nvPr>
+            <p:ph type="title"/>
+          </p:nvPr>
+        </p:nvSpPr>
+        <p:spPr>
+          <a:xfrm>
+            <a:off x="822960" y="5074920"/>
+            <a:ext cx="7589520" cy="822960"/>
+          </a:xfrm>
+        </p:spPr>
+        <p:txBody>
+          <a:bodyPr tIns="0" bIns="0" anchor="b">
+            <a:noAutofit/>
+          </a:bodyPr>
+          <a:lstStyle>
+            <a:lvl1pPr>
+              <a:defRPr sz="3600" b="0">
+                <a:solidFill>
+                  <a:srgbClr val="FFFFFF"/>
+                </a:solidFill>
+              </a:defRPr>
+            </a:lvl1pPr>
+          </a:lstStyle>
+          <a:p>
+            <a:r>
+              <a:rPr lang="en-US"/>
+              <a:t>Click to edit Master title style</a:t>
+            </a:r>
+            <a:endParaRPr lang="en-US" dirty="0"/>
+          </a:p>
+        </p:txBody>
+      </p:sp>
+      <p:sp>
+        <p:nvSpPr>
+          <p:cNvPr id="3" name="Picture Placeholder 2"/>
+          <p:cNvSpPr>
+            <a:spLocks noGrp="1" noChangeAspect="1"/>
+          </p:cNvSpPr>
+          <p:nvPr>
+            <p:ph type="pic" idx="1"/>
+          </p:nvPr>
+        </p:nvSpPr>
+        <p:spPr>
+          <a:xfrm>
+            <a:off x="12" y="0"/>
+            <a:ext cx="9143989" cy="4915076"/>
+          </a:xfrm>
+          <a:blipFill>
+            <a:blip r:embed="rId2"/>
+            <a:stretch>
+              <a:fillRect/>
+            </a:stretch>
+          </a:blipFill>
+        </p:spPr>
+        <p:txBody>
+          <a:bodyPr lIns="457200" tIns="457200" anchor="t"/>
+          <a:lstStyle>
+            <a:lvl1pPr marL="0" indent="0">
+              <a:buNone/>
+              <a:defRPr sz="3200">
+                <a:solidFill>
+                  <a:schemeClr val="bg1"/>
+                </a:solidFill>
+              </a:defRPr>
+            </a:lvl1pPr>
+            <a:lvl2pPr marL="457200" indent="0">
+              <a:buNone/>
+              <a:defRPr sz="2800"/>
+            </a:lvl2pPr>
+            <a:lvl3pPr marL="914400" indent="0">
+              <a:buNone/>
+              <a:defRPr sz="2400"/>
+            </a:lvl3pPr>
+            <a:lvl4pPr marL="1371600" indent="0">
+              <a:buNone/>
+              <a:defRPr sz="2000"/>
+            </a:lvl4pPr>
+            <a:lvl5pPr marL="1828800" indent="0">
+              <a:buNone/>
+              <a:defRPr sz="2000"/>
+            </a:lvl5pPr>
+            <a:lvl6pPr marL="2286000" indent="0">
+              <a:buNone/>
+              <a:defRPr sz="2000"/>
+            </a:lvl6pPr>
+            <a:lvl7pPr marL="2743200" indent="0">
+              <a:buNone/>
+              <a:defRPr sz="2000"/>
+            </a:lvl7pPr>
+            <a:lvl8pPr marL="3200400" indent="0">
+              <a:buNone/>
+              <a:defRPr sz="2000"/>
+            </a:lvl8pPr>
+            <a:lvl9pPr marL="3657600" indent="0">
+              <a:buNone/>
+              <a:defRPr sz="2000"/>
+            </a:lvl9pPr>
+          </a:lstStyle>
+          <a:p>
+            <a:r>
+              <a:rPr lang="en-US"/>
+              <a:t>Click icon to add picture</a:t>
+            </a:r>
+            <a:endParaRPr lang="en-US" dirty="0"/>
+          </a:p>
+        </p:txBody>
+      </p:sp>
+      <p:sp>
+        <p:nvSpPr>
+          <p:cNvPr id="4" name="Text Placeholder 3"/>
+          <p:cNvSpPr>
+            <a:spLocks noGrp="1"/>
+          </p:cNvSpPr>
+          <p:nvPr>
+            <p:ph type="body" sz="half" idx="2"/>
+          </p:nvPr>
+        </p:nvSpPr>
+        <p:spPr>
+          <a:xfrm>
+            <a:off x="822959" y="5907024"/>
+            <a:ext cx="7589520" cy="594360"/>
+          </a:xfrm>
+        </p:spPr>
+        <p:txBody>
+          <a:bodyPr lIns="91440" tIns="0" rIns="91440" bIns="0">
+            <a:normAutofit/>
+          </a:bodyPr>
+          <a:lstStyle>
+            <a:lvl1pPr marL="0" indent="0">
+              <a:spcBef>
+                <a:spcPts val="0"/>
+              </a:spcBef>
+              <a:spcAft>
+                <a:spcPts val="600"/>
+              </a:spcAft>
+              <a:buNone/>
+              <a:defRPr sz="1500">
+                <a:solidFill>
+                  <a:srgbClr val="FFFFFF"/>
+                </a:solidFill>
+              </a:defRPr>
+            </a:lvl1pPr>
+            <a:lvl2pPr marL="457200" indent="0">
+              <a:buNone/>
+              <a:defRPr sz="1200"/>
+            </a:lvl2pPr>
+            <a:lvl3pPr marL="914400" indent="0">
+              <a:buNone/>
+              <a:defRPr sz="1000"/>
+            </a:lvl3pPr>
+            <a:lvl4pPr marL="1371600" indent="0">
+              <a:buNone/>
+              <a:defRPr sz="900"/>
+            </a:lvl4pPr>
+            <a:lvl5pPr marL="1828800" indent="0">
+              <a:buNone/>
+              <a:defRPr sz="900"/>
+            </a:lvl5pPr>
+            <a:lvl6pPr marL="2286000" indent="0">
+              <a:buNone/>
+              <a:defRPr sz="900"/>
+            </a:lvl6pPr>
+            <a:lvl7pPr marL="2743200" indent="0">
+              <a:buNone/>
+              <a:defRPr sz="900"/>
+            </a:lvl7pPr>
+            <a:lvl8pPr marL="3200400" indent="0">
+              <a:buNone/>
+              <a:defRPr sz="900"/>
+            </a:lvl8pPr>
+            <a:lvl9pPr marL="3657600" indent="0">
+              <a:buNone/>
+              <a:defRPr sz="900"/>
+            </a:lvl9pPr>
+          </a:lstStyle>
+          <a:p>
+            <a:pPr lvl="0"/>
+            <a:r>
+              <a:rPr lang="en-US"/>
+              <a:t>Edit Master text styles</a:t>
+            </a:r>
+          </a:p>
+        </p:txBody>
+      </p:sp>
+      <p:sp>
+        <p:nvSpPr>
+          <p:cNvPr id="5" name="Date Placeholder 4"/>
+          <p:cNvSpPr>
+            <a:spLocks noGrp="1"/>
+          </p:cNvSpPr>
+          <p:nvPr>
+            <p:ph type="dt" sz="half" idx="10"/>
+          </p:nvPr>
+        </p:nvSpPr>
+        <p:spPr/>
+        <p:txBody>
+          <a:bodyPr/>
+          <a:lstStyle/>
+          <a:p>
+            <a:fld id="{613845A1-9DE0-45DA-AF74-AA448812466E}" type="datetime1">
+              <a:rPr lang="en-US" smtClean="0"/>
+              <a:t>7/7/2016</a:t>
+            </a:fld>
+            <a:endParaRPr lang="en-US"/>
+          </a:p>
+        </p:txBody>
+      </p:sp>
+      <p:sp>
+        <p:nvSpPr>
+          <p:cNvPr id="6" name="Footer Placeholder 5"/>
+          <p:cNvSpPr>
+            <a:spLocks noGrp="1"/>
+          </p:cNvSpPr>
+          <p:nvPr>
+            <p:ph type="ftr" sz="quarter" idx="11"/>
+          </p:nvPr>
+        </p:nvSpPr>
+        <p:spPr/>
+        <p:txBody>
+          <a:bodyPr/>
+          <a:lstStyle/>
+          <a:p>
+            <a:r>
+              <a:rPr lang="en-US"/>
+              <a:t>© 2015 EV3Lessons.com, Last edit 7/06/2016</a:t>
+            </a:r>
+          </a:p>
+        </p:txBody>
+      </p:sp>
+      <p:sp>
+        <p:nvSpPr>
+          <p:cNvPr id="7" name="Slide Number Placeholder 6"/>
+          <p:cNvSpPr>
+            <a:spLocks noGrp="1"/>
+          </p:cNvSpPr>
+          <p:nvPr>
+            <p:ph type="sldNum" sz="quarter" idx="12"/>
+          </p:nvPr>
+        </p:nvSpPr>
+        <p:spPr/>
+        <p:txBody>
+          <a:bodyPr/>
+          <a:lstStyle/>
+          <a:p>
+            <a:fld id="{4382A7F7-08BF-4252-8141-63FB96055BBB}" type="slidenum">
+              <a:rPr lang="en-US" smtClean="0"/>
+              <a:t>‹#›</a:t>
+            </a:fld>
+            <a:endParaRPr lang="en-US"/>
+          </a:p>
+        </p:txBody>
+      </p:sp>
+    </p:spTree>
+    <p:extLst>
+      <p:ext uri="{BB962C8B-B14F-4D97-AF65-F5344CB8AC3E}">
+        <p14:creationId xmlns:p14="http://schemas.microsoft.com/office/powerpoint/2010/main" val="161439060"/>
+      </p:ext>
+    </p:extLst>
+  </p:cSld>
+  <p:clrMapOvr>
+    <a:masterClrMapping/>
+  </p:clrMapOvr>
+</p:sldLayout>
+</file>
+
+<file path=ppt/slideLayouts/slideLayout21.xml><?xml version="1.0" encoding="utf-8"?>
+<p:sldLayout xmlns:a="http://schemas.openxmlformats.org/drawingml/2006/main" xmlns:r="http://schemas.openxmlformats.org/officeDocument/2006/relationships" xmlns:p="http://schemas.openxmlformats.org/presentationml/2006/main" type="vertTx" preserve="1">
+  <p:cSld name="Title and Vertical Text">
+    <p:spTree>
+      <p:nvGrpSpPr>
+        <p:cNvPr id="1" name=""/>
+        <p:cNvGrpSpPr/>
+        <p:nvPr/>
+      </p:nvGrpSpPr>
+      <p:grpSpPr>
+        <a:xfrm>
+          <a:off x="0" y="0"/>
+          <a:ext cx="0" cy="0"/>
+          <a:chOff x="0" y="0"/>
+          <a:chExt cx="0" cy="0"/>
+        </a:xfrm>
+      </p:grpSpPr>
+      <p:sp>
+        <p:nvSpPr>
+          <p:cNvPr id="2" name="Title 1"/>
+          <p:cNvSpPr>
+            <a:spLocks noGrp="1"/>
+          </p:cNvSpPr>
+          <p:nvPr>
+            <p:ph type="title"/>
+          </p:nvPr>
+        </p:nvSpPr>
+        <p:spPr/>
+        <p:txBody>
+          <a:bodyPr/>
+          <a:lstStyle/>
+          <a:p>
+            <a:r>
+              <a:rPr lang="en-US"/>
+              <a:t>Click to edit Master title style</a:t>
+            </a:r>
+            <a:endParaRPr lang="en-US" dirty="0"/>
+          </a:p>
+        </p:txBody>
+      </p:sp>
+      <p:sp>
+        <p:nvSpPr>
+          <p:cNvPr id="3" name="Vertical Text Placeholder 2"/>
+          <p:cNvSpPr>
+            <a:spLocks noGrp="1"/>
+          </p:cNvSpPr>
+          <p:nvPr>
+            <p:ph type="body" orient="vert" idx="1"/>
+          </p:nvPr>
+        </p:nvSpPr>
+        <p:spPr/>
+        <p:txBody>
+          <a:bodyPr vert="eaVert" lIns="45720" tIns="0" rIns="45720" bIns="0"/>
+          <a:lstStyle/>
+          <a:p>
+            <a:pPr lvl="0"/>
+            <a:r>
+              <a:rPr lang="en-US"/>
+              <a:t>Edit Master text styles</a:t>
+            </a:r>
+          </a:p>
+          <a:p>
+            <a:pPr lvl="1"/>
+            <a:r>
+              <a:rPr lang="en-US"/>
+              <a:t>Second level</a:t>
+            </a:r>
+          </a:p>
+          <a:p>
+            <a:pPr lvl="2"/>
+            <a:r>
+              <a:rPr lang="en-US"/>
+              <a:t>Third level</a:t>
+            </a:r>
+          </a:p>
+          <a:p>
+            <a:pPr lvl="3"/>
+            <a:r>
+              <a:rPr lang="en-US"/>
+              <a:t>Fourth level</a:t>
+            </a:r>
+          </a:p>
+          <a:p>
+            <a:pPr lvl="4"/>
+            <a:r>
+              <a:rPr lang="en-US"/>
+              <a:t>Fifth level</a:t>
+            </a:r>
+            <a:endParaRPr lang="en-US" dirty="0"/>
+          </a:p>
+        </p:txBody>
+      </p:sp>
+      <p:sp>
+        <p:nvSpPr>
+          <p:cNvPr id="4" name="Date Placeholder 3"/>
+          <p:cNvSpPr>
+            <a:spLocks noGrp="1"/>
+          </p:cNvSpPr>
+          <p:nvPr>
+            <p:ph type="dt" sz="half" idx="10"/>
+          </p:nvPr>
+        </p:nvSpPr>
+        <p:spPr/>
+        <p:txBody>
+          <a:bodyPr/>
+          <a:lstStyle/>
+          <a:p>
+            <a:fld id="{69B38FE3-4A62-49E7-8F43-F6D0D08BEE13}" type="datetime1">
+              <a:rPr lang="en-US" smtClean="0"/>
+              <a:t>7/7/2016</a:t>
+            </a:fld>
+            <a:endParaRPr lang="en-US"/>
+          </a:p>
+        </p:txBody>
+      </p:sp>
+      <p:sp>
+        <p:nvSpPr>
+          <p:cNvPr id="5" name="Footer Placeholder 4"/>
+          <p:cNvSpPr>
+            <a:spLocks noGrp="1"/>
+          </p:cNvSpPr>
+          <p:nvPr>
+            <p:ph type="ftr" sz="quarter" idx="11"/>
+          </p:nvPr>
+        </p:nvSpPr>
+        <p:spPr/>
+        <p:txBody>
+          <a:bodyPr/>
+          <a:lstStyle/>
+          <a:p>
+            <a:r>
+              <a:rPr lang="en-US"/>
+              <a:t>© 2015 EV3Lessons.com, Last edit 7/06/2016</a:t>
+            </a:r>
+          </a:p>
+        </p:txBody>
+      </p:sp>
+      <p:sp>
+        <p:nvSpPr>
+          <p:cNvPr id="6" name="Slide Number Placeholder 5"/>
+          <p:cNvSpPr>
+            <a:spLocks noGrp="1"/>
+          </p:cNvSpPr>
+          <p:nvPr>
+            <p:ph type="sldNum" sz="quarter" idx="12"/>
+          </p:nvPr>
+        </p:nvSpPr>
+        <p:spPr/>
+        <p:txBody>
+          <a:bodyPr/>
+          <a:lstStyle/>
+          <a:p>
+            <a:fld id="{4382A7F7-08BF-4252-8141-63FB96055BBB}" type="slidenum">
+              <a:rPr lang="en-US" smtClean="0"/>
+              <a:t>‹#›</a:t>
+            </a:fld>
+            <a:endParaRPr lang="en-US"/>
+          </a:p>
+        </p:txBody>
+      </p:sp>
+    </p:spTree>
+    <p:extLst>
+      <p:ext uri="{BB962C8B-B14F-4D97-AF65-F5344CB8AC3E}">
+        <p14:creationId xmlns:p14="http://schemas.microsoft.com/office/powerpoint/2010/main" val="3136579018"/>
+      </p:ext>
+    </p:extLst>
+  </p:cSld>
+  <p:clrMapOvr>
+    <a:masterClrMapping/>
+  </p:clrMapOvr>
+</p:sldLayout>
+</file>
+
+<file path=ppt/slideLayouts/slideLayout22.xml><?xml version="1.0" encoding="utf-8"?>
+<p:sldLayout xmlns:a="http://schemas.openxmlformats.org/drawingml/2006/main" xmlns:r="http://schemas.openxmlformats.org/officeDocument/2006/relationships" xmlns:p="http://schemas.openxmlformats.org/presentationml/2006/main" showMasterSp="0" type="vertTitleAndTx" preserve="1">
+  <p:cSld name="Vertical Title and Text">
+    <p:spTree>
+      <p:nvGrpSpPr>
+        <p:cNvPr id="1" name=""/>
+        <p:cNvGrpSpPr/>
+        <p:nvPr/>
+      </p:nvGrpSpPr>
+      <p:grpSpPr>
+        <a:xfrm>
+          <a:off x="0" y="0"/>
+          <a:ext cx="0" cy="0"/>
+          <a:chOff x="0" y="0"/>
+          <a:chExt cx="0" cy="0"/>
+        </a:xfrm>
+      </p:grpSpPr>
+      <p:sp>
+        <p:nvSpPr>
+          <p:cNvPr id="7" name="Rectangle 6"/>
+          <p:cNvSpPr/>
+          <p:nvPr/>
+        </p:nvSpPr>
+        <p:spPr>
+          <a:xfrm>
+            <a:off x="2382" y="6400800"/>
+            <a:ext cx="9141619" cy="457200"/>
+          </a:xfrm>
+          <a:prstGeom prst="rect">
+            <a:avLst/>
+          </a:prstGeom>
+          <a:solidFill>
+            <a:schemeClr val="accent2"/>
+          </a:solidFill>
+          <a:ln>
+            <a:noFill/>
+          </a:ln>
+        </p:spPr>
+        <p:style>
+          <a:lnRef idx="2">
+            <a:schemeClr val="accent1">
+              <a:shade val="50000"/>
+            </a:schemeClr>
+          </a:lnRef>
+          <a:fillRef idx="1">
+            <a:schemeClr val="accent1"/>
+          </a:fillRef>
+          <a:effectRef idx="0">
+            <a:schemeClr val="accent1"/>
+          </a:effectRef>
+          <a:fontRef idx="minor">
+            <a:schemeClr val="lt1"/>
+          </a:fontRef>
+        </p:style>
+      </p:sp>
+      <p:sp>
+        <p:nvSpPr>
+          <p:cNvPr id="8" name="Rectangle 7"/>
+          <p:cNvSpPr/>
+          <p:nvPr/>
+        </p:nvSpPr>
+        <p:spPr>
+          <a:xfrm>
+            <a:off x="12" y="6334316"/>
+            <a:ext cx="9141619" cy="64008"/>
+          </a:xfrm>
+          <a:prstGeom prst="rect">
+            <a:avLst/>
+          </a:prstGeom>
+          <a:solidFill>
+            <a:schemeClr val="accent1"/>
+          </a:solidFill>
+          <a:ln>
+            <a:noFill/>
+          </a:ln>
+        </p:spPr>
+        <p:style>
+          <a:lnRef idx="2">
+            <a:schemeClr val="accent1">
+              <a:shade val="50000"/>
+            </a:schemeClr>
+          </a:lnRef>
+          <a:fillRef idx="1">
+            <a:schemeClr val="accent1"/>
+          </a:fillRef>
+          <a:effectRef idx="0">
+            <a:schemeClr val="accent1"/>
+          </a:effectRef>
+          <a:fontRef idx="minor">
+            <a:schemeClr val="lt1"/>
+          </a:fontRef>
+        </p:style>
+      </p:sp>
+      <p:sp>
+        <p:nvSpPr>
+          <p:cNvPr id="2" name="Vertical Title 1"/>
+          <p:cNvSpPr>
+            <a:spLocks noGrp="1"/>
+          </p:cNvSpPr>
+          <p:nvPr>
+            <p:ph type="title" orient="vert"/>
+          </p:nvPr>
+        </p:nvSpPr>
+        <p:spPr>
+          <a:xfrm>
+            <a:off x="6543675" y="414779"/>
+            <a:ext cx="1971675" cy="5757421"/>
+          </a:xfrm>
+        </p:spPr>
+        <p:txBody>
+          <a:bodyPr vert="eaVert"/>
+          <a:lstStyle/>
+          <a:p>
+            <a:r>
+              <a:rPr lang="en-US"/>
+              <a:t>Click to edit Master title style</a:t>
+            </a:r>
+            <a:endParaRPr lang="en-US" dirty="0"/>
+          </a:p>
+        </p:txBody>
+      </p:sp>
+      <p:sp>
+        <p:nvSpPr>
+          <p:cNvPr id="3" name="Vertical Text Placeholder 2"/>
+          <p:cNvSpPr>
+            <a:spLocks noGrp="1"/>
+          </p:cNvSpPr>
+          <p:nvPr>
+            <p:ph type="body" orient="vert" idx="1"/>
+          </p:nvPr>
+        </p:nvSpPr>
+        <p:spPr>
+          <a:xfrm>
+            <a:off x="628650" y="414779"/>
+            <a:ext cx="5800725" cy="5757420"/>
+          </a:xfrm>
+        </p:spPr>
+        <p:txBody>
+          <a:bodyPr vert="eaVert" lIns="45720" tIns="0" rIns="45720" bIns="0"/>
+          <a:lstStyle/>
+          <a:p>
+            <a:pPr lvl="0"/>
+            <a:r>
+              <a:rPr lang="en-US"/>
+              <a:t>Edit Master text styles</a:t>
+            </a:r>
+          </a:p>
+          <a:p>
+            <a:pPr lvl="1"/>
+            <a:r>
+              <a:rPr lang="en-US"/>
+              <a:t>Second level</a:t>
+            </a:r>
+          </a:p>
+          <a:p>
+            <a:pPr lvl="2"/>
+            <a:r>
+              <a:rPr lang="en-US"/>
+              <a:t>Third level</a:t>
+            </a:r>
+          </a:p>
+          <a:p>
+            <a:pPr lvl="3"/>
+            <a:r>
+              <a:rPr lang="en-US"/>
+              <a:t>Fourth level</a:t>
+            </a:r>
+          </a:p>
+          <a:p>
+            <a:pPr lvl="4"/>
+            <a:r>
+              <a:rPr lang="en-US"/>
+              <a:t>Fifth level</a:t>
+            </a:r>
+            <a:endParaRPr lang="en-US" dirty="0"/>
+          </a:p>
+        </p:txBody>
+      </p:sp>
+      <p:sp>
+        <p:nvSpPr>
+          <p:cNvPr id="4" name="Date Placeholder 3"/>
+          <p:cNvSpPr>
+            <a:spLocks noGrp="1"/>
+          </p:cNvSpPr>
+          <p:nvPr>
+            <p:ph type="dt" sz="half" idx="10"/>
+          </p:nvPr>
+        </p:nvSpPr>
+        <p:spPr/>
+        <p:txBody>
+          <a:bodyPr/>
+          <a:lstStyle/>
+          <a:p>
+            <a:fld id="{E7C0D17F-FAD0-4E89-B98C-767A4628FD6E}" type="datetime1">
+              <a:rPr lang="en-US" smtClean="0"/>
+              <a:t>7/7/2016</a:t>
+            </a:fld>
+            <a:endParaRPr lang="en-US"/>
+          </a:p>
+        </p:txBody>
+      </p:sp>
+      <p:sp>
+        <p:nvSpPr>
+          <p:cNvPr id="5" name="Footer Placeholder 4"/>
+          <p:cNvSpPr>
+            <a:spLocks noGrp="1"/>
+          </p:cNvSpPr>
+          <p:nvPr>
+            <p:ph type="ftr" sz="quarter" idx="11"/>
+          </p:nvPr>
+        </p:nvSpPr>
+        <p:spPr/>
+        <p:txBody>
+          <a:bodyPr/>
+          <a:lstStyle/>
+          <a:p>
+            <a:r>
+              <a:rPr lang="en-US"/>
+              <a:t>© 2015 EV3Lessons.com, Last edit 7/06/2016</a:t>
+            </a:r>
+          </a:p>
+        </p:txBody>
+      </p:sp>
+      <p:sp>
+        <p:nvSpPr>
+          <p:cNvPr id="6" name="Slide Number Placeholder 5"/>
+          <p:cNvSpPr>
+            <a:spLocks noGrp="1"/>
+          </p:cNvSpPr>
+          <p:nvPr>
+            <p:ph type="sldNum" sz="quarter" idx="12"/>
+          </p:nvPr>
+        </p:nvSpPr>
+        <p:spPr/>
+        <p:txBody>
+          <a:bodyPr/>
+          <a:lstStyle/>
+          <a:p>
+            <a:fld id="{4382A7F7-08BF-4252-8141-63FB96055BBB}" type="slidenum">
+              <a:rPr lang="en-US" smtClean="0"/>
+              <a:t>‹#›</a:t>
+            </a:fld>
+            <a:endParaRPr lang="en-US"/>
+          </a:p>
+        </p:txBody>
+      </p:sp>
+    </p:spTree>
+    <p:extLst>
+      <p:ext uri="{BB962C8B-B14F-4D97-AF65-F5344CB8AC3E}">
+        <p14:creationId xmlns:p14="http://schemas.microsoft.com/office/powerpoint/2010/main" val="3936686138"/>
       </p:ext>
     </p:extLst>
   </p:cSld>
@@ -1873,7 +5041,7 @@
           </a:lstStyle>
           <a:p>
             <a:r>
-              <a:rPr lang="en-US" smtClean="0"/>
+              <a:rPr lang="en-US"/>
               <a:t>Click to edit Master title style</a:t>
             </a:r>
             <a:endParaRPr lang="en-US" dirty="0"/>
@@ -1994,30 +5162,30 @@
           <a:p>
             <a:pPr lvl="0"/>
             <a:r>
+              <a:rPr lang="en-US"/>
+              <a:t>Click to edit Master text styles</a:t>
+            </a:r>
+          </a:p>
+        </p:txBody>
+      </p:sp>
+      <p:sp>
+        <p:nvSpPr>
+          <p:cNvPr id="4" name="Date Placeholder 3"/>
+          <p:cNvSpPr>
+            <a:spLocks noGrp="1"/>
+          </p:cNvSpPr>
+          <p:nvPr>
+            <p:ph type="dt" sz="half" idx="10"/>
+          </p:nvPr>
+        </p:nvSpPr>
+        <p:spPr/>
+        <p:txBody>
+          <a:bodyPr/>
+          <a:lstStyle/>
+          <a:p>
+            <a:fld id="{6498C3B8-CCBA-411E-9DB3-AACF68D92F7D}" type="datetime1">
               <a:rPr lang="en-US" smtClean="0"/>
-              <a:t>Click to edit Master text styles</a:t>
-            </a:r>
-          </a:p>
-        </p:txBody>
-      </p:sp>
-      <p:sp>
-        <p:nvSpPr>
-          <p:cNvPr id="4" name="Date Placeholder 3"/>
-          <p:cNvSpPr>
-            <a:spLocks noGrp="1"/>
-          </p:cNvSpPr>
-          <p:nvPr>
-            <p:ph type="dt" sz="half" idx="10"/>
-          </p:nvPr>
-        </p:nvSpPr>
-        <p:spPr/>
-        <p:txBody>
-          <a:bodyPr/>
-          <a:lstStyle/>
-          <a:p>
-            <a:fld id="{719062A6-538C-914A-A4D7-9D77EAAE33AB}" type="datetime1">
-              <a:rPr lang="en-US" smtClean="0"/>
-              <a:t>11/13/15</a:t>
+              <a:t>7/7/2016</a:t>
             </a:fld>
             <a:endParaRPr lang="en-US"/>
           </a:p>
@@ -2039,10 +5207,9 @@
           <a:lstStyle/>
           <a:p>
             <a:r>
-              <a:rPr lang="sk-SK" smtClean="0"/>
-              <a:t>© 2015 EV3Lessons.com, Last edit 11/13/2015</a:t>
-            </a:r>
-            <a:endParaRPr lang="en-US"/>
+              <a:rPr lang="en-US"/>
+              <a:t>© 2015 EV3Lessons.com, Last edit 7/06/2016</a:t>
+            </a:r>
           </a:p>
         </p:txBody>
       </p:sp>
@@ -2158,7 +5325,7 @@
           <a:lstStyle/>
           <a:p>
             <a:r>
-              <a:rPr lang="en-US" smtClean="0"/>
+              <a:rPr lang="en-US"/>
               <a:t>Click to edit Master title style</a:t>
             </a:r>
             <a:endParaRPr lang="en-US" dirty="0"/>
@@ -2187,35 +5354,35 @@
           <a:p>
             <a:pPr lvl="0"/>
             <a:r>
-              <a:rPr lang="en-US" smtClean="0"/>
+              <a:rPr lang="en-US"/>
               <a:t>Click to edit Master text styles</a:t>
             </a:r>
           </a:p>
           <a:p>
             <a:pPr lvl="1"/>
             <a:r>
-              <a:rPr lang="en-US" smtClean="0"/>
+              <a:rPr lang="en-US"/>
               <a:t>Second level</a:t>
             </a:r>
           </a:p>
           <a:p>
             <a:pPr lvl="2"/>
             <a:r>
-              <a:rPr lang="en-US" smtClean="0"/>
+              <a:rPr lang="en-US"/>
               <a:t>Third level</a:t>
             </a:r>
           </a:p>
           <a:p>
             <a:pPr lvl="3"/>
             <a:r>
-              <a:rPr lang="en-US" smtClean="0"/>
+              <a:rPr lang="en-US"/>
               <a:t>Fourth level</a:t>
             </a:r>
           </a:p>
           <a:p>
             <a:pPr lvl="4"/>
             <a:r>
-              <a:rPr lang="en-US" smtClean="0"/>
+              <a:rPr lang="en-US"/>
               <a:t>Fifth level</a:t>
             </a:r>
             <a:endParaRPr lang="en-US" dirty="0"/>
@@ -2244,59 +5411,59 @@
           <a:p>
             <a:pPr lvl="0"/>
             <a:r>
+              <a:rPr lang="en-US"/>
+              <a:t>Click to edit Master text styles</a:t>
+            </a:r>
+          </a:p>
+          <a:p>
+            <a:pPr lvl="1"/>
+            <a:r>
+              <a:rPr lang="en-US"/>
+              <a:t>Second level</a:t>
+            </a:r>
+          </a:p>
+          <a:p>
+            <a:pPr lvl="2"/>
+            <a:r>
+              <a:rPr lang="en-US"/>
+              <a:t>Third level</a:t>
+            </a:r>
+          </a:p>
+          <a:p>
+            <a:pPr lvl="3"/>
+            <a:r>
+              <a:rPr lang="en-US"/>
+              <a:t>Fourth level</a:t>
+            </a:r>
+          </a:p>
+          <a:p>
+            <a:pPr lvl="4"/>
+            <a:r>
+              <a:rPr lang="en-US"/>
+              <a:t>Fifth level</a:t>
+            </a:r>
+            <a:endParaRPr lang="en-US" dirty="0"/>
+          </a:p>
+        </p:txBody>
+      </p:sp>
+      <p:sp>
+        <p:nvSpPr>
+          <p:cNvPr id="5" name="Date Placeholder 4"/>
+          <p:cNvSpPr>
+            <a:spLocks noGrp="1"/>
+          </p:cNvSpPr>
+          <p:nvPr>
+            <p:ph type="dt" sz="half" idx="10"/>
+          </p:nvPr>
+        </p:nvSpPr>
+        <p:spPr/>
+        <p:txBody>
+          <a:bodyPr/>
+          <a:lstStyle/>
+          <a:p>
+            <a:fld id="{0EC090BA-9AAD-4420-BFD9-12D0784F3BD8}" type="datetime1">
               <a:rPr lang="en-US" smtClean="0"/>
-              <a:t>Click to edit Master text styles</a:t>
-            </a:r>
-          </a:p>
-          <a:p>
-            <a:pPr lvl="1"/>
-            <a:r>
-              <a:rPr lang="en-US" smtClean="0"/>
-              <a:t>Second level</a:t>
-            </a:r>
-          </a:p>
-          <a:p>
-            <a:pPr lvl="2"/>
-            <a:r>
-              <a:rPr lang="en-US" smtClean="0"/>
-              <a:t>Third level</a:t>
-            </a:r>
-          </a:p>
-          <a:p>
-            <a:pPr lvl="3"/>
-            <a:r>
-              <a:rPr lang="en-US" smtClean="0"/>
-              <a:t>Fourth level</a:t>
-            </a:r>
-          </a:p>
-          <a:p>
-            <a:pPr lvl="4"/>
-            <a:r>
-              <a:rPr lang="en-US" smtClean="0"/>
-              <a:t>Fifth level</a:t>
-            </a:r>
-            <a:endParaRPr lang="en-US" dirty="0"/>
-          </a:p>
-        </p:txBody>
-      </p:sp>
-      <p:sp>
-        <p:nvSpPr>
-          <p:cNvPr id="5" name="Date Placeholder 4"/>
-          <p:cNvSpPr>
-            <a:spLocks noGrp="1"/>
-          </p:cNvSpPr>
-          <p:nvPr>
-            <p:ph type="dt" sz="half" idx="10"/>
-          </p:nvPr>
-        </p:nvSpPr>
-        <p:spPr/>
-        <p:txBody>
-          <a:bodyPr/>
-          <a:lstStyle/>
-          <a:p>
-            <a:fld id="{FBA86DE5-4727-3C44-A125-458AC819E1C1}" type="datetime1">
-              <a:rPr lang="en-US" smtClean="0"/>
-              <a:t>11/13/15</a:t>
+              <a:t>7/7/2016</a:t>
             </a:fld>
             <a:endParaRPr lang="en-US"/>
           </a:p>
@@ -2317,6 +5484,10 @@
           <a:bodyPr/>
           <a:lstStyle/>
           <a:p>
+            <a:r>
+              <a:rPr lang="en-US"/>
+              <a:t>© 2015 EV3Lessons.com, Last edit 7/06/2016</a:t>
+            </a:r>
             <a:endParaRPr lang="en-US" dirty="0"/>
           </a:p>
         </p:txBody>
@@ -2395,7 +5566,7 @@
           <a:lstStyle/>
           <a:p>
             <a:r>
-              <a:rPr lang="en-US" smtClean="0"/>
+              <a:rPr lang="en-US"/>
               <a:t>Click to edit Master title style</a:t>
             </a:r>
             <a:endParaRPr lang="en-US" dirty="0"/>
@@ -2467,7 +5638,7 @@
           <a:p>
             <a:pPr lvl="0"/>
             <a:r>
-              <a:rPr lang="en-US" smtClean="0"/>
+              <a:rPr lang="en-US"/>
               <a:t>Click to edit Master text styles</a:t>
             </a:r>
           </a:p>
@@ -2495,35 +5666,35 @@
           <a:p>
             <a:pPr lvl="0"/>
             <a:r>
-              <a:rPr lang="en-US" smtClean="0"/>
+              <a:rPr lang="en-US"/>
               <a:t>Click to edit Master text styles</a:t>
             </a:r>
           </a:p>
           <a:p>
             <a:pPr lvl="1"/>
             <a:r>
-              <a:rPr lang="en-US" smtClean="0"/>
+              <a:rPr lang="en-US"/>
               <a:t>Second level</a:t>
             </a:r>
           </a:p>
           <a:p>
             <a:pPr lvl="2"/>
             <a:r>
-              <a:rPr lang="en-US" smtClean="0"/>
+              <a:rPr lang="en-US"/>
               <a:t>Third level</a:t>
             </a:r>
           </a:p>
           <a:p>
             <a:pPr lvl="3"/>
             <a:r>
-              <a:rPr lang="en-US" smtClean="0"/>
+              <a:rPr lang="en-US"/>
               <a:t>Fourth level</a:t>
             </a:r>
           </a:p>
           <a:p>
             <a:pPr lvl="4"/>
             <a:r>
-              <a:rPr lang="en-US" smtClean="0"/>
+              <a:rPr lang="en-US"/>
               <a:t>Fifth level</a:t>
             </a:r>
             <a:endParaRPr lang="en-US" dirty="0"/>
@@ -2595,7 +5766,7 @@
           <a:p>
             <a:pPr lvl="0"/>
             <a:r>
-              <a:rPr lang="en-US" smtClean="0"/>
+              <a:rPr lang="en-US"/>
               <a:t>Click to edit Master text styles</a:t>
             </a:r>
           </a:p>
@@ -2623,59 +5794,59 @@
           <a:p>
             <a:pPr lvl="0"/>
             <a:r>
+              <a:rPr lang="en-US"/>
+              <a:t>Click to edit Master text styles</a:t>
+            </a:r>
+          </a:p>
+          <a:p>
+            <a:pPr lvl="1"/>
+            <a:r>
+              <a:rPr lang="en-US"/>
+              <a:t>Second level</a:t>
+            </a:r>
+          </a:p>
+          <a:p>
+            <a:pPr lvl="2"/>
+            <a:r>
+              <a:rPr lang="en-US"/>
+              <a:t>Third level</a:t>
+            </a:r>
+          </a:p>
+          <a:p>
+            <a:pPr lvl="3"/>
+            <a:r>
+              <a:rPr lang="en-US"/>
+              <a:t>Fourth level</a:t>
+            </a:r>
+          </a:p>
+          <a:p>
+            <a:pPr lvl="4"/>
+            <a:r>
+              <a:rPr lang="en-US"/>
+              <a:t>Fifth level</a:t>
+            </a:r>
+            <a:endParaRPr lang="en-US" dirty="0"/>
+          </a:p>
+        </p:txBody>
+      </p:sp>
+      <p:sp>
+        <p:nvSpPr>
+          <p:cNvPr id="7" name="Date Placeholder 6"/>
+          <p:cNvSpPr>
+            <a:spLocks noGrp="1"/>
+          </p:cNvSpPr>
+          <p:nvPr>
+            <p:ph type="dt" sz="half" idx="10"/>
+          </p:nvPr>
+        </p:nvSpPr>
+        <p:spPr/>
+        <p:txBody>
+          <a:bodyPr/>
+          <a:lstStyle/>
+          <a:p>
+            <a:fld id="{606ABF42-B0A3-48A3-84D3-002A163D0068}" type="datetime1">
               <a:rPr lang="en-US" smtClean="0"/>
-              <a:t>Click to edit Master text styles</a:t>
-            </a:r>
-          </a:p>
-          <a:p>
-            <a:pPr lvl="1"/>
-            <a:r>
-              <a:rPr lang="en-US" smtClean="0"/>
-              <a:t>Second level</a:t>
-            </a:r>
-          </a:p>
-          <a:p>
-            <a:pPr lvl="2"/>
-            <a:r>
-              <a:rPr lang="en-US" smtClean="0"/>
-              <a:t>Third level</a:t>
-            </a:r>
-          </a:p>
-          <a:p>
-            <a:pPr lvl="3"/>
-            <a:r>
-              <a:rPr lang="en-US" smtClean="0"/>
-              <a:t>Fourth level</a:t>
-            </a:r>
-          </a:p>
-          <a:p>
-            <a:pPr lvl="4"/>
-            <a:r>
-              <a:rPr lang="en-US" smtClean="0"/>
-              <a:t>Fifth level</a:t>
-            </a:r>
-            <a:endParaRPr lang="en-US" dirty="0"/>
-          </a:p>
-        </p:txBody>
-      </p:sp>
-      <p:sp>
-        <p:nvSpPr>
-          <p:cNvPr id="7" name="Date Placeholder 6"/>
-          <p:cNvSpPr>
-            <a:spLocks noGrp="1"/>
-          </p:cNvSpPr>
-          <p:nvPr>
-            <p:ph type="dt" sz="half" idx="10"/>
-          </p:nvPr>
-        </p:nvSpPr>
-        <p:spPr/>
-        <p:txBody>
-          <a:bodyPr/>
-          <a:lstStyle/>
-          <a:p>
-            <a:fld id="{18F252B0-687D-184F-B682-0021640A5D63}" type="datetime1">
-              <a:rPr lang="en-US" smtClean="0"/>
-              <a:t>11/13/15</a:t>
+              <a:t>7/7/2016</a:t>
             </a:fld>
             <a:endParaRPr lang="en-US"/>
           </a:p>
@@ -2697,10 +5868,9 @@
           <a:lstStyle/>
           <a:p>
             <a:r>
-              <a:rPr lang="sk-SK" smtClean="0"/>
-              <a:t>© 2015 EV3Lessons.com, Last edit 11/13/2015</a:t>
-            </a:r>
-            <a:endParaRPr lang="en-US"/>
+              <a:rPr lang="en-US"/>
+              <a:t>© 2015 EV3Lessons.com, Last edit 7/06/2016</a:t>
+            </a:r>
           </a:p>
         </p:txBody>
       </p:sp>
@@ -2773,31 +5943,31 @@
           <a:lstStyle/>
           <a:p>
             <a:r>
+              <a:rPr lang="en-US"/>
+              <a:t>Click to edit Master title style</a:t>
+            </a:r>
+            <a:endParaRPr lang="en-US" dirty="0"/>
+          </a:p>
+        </p:txBody>
+      </p:sp>
+      <p:sp>
+        <p:nvSpPr>
+          <p:cNvPr id="3" name="Date Placeholder 2"/>
+          <p:cNvSpPr>
+            <a:spLocks noGrp="1"/>
+          </p:cNvSpPr>
+          <p:nvPr>
+            <p:ph type="dt" sz="half" idx="10"/>
+          </p:nvPr>
+        </p:nvSpPr>
+        <p:spPr/>
+        <p:txBody>
+          <a:bodyPr/>
+          <a:lstStyle/>
+          <a:p>
+            <a:fld id="{9179C439-D066-4536-BF0E-4339595C20C0}" type="datetime1">
               <a:rPr lang="en-US" smtClean="0"/>
-              <a:t>Click to edit Master title style</a:t>
-            </a:r>
-            <a:endParaRPr lang="en-US" dirty="0"/>
-          </a:p>
-        </p:txBody>
-      </p:sp>
-      <p:sp>
-        <p:nvSpPr>
-          <p:cNvPr id="3" name="Date Placeholder 2"/>
-          <p:cNvSpPr>
-            <a:spLocks noGrp="1"/>
-          </p:cNvSpPr>
-          <p:nvPr>
-            <p:ph type="dt" sz="half" idx="10"/>
-          </p:nvPr>
-        </p:nvSpPr>
-        <p:spPr/>
-        <p:txBody>
-          <a:bodyPr/>
-          <a:lstStyle/>
-          <a:p>
-            <a:fld id="{3457AD7A-12C8-EA48-9011-B2F46261DD98}" type="datetime1">
-              <a:rPr lang="en-US" smtClean="0"/>
-              <a:t>11/13/15</a:t>
+              <a:t>7/7/2016</a:t>
             </a:fld>
             <a:endParaRPr lang="en-US"/>
           </a:p>
@@ -2819,10 +5989,9 @@
           <a:lstStyle/>
           <a:p>
             <a:r>
-              <a:rPr lang="sk-SK" smtClean="0"/>
-              <a:t>© 2015 EV3Lessons.com, Last edit 11/13/2015</a:t>
-            </a:r>
-            <a:endParaRPr lang="en-US"/>
+              <a:rPr lang="en-US"/>
+              <a:t>© 2015 EV3Lessons.com, Last edit 7/06/2016</a:t>
+            </a:r>
           </a:p>
         </p:txBody>
       </p:sp>
@@ -2970,9 +6139,9 @@
           <a:bodyPr/>
           <a:lstStyle/>
           <a:p>
-            <a:fld id="{77D3C5C7-2346-9A49-8660-921460E2744B}" type="datetime1">
+            <a:fld id="{A3887BDB-31CB-4154-A354-1D8431D151E9}" type="datetime1">
               <a:rPr lang="en-US" smtClean="0"/>
-              <a:t>11/13/15</a:t>
+              <a:t>7/7/2016</a:t>
             </a:fld>
             <a:endParaRPr lang="en-US"/>
           </a:p>
@@ -3002,10 +6171,9 @@
           </a:lstStyle>
           <a:p>
             <a:r>
-              <a:rPr lang="sk-SK" smtClean="0"/>
-              <a:t>© 2015 EV3Lessons.com, Last edit 11/13/2015</a:t>
-            </a:r>
-            <a:endParaRPr lang="en-US"/>
+              <a:rPr lang="en-US"/>
+              <a:t>© 2015 EV3Lessons.com, Last edit 7/06/2016</a:t>
+            </a:r>
           </a:p>
         </p:txBody>
       </p:sp>
@@ -3169,7 +6337,7 @@
           </a:lstStyle>
           <a:p>
             <a:r>
-              <a:rPr lang="en-US" smtClean="0"/>
+              <a:rPr lang="en-US"/>
               <a:t>Click to edit Master title style</a:t>
             </a:r>
             <a:endParaRPr lang="en-US" dirty="0"/>
@@ -3198,35 +6366,35 @@
           <a:p>
             <a:pPr lvl="0"/>
             <a:r>
-              <a:rPr lang="en-US" smtClean="0"/>
+              <a:rPr lang="en-US"/>
               <a:t>Click to edit Master text styles</a:t>
             </a:r>
           </a:p>
           <a:p>
             <a:pPr lvl="1"/>
             <a:r>
-              <a:rPr lang="en-US" smtClean="0"/>
+              <a:rPr lang="en-US"/>
               <a:t>Second level</a:t>
             </a:r>
           </a:p>
           <a:p>
             <a:pPr lvl="2"/>
             <a:r>
-              <a:rPr lang="en-US" smtClean="0"/>
+              <a:rPr lang="en-US"/>
               <a:t>Third level</a:t>
             </a:r>
           </a:p>
           <a:p>
             <a:pPr lvl="3"/>
             <a:r>
-              <a:rPr lang="en-US" smtClean="0"/>
+              <a:rPr lang="en-US"/>
               <a:t>Fourth level</a:t>
             </a:r>
           </a:p>
           <a:p>
             <a:pPr lvl="4"/>
             <a:r>
-              <a:rPr lang="en-US" smtClean="0"/>
+              <a:rPr lang="en-US"/>
               <a:t>Fifth level</a:t>
             </a:r>
             <a:endParaRPr lang="en-US" dirty="0"/>
@@ -3298,7 +6466,7 @@
           <a:p>
             <a:pPr lvl="0"/>
             <a:r>
-              <a:rPr lang="en-US" smtClean="0"/>
+              <a:rPr lang="en-US"/>
               <a:t>Click to edit Master text styles</a:t>
             </a:r>
           </a:p>
@@ -3328,9 +6496,9 @@
             </a:lvl1pPr>
           </a:lstStyle>
           <a:p>
-            <a:fld id="{E5A27797-1683-ED47-A74A-6DEBEDA39DC8}" type="datetime1">
+            <a:fld id="{CA72863B-BF54-4663-891A-0C7919FC7BCF}" type="datetime1">
               <a:rPr lang="en-US" smtClean="0"/>
-              <a:t>11/13/15</a:t>
+              <a:t>7/7/2016</a:t>
             </a:fld>
             <a:endParaRPr lang="en-US"/>
           </a:p>
@@ -3365,10 +6533,9 @@
           </a:lstStyle>
           <a:p>
             <a:r>
-              <a:rPr lang="sk-SK" smtClean="0"/>
-              <a:t>© 2015 EV3Lessons.com, Last edit 11/13/2015</a:t>
-            </a:r>
-            <a:endParaRPr lang="en-US"/>
+              <a:rPr lang="en-US"/>
+              <a:t>© 2015 EV3Lessons.com, Last edit 7/06/2016</a:t>
+            </a:r>
           </a:p>
         </p:txBody>
       </p:sp>
@@ -3540,7 +6707,7 @@
           </a:lstStyle>
           <a:p>
             <a:r>
-              <a:rPr lang="en-US" smtClean="0"/>
+              <a:rPr lang="en-US"/>
               <a:t>Click to edit Master title style</a:t>
             </a:r>
             <a:endParaRPr lang="en-US" dirty="0"/>
@@ -3615,7 +6782,7 @@
           </a:lstStyle>
           <a:p>
             <a:r>
-              <a:rPr lang="en-US" smtClean="0"/>
+              <a:rPr lang="en-US"/>
               <a:t>Drag picture to placeholder or click icon to add</a:t>
             </a:r>
             <a:endParaRPr lang="en-US" dirty="0"/>
@@ -3693,30 +6860,30 @@
           <a:p>
             <a:pPr lvl="0"/>
             <a:r>
+              <a:rPr lang="en-US"/>
+              <a:t>Click to edit Master text styles</a:t>
+            </a:r>
+          </a:p>
+        </p:txBody>
+      </p:sp>
+      <p:sp>
+        <p:nvSpPr>
+          <p:cNvPr id="5" name="Date Placeholder 4"/>
+          <p:cNvSpPr>
+            <a:spLocks noGrp="1"/>
+          </p:cNvSpPr>
+          <p:nvPr>
+            <p:ph type="dt" sz="half" idx="10"/>
+          </p:nvPr>
+        </p:nvSpPr>
+        <p:spPr/>
+        <p:txBody>
+          <a:bodyPr/>
+          <a:lstStyle/>
+          <a:p>
+            <a:fld id="{C54738FF-D9A2-48EA-A9B8-AB69C391D273}" type="datetime1">
               <a:rPr lang="en-US" smtClean="0"/>
-              <a:t>Click to edit Master text styles</a:t>
-            </a:r>
-          </a:p>
-        </p:txBody>
-      </p:sp>
-      <p:sp>
-        <p:nvSpPr>
-          <p:cNvPr id="5" name="Date Placeholder 4"/>
-          <p:cNvSpPr>
-            <a:spLocks noGrp="1"/>
-          </p:cNvSpPr>
-          <p:nvPr>
-            <p:ph type="dt" sz="half" idx="10"/>
-          </p:nvPr>
-        </p:nvSpPr>
-        <p:spPr/>
-        <p:txBody>
-          <a:bodyPr/>
-          <a:lstStyle/>
-          <a:p>
-            <a:fld id="{9F9CFCDA-76FF-C942-8304-6FF0EF7EF019}" type="datetime1">
-              <a:rPr lang="en-US" smtClean="0"/>
-              <a:t>11/13/15</a:t>
+              <a:t>7/7/2016</a:t>
             </a:fld>
             <a:endParaRPr lang="en-US"/>
           </a:p>
@@ -3738,10 +6905,9 @@
           <a:lstStyle/>
           <a:p>
             <a:r>
-              <a:rPr lang="sk-SK" smtClean="0"/>
-              <a:t>© 2015 EV3Lessons.com, Last edit 11/13/2015</a:t>
-            </a:r>
-            <a:endParaRPr lang="en-US"/>
+              <a:rPr lang="en-US"/>
+              <a:t>© 2015 EV3Lessons.com, Last edit 7/06/2016</a:t>
+            </a:r>
           </a:p>
         </p:txBody>
       </p:sp>
@@ -3907,7 +7073,7 @@
           <a:lstStyle/>
           <a:p>
             <a:r>
-              <a:rPr lang="en-US" smtClean="0"/>
+              <a:rPr lang="en-US"/>
               <a:t>Click to edit Master title style</a:t>
             </a:r>
             <a:endParaRPr lang="en-US" dirty="0"/>
@@ -3941,35 +7107,35 @@
           <a:p>
             <a:pPr lvl="0"/>
             <a:r>
-              <a:rPr lang="en-US" smtClean="0"/>
+              <a:rPr lang="en-US"/>
               <a:t>Click to edit Master text styles</a:t>
             </a:r>
           </a:p>
           <a:p>
             <a:pPr lvl="1"/>
             <a:r>
-              <a:rPr lang="en-US" smtClean="0"/>
+              <a:rPr lang="en-US"/>
               <a:t>Second level</a:t>
             </a:r>
           </a:p>
           <a:p>
             <a:pPr lvl="2"/>
             <a:r>
-              <a:rPr lang="en-US" smtClean="0"/>
+              <a:rPr lang="en-US"/>
               <a:t>Third level</a:t>
             </a:r>
           </a:p>
           <a:p>
             <a:pPr lvl="3"/>
             <a:r>
-              <a:rPr lang="en-US" smtClean="0"/>
+              <a:rPr lang="en-US"/>
               <a:t>Fourth level</a:t>
             </a:r>
           </a:p>
           <a:p>
             <a:pPr lvl="4"/>
             <a:r>
-              <a:rPr lang="en-US" smtClean="0"/>
+              <a:rPr lang="en-US"/>
               <a:t>Fifth level</a:t>
             </a:r>
             <a:endParaRPr lang="en-US" dirty="0"/>
@@ -4007,9 +7173,9 @@
             </a:lvl1pPr>
           </a:lstStyle>
           <a:p>
-            <a:fld id="{0604F77D-FCB8-A946-86A9-D14BD65D0D3D}" type="datetime1">
+            <a:fld id="{CB2A80F6-584C-43EF-BD30-4D3CC47ECCD6}" type="datetime1">
               <a:rPr lang="en-US" smtClean="0"/>
-              <a:t>11/13/15</a:t>
+              <a:t>7/7/2016</a:t>
             </a:fld>
             <a:endParaRPr lang="en-US" dirty="0"/>
           </a:p>
@@ -4047,8 +7213,8 @@
           </a:lstStyle>
           <a:p>
             <a:r>
-              <a:rPr lang="sk-SK" smtClean="0"/>
-              <a:t>© 2015 EV3Lessons.com, Last edit 11/13/2015</a:t>
+              <a:rPr lang="en-US"/>
+              <a:t>© 2015 EV3Lessons.com, Last edit 7/06/2016</a:t>
             </a:r>
             <a:endParaRPr lang="en-US" dirty="0"/>
           </a:p>
@@ -4190,7 +7356,823 @@
     <p:sldLayoutId id="2147483845" r:id="rId10"/>
     <p:sldLayoutId id="2147483846" r:id="rId11"/>
   </p:sldLayoutIdLst>
-  <p:hf hdr="0" dt="0"/>
+  <p:hf sldNum="0" hdr="0" dt="0"/>
+  <p:txStyles>
+    <p:titleStyle>
+      <a:lvl1pPr algn="l" defTabSz="914400" rtl="0" eaLnBrk="1" latinLnBrk="0" hangingPunct="1">
+        <a:lnSpc>
+          <a:spcPct val="85000"/>
+        </a:lnSpc>
+        <a:spcBef>
+          <a:spcPct val="0"/>
+        </a:spcBef>
+        <a:buNone/>
+        <a:defRPr sz="4800" kern="1200" spc="-50" baseline="0">
+          <a:solidFill>
+            <a:schemeClr val="tx1">
+              <a:lumMod val="75000"/>
+              <a:lumOff val="25000"/>
+            </a:schemeClr>
+          </a:solidFill>
+          <a:latin typeface="+mj-lt"/>
+          <a:ea typeface="+mj-ea"/>
+          <a:cs typeface="+mj-cs"/>
+        </a:defRPr>
+      </a:lvl1pPr>
+    </p:titleStyle>
+    <p:bodyStyle>
+      <a:lvl1pPr marL="91440" indent="-91440" algn="l" defTabSz="914400" rtl="0" eaLnBrk="1" latinLnBrk="0" hangingPunct="1">
+        <a:lnSpc>
+          <a:spcPct val="90000"/>
+        </a:lnSpc>
+        <a:spcBef>
+          <a:spcPts val="1200"/>
+        </a:spcBef>
+        <a:spcAft>
+          <a:spcPts val="200"/>
+        </a:spcAft>
+        <a:buClr>
+          <a:schemeClr val="accent1"/>
+        </a:buClr>
+        <a:buSzPct val="100000"/>
+        <a:buFont typeface="Calibri" panose="020F0502020204030204" pitchFamily="34" charset="0"/>
+        <a:buChar char=" "/>
+        <a:defRPr sz="2000" kern="1200">
+          <a:solidFill>
+            <a:schemeClr val="tx1">
+              <a:lumMod val="75000"/>
+              <a:lumOff val="25000"/>
+            </a:schemeClr>
+          </a:solidFill>
+          <a:latin typeface="+mn-lt"/>
+          <a:ea typeface="+mn-ea"/>
+          <a:cs typeface="+mn-cs"/>
+        </a:defRPr>
+      </a:lvl1pPr>
+      <a:lvl2pPr marL="384048" indent="-182880" algn="l" defTabSz="914400" rtl="0" eaLnBrk="1" latinLnBrk="0" hangingPunct="1">
+        <a:lnSpc>
+          <a:spcPct val="90000"/>
+        </a:lnSpc>
+        <a:spcBef>
+          <a:spcPts val="200"/>
+        </a:spcBef>
+        <a:spcAft>
+          <a:spcPts val="400"/>
+        </a:spcAft>
+        <a:buClr>
+          <a:schemeClr val="accent1"/>
+        </a:buClr>
+        <a:buFont typeface="Calibri" pitchFamily="34" charset="0"/>
+        <a:buChar char="◦"/>
+        <a:defRPr sz="1800" kern="1200">
+          <a:solidFill>
+            <a:schemeClr val="tx1">
+              <a:lumMod val="75000"/>
+              <a:lumOff val="25000"/>
+            </a:schemeClr>
+          </a:solidFill>
+          <a:latin typeface="+mn-lt"/>
+          <a:ea typeface="+mn-ea"/>
+          <a:cs typeface="+mn-cs"/>
+        </a:defRPr>
+      </a:lvl2pPr>
+      <a:lvl3pPr marL="566928" indent="-182880" algn="l" defTabSz="914400" rtl="0" eaLnBrk="1" latinLnBrk="0" hangingPunct="1">
+        <a:lnSpc>
+          <a:spcPct val="90000"/>
+        </a:lnSpc>
+        <a:spcBef>
+          <a:spcPts val="200"/>
+        </a:spcBef>
+        <a:spcAft>
+          <a:spcPts val="400"/>
+        </a:spcAft>
+        <a:buClr>
+          <a:schemeClr val="accent1"/>
+        </a:buClr>
+        <a:buFont typeface="Calibri" pitchFamily="34" charset="0"/>
+        <a:buChar char="◦"/>
+        <a:defRPr sz="1400" kern="1200">
+          <a:solidFill>
+            <a:schemeClr val="tx1">
+              <a:lumMod val="75000"/>
+              <a:lumOff val="25000"/>
+            </a:schemeClr>
+          </a:solidFill>
+          <a:latin typeface="+mn-lt"/>
+          <a:ea typeface="+mn-ea"/>
+          <a:cs typeface="+mn-cs"/>
+        </a:defRPr>
+      </a:lvl3pPr>
+      <a:lvl4pPr marL="749808" indent="-182880" algn="l" defTabSz="914400" rtl="0" eaLnBrk="1" latinLnBrk="0" hangingPunct="1">
+        <a:lnSpc>
+          <a:spcPct val="90000"/>
+        </a:lnSpc>
+        <a:spcBef>
+          <a:spcPts val="200"/>
+        </a:spcBef>
+        <a:spcAft>
+          <a:spcPts val="400"/>
+        </a:spcAft>
+        <a:buClr>
+          <a:schemeClr val="accent1"/>
+        </a:buClr>
+        <a:buFont typeface="Calibri" pitchFamily="34" charset="0"/>
+        <a:buChar char="◦"/>
+        <a:defRPr sz="1400" kern="1200">
+          <a:solidFill>
+            <a:schemeClr val="tx1">
+              <a:lumMod val="75000"/>
+              <a:lumOff val="25000"/>
+            </a:schemeClr>
+          </a:solidFill>
+          <a:latin typeface="+mn-lt"/>
+          <a:ea typeface="+mn-ea"/>
+          <a:cs typeface="+mn-cs"/>
+        </a:defRPr>
+      </a:lvl4pPr>
+      <a:lvl5pPr marL="932688" indent="-182880" algn="l" defTabSz="914400" rtl="0" eaLnBrk="1" latinLnBrk="0" hangingPunct="1">
+        <a:lnSpc>
+          <a:spcPct val="90000"/>
+        </a:lnSpc>
+        <a:spcBef>
+          <a:spcPts val="200"/>
+        </a:spcBef>
+        <a:spcAft>
+          <a:spcPts val="400"/>
+        </a:spcAft>
+        <a:buClr>
+          <a:schemeClr val="accent1"/>
+        </a:buClr>
+        <a:buFont typeface="Calibri" pitchFamily="34" charset="0"/>
+        <a:buChar char="◦"/>
+        <a:defRPr sz="1400" kern="1200">
+          <a:solidFill>
+            <a:schemeClr val="tx1">
+              <a:lumMod val="75000"/>
+              <a:lumOff val="25000"/>
+            </a:schemeClr>
+          </a:solidFill>
+          <a:latin typeface="+mn-lt"/>
+          <a:ea typeface="+mn-ea"/>
+          <a:cs typeface="+mn-cs"/>
+        </a:defRPr>
+      </a:lvl5pPr>
+      <a:lvl6pPr marL="1100000" indent="-228600" algn="l" defTabSz="914400" rtl="0" eaLnBrk="1" latinLnBrk="0" hangingPunct="1">
+        <a:lnSpc>
+          <a:spcPct val="90000"/>
+        </a:lnSpc>
+        <a:spcBef>
+          <a:spcPts val="200"/>
+        </a:spcBef>
+        <a:spcAft>
+          <a:spcPts val="400"/>
+        </a:spcAft>
+        <a:buClr>
+          <a:schemeClr val="accent1"/>
+        </a:buClr>
+        <a:buFont typeface="Calibri" pitchFamily="34" charset="0"/>
+        <a:buChar char="◦"/>
+        <a:defRPr sz="1400" kern="1200">
+          <a:solidFill>
+            <a:schemeClr val="tx1">
+              <a:lumMod val="75000"/>
+              <a:lumOff val="25000"/>
+            </a:schemeClr>
+          </a:solidFill>
+          <a:latin typeface="+mn-lt"/>
+          <a:ea typeface="+mn-ea"/>
+          <a:cs typeface="+mn-cs"/>
+        </a:defRPr>
+      </a:lvl6pPr>
+      <a:lvl7pPr marL="1300000" indent="-228600" algn="l" defTabSz="914400" rtl="0" eaLnBrk="1" latinLnBrk="0" hangingPunct="1">
+        <a:lnSpc>
+          <a:spcPct val="90000"/>
+        </a:lnSpc>
+        <a:spcBef>
+          <a:spcPts val="200"/>
+        </a:spcBef>
+        <a:spcAft>
+          <a:spcPts val="400"/>
+        </a:spcAft>
+        <a:buClr>
+          <a:schemeClr val="accent1"/>
+        </a:buClr>
+        <a:buFont typeface="Calibri" pitchFamily="34" charset="0"/>
+        <a:buChar char="◦"/>
+        <a:defRPr sz="1400" kern="1200">
+          <a:solidFill>
+            <a:schemeClr val="tx1">
+              <a:lumMod val="75000"/>
+              <a:lumOff val="25000"/>
+            </a:schemeClr>
+          </a:solidFill>
+          <a:latin typeface="+mn-lt"/>
+          <a:ea typeface="+mn-ea"/>
+          <a:cs typeface="+mn-cs"/>
+        </a:defRPr>
+      </a:lvl7pPr>
+      <a:lvl8pPr marL="1500000" indent="-228600" algn="l" defTabSz="914400" rtl="0" eaLnBrk="1" latinLnBrk="0" hangingPunct="1">
+        <a:lnSpc>
+          <a:spcPct val="90000"/>
+        </a:lnSpc>
+        <a:spcBef>
+          <a:spcPts val="200"/>
+        </a:spcBef>
+        <a:spcAft>
+          <a:spcPts val="400"/>
+        </a:spcAft>
+        <a:buClr>
+          <a:schemeClr val="accent1"/>
+        </a:buClr>
+        <a:buFont typeface="Calibri" pitchFamily="34" charset="0"/>
+        <a:buChar char="◦"/>
+        <a:defRPr sz="1400" kern="1200">
+          <a:solidFill>
+            <a:schemeClr val="tx1">
+              <a:lumMod val="75000"/>
+              <a:lumOff val="25000"/>
+            </a:schemeClr>
+          </a:solidFill>
+          <a:latin typeface="+mn-lt"/>
+          <a:ea typeface="+mn-ea"/>
+          <a:cs typeface="+mn-cs"/>
+        </a:defRPr>
+      </a:lvl8pPr>
+      <a:lvl9pPr marL="1700000" indent="-228600" algn="l" defTabSz="914400" rtl="0" eaLnBrk="1" latinLnBrk="0" hangingPunct="1">
+        <a:lnSpc>
+          <a:spcPct val="90000"/>
+        </a:lnSpc>
+        <a:spcBef>
+          <a:spcPts val="200"/>
+        </a:spcBef>
+        <a:spcAft>
+          <a:spcPts val="400"/>
+        </a:spcAft>
+        <a:buClr>
+          <a:schemeClr val="accent1"/>
+        </a:buClr>
+        <a:buFont typeface="Calibri" pitchFamily="34" charset="0"/>
+        <a:buChar char="◦"/>
+        <a:defRPr sz="1400" kern="1200">
+          <a:solidFill>
+            <a:schemeClr val="tx1">
+              <a:lumMod val="75000"/>
+              <a:lumOff val="25000"/>
+            </a:schemeClr>
+          </a:solidFill>
+          <a:latin typeface="+mn-lt"/>
+          <a:ea typeface="+mn-ea"/>
+          <a:cs typeface="+mn-cs"/>
+        </a:defRPr>
+      </a:lvl9pPr>
+    </p:bodyStyle>
+    <p:otherStyle>
+      <a:defPPr>
+        <a:defRPr lang="en-US"/>
+      </a:defPPr>
+      <a:lvl1pPr marL="0" algn="l" defTabSz="914400" rtl="0" eaLnBrk="1" latinLnBrk="0" hangingPunct="1">
+        <a:defRPr sz="1800" kern="1200">
+          <a:solidFill>
+            <a:schemeClr val="tx1"/>
+          </a:solidFill>
+          <a:latin typeface="+mn-lt"/>
+          <a:ea typeface="+mn-ea"/>
+          <a:cs typeface="+mn-cs"/>
+        </a:defRPr>
+      </a:lvl1pPr>
+      <a:lvl2pPr marL="457200" algn="l" defTabSz="914400" rtl="0" eaLnBrk="1" latinLnBrk="0" hangingPunct="1">
+        <a:defRPr sz="1800" kern="1200">
+          <a:solidFill>
+            <a:schemeClr val="tx1"/>
+          </a:solidFill>
+          <a:latin typeface="+mn-lt"/>
+          <a:ea typeface="+mn-ea"/>
+          <a:cs typeface="+mn-cs"/>
+        </a:defRPr>
+      </a:lvl2pPr>
+      <a:lvl3pPr marL="914400" algn="l" defTabSz="914400" rtl="0" eaLnBrk="1" latinLnBrk="0" hangingPunct="1">
+        <a:defRPr sz="1800" kern="1200">
+          <a:solidFill>
+            <a:schemeClr val="tx1"/>
+          </a:solidFill>
+          <a:latin typeface="+mn-lt"/>
+          <a:ea typeface="+mn-ea"/>
+          <a:cs typeface="+mn-cs"/>
+        </a:defRPr>
+      </a:lvl3pPr>
+      <a:lvl4pPr marL="1371600" algn="l" defTabSz="914400" rtl="0" eaLnBrk="1" latinLnBrk="0" hangingPunct="1">
+        <a:defRPr sz="1800" kern="1200">
+          <a:solidFill>
+            <a:schemeClr val="tx1"/>
+          </a:solidFill>
+          <a:latin typeface="+mn-lt"/>
+          <a:ea typeface="+mn-ea"/>
+          <a:cs typeface="+mn-cs"/>
+        </a:defRPr>
+      </a:lvl4pPr>
+      <a:lvl5pPr marL="1828800" algn="l" defTabSz="914400" rtl="0" eaLnBrk="1" latinLnBrk="0" hangingPunct="1">
+        <a:defRPr sz="1800" kern="1200">
+          <a:solidFill>
+            <a:schemeClr val="tx1"/>
+          </a:solidFill>
+          <a:latin typeface="+mn-lt"/>
+          <a:ea typeface="+mn-ea"/>
+          <a:cs typeface="+mn-cs"/>
+        </a:defRPr>
+      </a:lvl5pPr>
+      <a:lvl6pPr marL="2286000" algn="l" defTabSz="914400" rtl="0" eaLnBrk="1" latinLnBrk="0" hangingPunct="1">
+        <a:defRPr sz="1800" kern="1200">
+          <a:solidFill>
+            <a:schemeClr val="tx1"/>
+          </a:solidFill>
+          <a:latin typeface="+mn-lt"/>
+          <a:ea typeface="+mn-ea"/>
+          <a:cs typeface="+mn-cs"/>
+        </a:defRPr>
+      </a:lvl6pPr>
+      <a:lvl7pPr marL="2743200" algn="l" defTabSz="914400" rtl="0" eaLnBrk="1" latinLnBrk="0" hangingPunct="1">
+        <a:defRPr sz="1800" kern="1200">
+          <a:solidFill>
+            <a:schemeClr val="tx1"/>
+          </a:solidFill>
+          <a:latin typeface="+mn-lt"/>
+          <a:ea typeface="+mn-ea"/>
+          <a:cs typeface="+mn-cs"/>
+        </a:defRPr>
+      </a:lvl7pPr>
+      <a:lvl8pPr marL="3200400" algn="l" defTabSz="914400" rtl="0" eaLnBrk="1" latinLnBrk="0" hangingPunct="1">
+        <a:defRPr sz="1800" kern="1200">
+          <a:solidFill>
+            <a:schemeClr val="tx1"/>
+          </a:solidFill>
+          <a:latin typeface="+mn-lt"/>
+          <a:ea typeface="+mn-ea"/>
+          <a:cs typeface="+mn-cs"/>
+        </a:defRPr>
+      </a:lvl8pPr>
+      <a:lvl9pPr marL="3657600" algn="l" defTabSz="914400" rtl="0" eaLnBrk="1" latinLnBrk="0" hangingPunct="1">
+        <a:defRPr sz="1800" kern="1200">
+          <a:solidFill>
+            <a:schemeClr val="tx1"/>
+          </a:solidFill>
+          <a:latin typeface="+mn-lt"/>
+          <a:ea typeface="+mn-ea"/>
+          <a:cs typeface="+mn-cs"/>
+        </a:defRPr>
+      </a:lvl9pPr>
+    </p:otherStyle>
+  </p:txStyles>
+</p:sldMaster>
+</file>
+
+<file path=ppt/slideMasters/slideMaster2.xml><?xml version="1.0" encoding="utf-8"?>
+<p:sldMaster xmlns:a="http://schemas.openxmlformats.org/drawingml/2006/main" xmlns:r="http://schemas.openxmlformats.org/officeDocument/2006/relationships" xmlns:p="http://schemas.openxmlformats.org/presentationml/2006/main" preserve="1">
+  <p:cSld>
+    <p:bg>
+      <p:bgRef idx="1001">
+        <a:schemeClr val="bg1"/>
+      </p:bgRef>
+    </p:bg>
+    <p:spTree>
+      <p:nvGrpSpPr>
+        <p:cNvPr id="1" name=""/>
+        <p:cNvGrpSpPr/>
+        <p:nvPr/>
+      </p:nvGrpSpPr>
+      <p:grpSpPr>
+        <a:xfrm>
+          <a:off x="0" y="0"/>
+          <a:ext cx="0" cy="0"/>
+          <a:chOff x="0" y="0"/>
+          <a:chExt cx="0" cy="0"/>
+        </a:xfrm>
+      </p:grpSpPr>
+      <p:sp>
+        <p:nvSpPr>
+          <p:cNvPr id="7" name="Rectangle 6"/>
+          <p:cNvSpPr/>
+          <p:nvPr/>
+        </p:nvSpPr>
+        <p:spPr>
+          <a:xfrm>
+            <a:off x="0" y="6400800"/>
+            <a:ext cx="9144001" cy="457200"/>
+          </a:xfrm>
+          <a:prstGeom prst="rect">
+            <a:avLst/>
+          </a:prstGeom>
+          <a:solidFill>
+            <a:srgbClr val="0070C0"/>
+          </a:solidFill>
+          <a:ln>
+            <a:solidFill>
+              <a:srgbClr val="0070C0"/>
+            </a:solidFill>
+          </a:ln>
+        </p:spPr>
+        <p:style>
+          <a:lnRef idx="2">
+            <a:schemeClr val="accent1">
+              <a:shade val="50000"/>
+            </a:schemeClr>
+          </a:lnRef>
+          <a:fillRef idx="1">
+            <a:schemeClr val="accent1"/>
+          </a:fillRef>
+          <a:effectRef idx="0">
+            <a:schemeClr val="accent1"/>
+          </a:effectRef>
+          <a:fontRef idx="minor">
+            <a:schemeClr val="lt1"/>
+          </a:fontRef>
+        </p:style>
+      </p:sp>
+      <p:sp>
+        <p:nvSpPr>
+          <p:cNvPr id="9" name="Rectangle 8"/>
+          <p:cNvSpPr/>
+          <p:nvPr/>
+        </p:nvSpPr>
+        <p:spPr>
+          <a:xfrm>
+            <a:off x="0" y="6334315"/>
+            <a:ext cx="4487333" cy="92382"/>
+          </a:xfrm>
+          <a:prstGeom prst="rect">
+            <a:avLst/>
+          </a:prstGeom>
+          <a:solidFill>
+            <a:srgbClr val="00B050"/>
+          </a:solidFill>
+          <a:ln>
+            <a:noFill/>
+          </a:ln>
+        </p:spPr>
+        <p:style>
+          <a:lnRef idx="2">
+            <a:schemeClr val="accent1">
+              <a:shade val="50000"/>
+            </a:schemeClr>
+          </a:lnRef>
+          <a:fillRef idx="1">
+            <a:schemeClr val="accent1"/>
+          </a:fillRef>
+          <a:effectRef idx="0">
+            <a:schemeClr val="accent1"/>
+          </a:effectRef>
+          <a:fontRef idx="minor">
+            <a:schemeClr val="lt1"/>
+          </a:fontRef>
+        </p:style>
+      </p:sp>
+      <p:sp>
+        <p:nvSpPr>
+          <p:cNvPr id="2" name="Title Placeholder 1"/>
+          <p:cNvSpPr>
+            <a:spLocks noGrp="1"/>
+          </p:cNvSpPr>
+          <p:nvPr>
+            <p:ph type="title"/>
+          </p:nvPr>
+        </p:nvSpPr>
+        <p:spPr>
+          <a:xfrm>
+            <a:off x="227874" y="287088"/>
+            <a:ext cx="8596812" cy="874055"/>
+          </a:xfrm>
+          <a:prstGeom prst="rect">
+            <a:avLst/>
+          </a:prstGeom>
+        </p:spPr>
+        <p:txBody>
+          <a:bodyPr vert="horz" lIns="91440" tIns="45720" rIns="91440" bIns="45720" rtlCol="0" anchor="b">
+            <a:normAutofit/>
+          </a:bodyPr>
+          <a:lstStyle/>
+          <a:p>
+            <a:r>
+              <a:rPr lang="en-US"/>
+              <a:t>Click to edit Master title style</a:t>
+            </a:r>
+            <a:endParaRPr lang="en-US" dirty="0"/>
+          </a:p>
+        </p:txBody>
+      </p:sp>
+      <p:sp>
+        <p:nvSpPr>
+          <p:cNvPr id="3" name="Text Placeholder 2"/>
+          <p:cNvSpPr>
+            <a:spLocks noGrp="1"/>
+          </p:cNvSpPr>
+          <p:nvPr>
+            <p:ph type="body" idx="1"/>
+          </p:nvPr>
+        </p:nvSpPr>
+        <p:spPr>
+          <a:xfrm>
+            <a:off x="227874" y="1505616"/>
+            <a:ext cx="8596811" cy="4654528"/>
+          </a:xfrm>
+          <a:prstGeom prst="rect">
+            <a:avLst/>
+          </a:prstGeom>
+        </p:spPr>
+        <p:txBody>
+          <a:bodyPr vert="horz" lIns="0" tIns="45720" rIns="0" bIns="45720" rtlCol="0">
+            <a:normAutofit/>
+          </a:bodyPr>
+          <a:lstStyle/>
+          <a:p>
+            <a:pPr lvl="0"/>
+            <a:r>
+              <a:rPr lang="en-US"/>
+              <a:t>Edit Master text styles</a:t>
+            </a:r>
+          </a:p>
+          <a:p>
+            <a:pPr lvl="1"/>
+            <a:r>
+              <a:rPr lang="en-US"/>
+              <a:t>Second level</a:t>
+            </a:r>
+          </a:p>
+          <a:p>
+            <a:pPr lvl="2"/>
+            <a:r>
+              <a:rPr lang="en-US"/>
+              <a:t>Third level</a:t>
+            </a:r>
+          </a:p>
+          <a:p>
+            <a:pPr lvl="3"/>
+            <a:r>
+              <a:rPr lang="en-US"/>
+              <a:t>Fourth level</a:t>
+            </a:r>
+          </a:p>
+          <a:p>
+            <a:pPr lvl="4"/>
+            <a:r>
+              <a:rPr lang="en-US"/>
+              <a:t>Fifth level</a:t>
+            </a:r>
+            <a:endParaRPr lang="en-US" dirty="0"/>
+          </a:p>
+        </p:txBody>
+      </p:sp>
+      <p:sp>
+        <p:nvSpPr>
+          <p:cNvPr id="4" name="Date Placeholder 3"/>
+          <p:cNvSpPr>
+            <a:spLocks noGrp="1"/>
+          </p:cNvSpPr>
+          <p:nvPr>
+            <p:ph type="dt" sz="half" idx="2"/>
+          </p:nvPr>
+        </p:nvSpPr>
+        <p:spPr>
+          <a:xfrm>
+            <a:off x="822961" y="6459786"/>
+            <a:ext cx="1854203" cy="365125"/>
+          </a:xfrm>
+          <a:prstGeom prst="rect">
+            <a:avLst/>
+          </a:prstGeom>
+        </p:spPr>
+        <p:txBody>
+          <a:bodyPr vert="horz" lIns="91440" tIns="45720" rIns="91440" bIns="45720" rtlCol="0" anchor="ctr"/>
+          <a:lstStyle>
+            <a:lvl1pPr algn="l">
+              <a:defRPr sz="900">
+                <a:solidFill>
+                  <a:srgbClr val="FFFFFF"/>
+                </a:solidFill>
+              </a:defRPr>
+            </a:lvl1pPr>
+          </a:lstStyle>
+          <a:p>
+            <a:fld id="{4C00F0B2-6DC6-40C8-A51B-F3D7D06C3737}" type="datetime1">
+              <a:rPr lang="en-US" smtClean="0"/>
+              <a:t>7/7/2016</a:t>
+            </a:fld>
+            <a:endParaRPr lang="en-US" dirty="0"/>
+          </a:p>
+        </p:txBody>
+      </p:sp>
+      <p:sp>
+        <p:nvSpPr>
+          <p:cNvPr id="5" name="Footer Placeholder 4"/>
+          <p:cNvSpPr>
+            <a:spLocks noGrp="1"/>
+          </p:cNvSpPr>
+          <p:nvPr>
+            <p:ph type="ftr" sz="quarter" idx="3"/>
+          </p:nvPr>
+        </p:nvSpPr>
+        <p:spPr>
+          <a:xfrm>
+            <a:off x="2764639" y="6459786"/>
+            <a:ext cx="3617103" cy="365125"/>
+          </a:xfrm>
+          <a:prstGeom prst="rect">
+            <a:avLst/>
+          </a:prstGeom>
+        </p:spPr>
+        <p:txBody>
+          <a:bodyPr vert="horz" lIns="91440" tIns="45720" rIns="91440" bIns="45720" rtlCol="0" anchor="ctr"/>
+          <a:lstStyle>
+            <a:lvl1pPr algn="ctr">
+              <a:defRPr sz="900" cap="all" baseline="0">
+                <a:solidFill>
+                  <a:srgbClr val="FFFFFF"/>
+                </a:solidFill>
+              </a:defRPr>
+            </a:lvl1pPr>
+          </a:lstStyle>
+          <a:p>
+            <a:r>
+              <a:rPr lang="en-US"/>
+              <a:t>© 2015 EV3Lessons.com, Last edit 7/06/2016</a:t>
+            </a:r>
+            <a:endParaRPr lang="en-US" dirty="0"/>
+          </a:p>
+        </p:txBody>
+      </p:sp>
+      <p:sp>
+        <p:nvSpPr>
+          <p:cNvPr id="6" name="Slide Number Placeholder 5"/>
+          <p:cNvSpPr>
+            <a:spLocks noGrp="1"/>
+          </p:cNvSpPr>
+          <p:nvPr>
+            <p:ph type="sldNum" sz="quarter" idx="4"/>
+          </p:nvPr>
+        </p:nvSpPr>
+        <p:spPr>
+          <a:xfrm>
+            <a:off x="7425344" y="6459786"/>
+            <a:ext cx="984019" cy="365125"/>
+          </a:xfrm>
+          <a:prstGeom prst="rect">
+            <a:avLst/>
+          </a:prstGeom>
+        </p:spPr>
+        <p:txBody>
+          <a:bodyPr vert="horz" lIns="91440" tIns="45720" rIns="91440" bIns="45720" rtlCol="0" anchor="ctr"/>
+          <a:lstStyle>
+            <a:lvl1pPr algn="r">
+              <a:defRPr sz="1050">
+                <a:solidFill>
+                  <a:srgbClr val="FFFFFF"/>
+                </a:solidFill>
+              </a:defRPr>
+            </a:lvl1pPr>
+          </a:lstStyle>
+          <a:p>
+            <a:fld id="{4382A7F7-08BF-4252-8141-63FB96055BBB}" type="slidenum">
+              <a:rPr lang="en-US" smtClean="0"/>
+              <a:t>‹#›</a:t>
+            </a:fld>
+            <a:endParaRPr lang="en-US"/>
+          </a:p>
+        </p:txBody>
+      </p:sp>
+      <p:cxnSp>
+        <p:nvCxnSpPr>
+          <p:cNvPr id="10" name="Straight Connector 9"/>
+          <p:cNvCxnSpPr/>
+          <p:nvPr/>
+        </p:nvCxnSpPr>
+        <p:spPr>
+          <a:xfrm flipV="1">
+            <a:off x="227874" y="1335314"/>
+            <a:ext cx="8596811" cy="1"/>
+          </a:xfrm>
+          <a:prstGeom prst="line">
+            <a:avLst/>
+          </a:prstGeom>
+          <a:ln w="6350">
+            <a:solidFill>
+              <a:schemeClr val="tx1">
+                <a:lumMod val="50000"/>
+                <a:lumOff val="50000"/>
+              </a:schemeClr>
+            </a:solidFill>
+          </a:ln>
+        </p:spPr>
+        <p:style>
+          <a:lnRef idx="1">
+            <a:schemeClr val="accent1"/>
+          </a:lnRef>
+          <a:fillRef idx="0">
+            <a:schemeClr val="accent1"/>
+          </a:fillRef>
+          <a:effectRef idx="0">
+            <a:schemeClr val="accent1"/>
+          </a:effectRef>
+          <a:fontRef idx="minor">
+            <a:schemeClr val="tx1"/>
+          </a:fontRef>
+        </p:style>
+      </p:cxnSp>
+      <p:sp>
+        <p:nvSpPr>
+          <p:cNvPr id="11" name="Rectangle 10"/>
+          <p:cNvSpPr/>
+          <p:nvPr/>
+        </p:nvSpPr>
+        <p:spPr>
+          <a:xfrm>
+            <a:off x="4487333" y="6334315"/>
+            <a:ext cx="4656667" cy="92382"/>
+          </a:xfrm>
+          <a:prstGeom prst="rect">
+            <a:avLst/>
+          </a:prstGeom>
+          <a:solidFill>
+            <a:srgbClr val="7030A0"/>
+          </a:solidFill>
+          <a:ln>
+            <a:noFill/>
+          </a:ln>
+        </p:spPr>
+        <p:style>
+          <a:lnRef idx="2">
+            <a:schemeClr val="accent1">
+              <a:shade val="50000"/>
+            </a:schemeClr>
+          </a:lnRef>
+          <a:fillRef idx="1">
+            <a:schemeClr val="accent1"/>
+          </a:fillRef>
+          <a:effectRef idx="0">
+            <a:schemeClr val="accent1"/>
+          </a:effectRef>
+          <a:fontRef idx="minor">
+            <a:schemeClr val="lt1"/>
+          </a:fontRef>
+        </p:style>
+      </p:sp>
+      <p:sp>
+        <p:nvSpPr>
+          <p:cNvPr id="12" name="Rectangle 11"/>
+          <p:cNvSpPr/>
+          <p:nvPr userDrawn="1"/>
+        </p:nvSpPr>
+        <p:spPr>
+          <a:xfrm>
+            <a:off x="4487333" y="6334315"/>
+            <a:ext cx="4656667" cy="92382"/>
+          </a:xfrm>
+          <a:prstGeom prst="rect">
+            <a:avLst/>
+          </a:prstGeom>
+          <a:solidFill>
+            <a:srgbClr val="7030A0"/>
+          </a:solidFill>
+          <a:ln>
+            <a:noFill/>
+          </a:ln>
+        </p:spPr>
+        <p:style>
+          <a:lnRef idx="2">
+            <a:schemeClr val="accent1">
+              <a:shade val="50000"/>
+            </a:schemeClr>
+          </a:lnRef>
+          <a:fillRef idx="1">
+            <a:schemeClr val="accent1"/>
+          </a:fillRef>
+          <a:effectRef idx="0">
+            <a:schemeClr val="accent1"/>
+          </a:effectRef>
+          <a:fontRef idx="minor">
+            <a:schemeClr val="lt1"/>
+          </a:fontRef>
+        </p:style>
+      </p:sp>
+    </p:spTree>
+    <p:extLst>
+      <p:ext uri="{BB962C8B-B14F-4D97-AF65-F5344CB8AC3E}">
+        <p14:creationId xmlns:p14="http://schemas.microsoft.com/office/powerpoint/2010/main" val="452875358"/>
+      </p:ext>
+    </p:extLst>
+  </p:cSld>
+  <p:clrMap bg1="lt1" tx1="dk1" bg2="lt2" tx2="dk2" accent1="accent1" accent2="accent2" accent3="accent3" accent4="accent4" accent5="accent5" accent6="accent6" hlink="hlink" folHlink="folHlink"/>
+  <p:sldLayoutIdLst>
+    <p:sldLayoutId id="2147483848" r:id="rId1"/>
+    <p:sldLayoutId id="2147483849" r:id="rId2"/>
+    <p:sldLayoutId id="2147483850" r:id="rId3"/>
+    <p:sldLayoutId id="2147483851" r:id="rId4"/>
+    <p:sldLayoutId id="2147483852" r:id="rId5"/>
+    <p:sldLayoutId id="2147483853" r:id="rId6"/>
+    <p:sldLayoutId id="2147483854" r:id="rId7"/>
+    <p:sldLayoutId id="2147483855" r:id="rId8"/>
+    <p:sldLayoutId id="2147483856" r:id="rId9"/>
+    <p:sldLayoutId id="2147483857" r:id="rId10"/>
+    <p:sldLayoutId id="2147483858" r:id="rId11"/>
+  </p:sldLayoutIdLst>
+  <p:hf sldNum="0" hdr="0" dt="0"/>
   <p:txStyles>
     <p:titleStyle>
       <a:lvl1pPr algn="l" defTabSz="914400" rtl="0" eaLnBrk="1" latinLnBrk="0" hangingPunct="1">
@@ -4589,15 +8571,14 @@
         <p:spPr/>
         <p:txBody>
           <a:bodyPr>
-            <a:normAutofit fontScale="90000"/>
+            <a:normAutofit/>
           </a:bodyPr>
           <a:lstStyle/>
           <a:p>
             <a:r>
-              <a:rPr lang="en-US" dirty="0" smtClean="0"/>
+              <a:rPr lang="en-US" dirty="0"/>
               <a:t>INTERMEDIATE PROGRAMMING LESSON</a:t>
             </a:r>
-            <a:endParaRPr lang="en-US" dirty="0"/>
           </a:p>
         </p:txBody>
       </p:sp>
@@ -4619,10 +8600,9 @@
           <a:lstStyle/>
           <a:p>
             <a:r>
-              <a:rPr lang="en-US" dirty="0" smtClean="0"/>
+              <a:rPr lang="en-US" dirty="0"/>
               <a:t>Calibrating Color sensors</a:t>
             </a:r>
-            <a:endParaRPr lang="en-US" dirty="0"/>
           </a:p>
         </p:txBody>
       </p:sp>
@@ -4672,7 +8652,7 @@
           <a:lstStyle/>
           <a:p>
             <a:r>
-              <a:rPr lang="en-US" smtClean="0"/>
+              <a:rPr lang="en-US"/>
               <a:t>Lesson Objectives</a:t>
             </a:r>
             <a:endParaRPr lang="en-US" dirty="0"/>
@@ -4695,22 +8675,21 @@
           <a:lstStyle/>
           <a:p>
             <a:r>
-              <a:rPr lang="en-US" dirty="0" smtClean="0"/>
+              <a:rPr lang="en-US" dirty="0"/>
               <a:t>1) Learn why you need to calibrate your color sensors</a:t>
             </a:r>
           </a:p>
           <a:p>
             <a:r>
-              <a:rPr lang="en-US" dirty="0" smtClean="0"/>
+              <a:rPr lang="en-US" dirty="0"/>
               <a:t>2) Learn what calibration is</a:t>
             </a:r>
           </a:p>
           <a:p>
             <a:r>
-              <a:rPr lang="en-US" dirty="0" smtClean="0"/>
+              <a:rPr lang="en-US" dirty="0"/>
               <a:t>3) Learn how to calibrate your color sensors</a:t>
             </a:r>
-            <a:endParaRPr lang="en-US" dirty="0"/>
           </a:p>
         </p:txBody>
       </p:sp>
@@ -4730,34 +8709,9 @@
           <a:lstStyle/>
           <a:p>
             <a:r>
-              <a:rPr lang="en-US" smtClean="0"/>
-              <a:t>©2015 EV3Lessons.com, Last edit 4/5/2015</a:t>
-            </a:r>
-            <a:endParaRPr lang="en-US"/>
-          </a:p>
-        </p:txBody>
-      </p:sp>
-      <p:sp>
-        <p:nvSpPr>
-          <p:cNvPr id="5" name="Slide Number Placeholder 4"/>
-          <p:cNvSpPr>
-            <a:spLocks noGrp="1"/>
-          </p:cNvSpPr>
-          <p:nvPr>
-            <p:ph type="sldNum" sz="quarter" idx="12"/>
-          </p:nvPr>
-        </p:nvSpPr>
-        <p:spPr/>
-        <p:txBody>
-          <a:bodyPr/>
-          <a:lstStyle/>
-          <a:p>
-            <a:fld id="{4382A7F7-08BF-4252-8141-63FB96055BBB}" type="slidenum">
-              <a:rPr lang="en-US" smtClean="0"/>
-              <a:pPr/>
-              <a:t>2</a:t>
-            </a:fld>
-            <a:endParaRPr lang="en-US"/>
+              <a:rPr lang="en-US"/>
+              <a:t>© 2015 EV3Lessons.com, Last edit 7/06/2016</a:t>
+            </a:r>
           </a:p>
         </p:txBody>
       </p:sp>
@@ -4771,13 +8725,6 @@
   <p:clrMapOvr>
     <a:masterClrMapping/>
   </p:clrMapOvr>
-  <p:timing>
-    <p:tnLst>
-      <p:par>
-        <p:cTn id="1" dur="indefinite" restart="never" nodeType="tmRoot"/>
-      </p:par>
-    </p:tnLst>
-  </p:timing>
 </p:sld>
 </file>
 
@@ -4814,7 +8761,7 @@
           <a:lstStyle/>
           <a:p>
             <a:r>
-              <a:rPr lang="en-US" smtClean="0"/>
+              <a:rPr lang="en-US"/>
               <a:t>Why Calibrate?</a:t>
             </a:r>
             <a:endParaRPr lang="en-US" dirty="0"/>
@@ -4837,48 +8784,41 @@
           <a:lstStyle/>
           <a:p>
             <a:r>
-              <a:rPr lang="en-US" dirty="0" smtClean="0"/>
-              <a:t>When you use your EV3 Color Sensor in Light Sensor Mode (e.g., reflected light mode), you should calibrate it</a:t>
-            </a:r>
-          </a:p>
-          <a:p>
-            <a:r>
-              <a:rPr lang="en-US" dirty="0" smtClean="0"/>
+              <a:rPr lang="en-US" dirty="0"/>
+              <a:t>When you use your EV3 Color Sensor in Light Sensor Mode (e.g., reflected light mode), you should calibrate it (not for Color Mode)</a:t>
+            </a:r>
+          </a:p>
+          <a:p>
+            <a:r>
+              <a:rPr lang="en-US" dirty="0"/>
               <a:t>Calibration means “teaching” the sensor what is “Black” and what is “White”</a:t>
             </a:r>
           </a:p>
           <a:p>
             <a:pPr lvl="1"/>
             <a:r>
-              <a:rPr lang="en-US" dirty="0" smtClean="0"/>
+              <a:rPr lang="en-US" dirty="0"/>
               <a:t>This makes White read as 100 and Black read as 0</a:t>
             </a:r>
           </a:p>
           <a:p>
             <a:r>
-              <a:rPr lang="en-US" dirty="0" smtClean="0"/>
-              <a:t>Run your Calibrate Program whenever light or table conditions change</a:t>
-            </a:r>
-          </a:p>
-          <a:p>
-            <a:r>
-              <a:rPr lang="en-US" dirty="0" smtClean="0"/>
-              <a:t>If you are in First Lego League, it is probably a good idea to run it before you start a table run where you use your EV3 Sensors in Light Mode</a:t>
-            </a:r>
-          </a:p>
-          <a:p>
-            <a:r>
-              <a:rPr lang="en-US" dirty="0" smtClean="0"/>
+              <a:rPr lang="en-US" dirty="0"/>
+              <a:t>Run your Calibrate Program whenever light conditions change </a:t>
+            </a:r>
+          </a:p>
+          <a:p>
+            <a:r>
+              <a:rPr lang="en-US" dirty="0"/>
               <a:t>If you have 2 Color Sensors, the same calibration will apply to BOTH sensors.  You don’t have to make a different calibration program for each color sensor.  Make it using 1 sensor on one of the ports and the values will apply to both. </a:t>
             </a:r>
           </a:p>
           <a:p>
             <a:pPr lvl="1"/>
             <a:r>
-              <a:rPr lang="en-US" dirty="0" smtClean="0"/>
+              <a:rPr lang="en-US" dirty="0"/>
               <a:t>If you have sensors that are very different from each other, you will need to write your own custom calibration.</a:t>
             </a:r>
-            <a:endParaRPr lang="en-US" dirty="0" smtClean="0"/>
           </a:p>
         </p:txBody>
       </p:sp>
@@ -4898,34 +8838,9 @@
           <a:lstStyle/>
           <a:p>
             <a:r>
-              <a:rPr lang="en-US" smtClean="0"/>
-              <a:t>©2015 EV3Lessons.com, Last edit 4/5/2015</a:t>
-            </a:r>
-            <a:endParaRPr lang="en-US"/>
-          </a:p>
-        </p:txBody>
-      </p:sp>
-      <p:sp>
-        <p:nvSpPr>
-          <p:cNvPr id="5" name="Slide Number Placeholder 4"/>
-          <p:cNvSpPr>
-            <a:spLocks noGrp="1"/>
-          </p:cNvSpPr>
-          <p:nvPr>
-            <p:ph type="sldNum" sz="quarter" idx="12"/>
-          </p:nvPr>
-        </p:nvSpPr>
-        <p:spPr/>
-        <p:txBody>
-          <a:bodyPr/>
-          <a:lstStyle/>
-          <a:p>
-            <a:fld id="{4382A7F7-08BF-4252-8141-63FB96055BBB}" type="slidenum">
-              <a:rPr lang="en-US" smtClean="0"/>
-              <a:pPr/>
-              <a:t>3</a:t>
-            </a:fld>
-            <a:endParaRPr lang="en-US"/>
+              <a:rPr lang="en-US"/>
+              <a:t>© 2015 EV3Lessons.com, Last edit 7/06/2016</a:t>
+            </a:r>
           </a:p>
         </p:txBody>
       </p:sp>
@@ -4939,13 +8854,6 @@
   <p:clrMapOvr>
     <a:masterClrMapping/>
   </p:clrMapOvr>
-  <p:timing>
-    <p:tnLst>
-      <p:par>
-        <p:cTn id="1" dur="indefinite" restart="never" nodeType="tmRoot"/>
-      </p:par>
-    </p:tnLst>
-  </p:timing>
 </p:sld>
 </file>
 
@@ -4982,7 +8890,7 @@
           <a:lstStyle/>
           <a:p>
             <a:r>
-              <a:rPr lang="en-US" smtClean="0"/>
+              <a:rPr lang="en-US"/>
               <a:t>Steps/Pseudocode for Calibration</a:t>
             </a:r>
             <a:endParaRPr lang="en-US" dirty="0"/>
@@ -5005,45 +8913,45 @@
           <a:lstStyle/>
           <a:p>
             <a:r>
-              <a:rPr lang="en-US" smtClean="0"/>
+              <a:rPr lang="en-US"/>
               <a:t>Challenge: Write a program that will calibrate your EV3 Color Sensors for black and white.</a:t>
             </a:r>
           </a:p>
           <a:p>
             <a:r>
-              <a:rPr lang="en-US" smtClean="0"/>
+              <a:rPr lang="en-US"/>
               <a:t>Pseudocode:</a:t>
             </a:r>
           </a:p>
           <a:p>
             <a:r>
-              <a:rPr lang="en-US" smtClean="0"/>
+              <a:rPr lang="en-US"/>
               <a:t>Reset the existing calibration values</a:t>
             </a:r>
           </a:p>
           <a:p>
             <a:r>
-              <a:rPr lang="en-US" smtClean="0"/>
+              <a:rPr lang="en-US"/>
               <a:t>Display that the user should place the robot on “black” and press ok</a:t>
             </a:r>
           </a:p>
           <a:p>
             <a:r>
-              <a:rPr lang="en-US" smtClean="0"/>
+              <a:rPr lang="en-US"/>
               <a:t>Read the Color Sensor Block in Light mode and save it to the Color Sensor Block in Calibrate mode.</a:t>
             </a:r>
           </a:p>
           <a:p>
             <a:r>
-              <a:rPr lang="en-US" smtClean="0"/>
+              <a:rPr lang="en-US"/>
               <a:t>Repeat above steps for calibrating “white”.</a:t>
             </a:r>
           </a:p>
           <a:p>
-            <a:endParaRPr lang="en-US" smtClean="0"/>
-          </a:p>
-          <a:p>
-            <a:endParaRPr lang="en-US" smtClean="0"/>
+            <a:endParaRPr lang="en-US"/>
+          </a:p>
+          <a:p>
+            <a:endParaRPr lang="en-US"/>
           </a:p>
           <a:p>
             <a:endParaRPr lang="en-US" dirty="0"/>
@@ -5066,34 +8974,9 @@
           <a:lstStyle/>
           <a:p>
             <a:r>
-              <a:rPr lang="en-US" smtClean="0"/>
-              <a:t>©2015 EV3Lessons.com, Last edit 4/5/2015</a:t>
-            </a:r>
-            <a:endParaRPr lang="en-US"/>
-          </a:p>
-        </p:txBody>
-      </p:sp>
-      <p:sp>
-        <p:nvSpPr>
-          <p:cNvPr id="5" name="Slide Number Placeholder 4"/>
-          <p:cNvSpPr>
-            <a:spLocks noGrp="1"/>
-          </p:cNvSpPr>
-          <p:nvPr>
-            <p:ph type="sldNum" sz="quarter" idx="12"/>
-          </p:nvPr>
-        </p:nvSpPr>
-        <p:spPr/>
-        <p:txBody>
-          <a:bodyPr/>
-          <a:lstStyle/>
-          <a:p>
-            <a:fld id="{4382A7F7-08BF-4252-8141-63FB96055BBB}" type="slidenum">
-              <a:rPr lang="en-US" smtClean="0"/>
-              <a:pPr/>
-              <a:t>4</a:t>
-            </a:fld>
-            <a:endParaRPr lang="en-US"/>
+              <a:rPr lang="en-US"/>
+              <a:t>© 2015 EV3Lessons.com, Last edit 7/06/2016</a:t>
+            </a:r>
           </a:p>
         </p:txBody>
       </p:sp>
@@ -5107,13 +8990,6 @@
   <p:clrMapOvr>
     <a:masterClrMapping/>
   </p:clrMapOvr>
-  <p:timing>
-    <p:tnLst>
-      <p:par>
-        <p:cTn id="1" dur="indefinite" restart="never" nodeType="tmRoot"/>
-      </p:par>
-    </p:tnLst>
-  </p:timing>
 </p:sld>
 </file>
 
@@ -5152,10 +9028,9 @@
           <a:lstStyle/>
           <a:p>
             <a:r>
-              <a:rPr lang="en-US" dirty="0" smtClean="0"/>
+              <a:rPr lang="en-US" dirty="0"/>
               <a:t>Calibrate Program Solution</a:t>
             </a:r>
-            <a:endParaRPr lang="en-US" dirty="0"/>
           </a:p>
         </p:txBody>
       </p:sp>
@@ -5187,15 +9062,7 @@
             </a:pPr>
             <a:r>
               <a:rPr lang="en-US" dirty="0"/>
-              <a:t>When you run the </a:t>
-            </a:r>
-            <a:r>
-              <a:rPr lang="en-US" dirty="0" smtClean="0"/>
-              <a:t>above Calibrate </a:t>
-            </a:r>
-            <a:r>
-              <a:rPr lang="en-US" dirty="0"/>
-              <a:t>Program, you will be asked to place the robot on a BLACK section of the mat and then hit center EV3 button.</a:t>
+              <a:t>When you run the above Calibrate Program, you will be asked to place the robot on a BLACK section of the mat and then hit center EV3 button.</a:t>
             </a:r>
           </a:p>
           <a:p>
@@ -5229,33 +9096,9 @@
           <a:lstStyle/>
           <a:p>
             <a:r>
-              <a:rPr lang="en-US" smtClean="0"/>
-              <a:t>©2015 EV3Lessons.com, Last edit 4/5/2015</a:t>
-            </a:r>
-            <a:endParaRPr lang="en-US"/>
-          </a:p>
-        </p:txBody>
-      </p:sp>
-      <p:sp>
-        <p:nvSpPr>
-          <p:cNvPr id="6" name="Slide Number Placeholder 5"/>
-          <p:cNvSpPr>
-            <a:spLocks noGrp="1"/>
-          </p:cNvSpPr>
-          <p:nvPr>
-            <p:ph type="sldNum" sz="quarter" idx="12"/>
-          </p:nvPr>
-        </p:nvSpPr>
-        <p:spPr/>
-        <p:txBody>
-          <a:bodyPr/>
-          <a:lstStyle/>
-          <a:p>
-            <a:fld id="{4382A7F7-08BF-4252-8141-63FB96055BBB}" type="slidenum">
-              <a:rPr lang="en-US" smtClean="0"/>
-              <a:t>5</a:t>
-            </a:fld>
-            <a:endParaRPr lang="en-US"/>
+              <a:rPr lang="en-US"/>
+              <a:t>© 2015 EV3Lessons.com, Last edit 7/06/2016</a:t>
+            </a:r>
           </a:p>
         </p:txBody>
       </p:sp>
@@ -5299,13 +9142,6 @@
   <p:clrMapOvr>
     <a:masterClrMapping/>
   </p:clrMapOvr>
-  <p:timing>
-    <p:tnLst>
-      <p:par>
-        <p:cTn id="1" dur="indefinite" restart="never" nodeType="tmRoot"/>
-      </p:par>
-    </p:tnLst>
-  </p:timing>
 </p:sld>
 </file>
 
@@ -5342,7 +9178,7 @@
           <a:lstStyle/>
           <a:p>
             <a:r>
-              <a:rPr lang="en-US" smtClean="0"/>
+              <a:rPr lang="en-US"/>
               <a:t>Discussion Guide</a:t>
             </a:r>
             <a:endParaRPr lang="en-US" dirty="0"/>
@@ -5365,57 +9201,55 @@
           <a:lstStyle/>
           <a:p>
             <a:r>
-              <a:rPr lang="en-US" dirty="0" smtClean="0"/>
+              <a:rPr lang="en-US" dirty="0"/>
               <a:t>1. When do you need to calibrate your color sensor?</a:t>
             </a:r>
           </a:p>
           <a:p>
             <a:pPr lvl="1"/>
             <a:r>
-              <a:rPr lang="en-US" dirty="0" smtClean="0"/>
+              <a:rPr lang="en-US" dirty="0"/>
               <a:t>When it is used in reflected light mode</a:t>
             </a:r>
           </a:p>
           <a:p>
             <a:r>
-              <a:rPr lang="en-US" dirty="0" smtClean="0"/>
+              <a:rPr lang="en-US" dirty="0"/>
               <a:t>2. If I have two color sensors, do I need to calibrate each one?</a:t>
             </a:r>
           </a:p>
           <a:p>
             <a:pPr lvl="1"/>
             <a:r>
-              <a:rPr lang="en-US" dirty="0" smtClean="0"/>
+              <a:rPr lang="en-US" dirty="0"/>
               <a:t>The calibration applies to both (or all) the color sensors you have connected to your brick</a:t>
             </a:r>
           </a:p>
           <a:p>
             <a:r>
-              <a:rPr lang="en-US" dirty="0" smtClean="0"/>
+              <a:rPr lang="en-US" dirty="0"/>
               <a:t>3. What are you doing when you calibrate?</a:t>
             </a:r>
-            <a:endParaRPr lang="en-US" dirty="0"/>
           </a:p>
           <a:p>
             <a:pPr lvl="1"/>
             <a:r>
-              <a:rPr lang="en-US" dirty="0" smtClean="0"/>
+              <a:rPr lang="en-US" dirty="0"/>
               <a:t>You are teaching the sensors what “black” and “white” mean</a:t>
             </a:r>
           </a:p>
           <a:p>
             <a:r>
-              <a:rPr lang="en-US" dirty="0" smtClean="0"/>
+              <a:rPr lang="en-US" dirty="0"/>
               <a:t>4. Should you calibrate for other colors (e.g. green) if you want to follow a green line?</a:t>
             </a:r>
           </a:p>
           <a:p>
             <a:pPr lvl="1"/>
             <a:r>
-              <a:rPr lang="en-US" dirty="0" smtClean="0"/>
+              <a:rPr lang="en-US" dirty="0"/>
               <a:t>No, you always calibrate for black and white.</a:t>
             </a:r>
-            <a:endParaRPr lang="en-US" dirty="0"/>
           </a:p>
         </p:txBody>
       </p:sp>
@@ -5435,34 +9269,9 @@
           <a:lstStyle/>
           <a:p>
             <a:r>
-              <a:rPr lang="en-US" smtClean="0"/>
-              <a:t>©2015 EV3Lessons.com, Last edit 4/5/2015</a:t>
-            </a:r>
-            <a:endParaRPr lang="en-US"/>
-          </a:p>
-        </p:txBody>
-      </p:sp>
-      <p:sp>
-        <p:nvSpPr>
-          <p:cNvPr id="5" name="Slide Number Placeholder 4"/>
-          <p:cNvSpPr>
-            <a:spLocks noGrp="1"/>
-          </p:cNvSpPr>
-          <p:nvPr>
-            <p:ph type="sldNum" sz="quarter" idx="12"/>
-          </p:nvPr>
-        </p:nvSpPr>
-        <p:spPr/>
-        <p:txBody>
-          <a:bodyPr/>
-          <a:lstStyle/>
-          <a:p>
-            <a:fld id="{4382A7F7-08BF-4252-8141-63FB96055BBB}" type="slidenum">
-              <a:rPr lang="en-US" smtClean="0"/>
-              <a:pPr/>
-              <a:t>6</a:t>
-            </a:fld>
-            <a:endParaRPr lang="en-US"/>
+              <a:rPr lang="en-US"/>
+              <a:t>© 2015 EV3Lessons.com, Last edit 7/06/2016</a:t>
+            </a:r>
           </a:p>
         </p:txBody>
       </p:sp>
@@ -5476,13 +9285,6 @@
   <p:clrMapOvr>
     <a:masterClrMapping/>
   </p:clrMapOvr>
-  <p:timing>
-    <p:tnLst>
-      <p:par>
-        <p:cTn id="1" dur="indefinite" restart="never" nodeType="tmRoot"/>
-      </p:par>
-    </p:tnLst>
-  </p:timing>
 </p:sld>
 </file>
 
@@ -5519,7 +9321,7 @@
           <a:lstStyle/>
           <a:p>
             <a:r>
-              <a:rPr lang="en-US" smtClean="0"/>
+              <a:rPr lang="en-US"/>
               <a:t>Credits</a:t>
             </a:r>
             <a:endParaRPr lang="en-US" dirty="0"/>
@@ -5542,43 +9344,15 @@
           <a:lstStyle/>
           <a:p>
             <a:r>
-              <a:rPr lang="en-US" dirty="0" smtClean="0"/>
-              <a:t>This tutorial was created by Sanjay </a:t>
-            </a:r>
-            <a:r>
-              <a:rPr lang="en-US" dirty="0" err="1" smtClean="0"/>
-              <a:t>Seshan</a:t>
-            </a:r>
-            <a:r>
-              <a:rPr lang="en-US" dirty="0" smtClean="0"/>
-              <a:t> and Arvind </a:t>
-            </a:r>
-            <a:r>
-              <a:rPr lang="en-US" dirty="0" err="1" smtClean="0"/>
-              <a:t>Seshan</a:t>
-            </a:r>
-            <a:r>
-              <a:rPr lang="en-US" dirty="0" smtClean="0"/>
-              <a:t> from Droids Robotics.</a:t>
-            </a:r>
-          </a:p>
-          <a:p>
-            <a:r>
-              <a:rPr lang="en-US" dirty="0" smtClean="0"/>
-              <a:t>Author’s Email: </a:t>
-            </a:r>
-            <a:r>
-              <a:rPr lang="en-US" dirty="0" err="1" smtClean="0"/>
-              <a:t>team@droidsrobotics.org</a:t>
-            </a:r>
-            <a:endParaRPr lang="en-US" dirty="0" smtClean="0"/>
-          </a:p>
-          <a:p>
-            <a:r>
-              <a:rPr lang="en-US" dirty="0" smtClean="0"/>
+              <a:rPr lang="en-US" dirty="0"/>
+              <a:t>This tutorial was created by Sanjay Seshan and Arvind Seshan</a:t>
+            </a:r>
+          </a:p>
+          <a:p>
+            <a:r>
+              <a:rPr lang="en-US" dirty="0"/>
               <a:t>More lessons at www.ev3lessons.com</a:t>
             </a:r>
-            <a:endParaRPr lang="en-US" dirty="0"/>
           </a:p>
         </p:txBody>
       </p:sp>
@@ -5598,34 +9372,9 @@
           <a:lstStyle/>
           <a:p>
             <a:r>
-              <a:rPr lang="en-US" smtClean="0"/>
-              <a:t>©2015 EV3Lessons.com, Last edit 4/5/2015</a:t>
-            </a:r>
-            <a:endParaRPr lang="en-US"/>
-          </a:p>
-        </p:txBody>
-      </p:sp>
-      <p:sp>
-        <p:nvSpPr>
-          <p:cNvPr id="8" name="Slide Number Placeholder 7"/>
-          <p:cNvSpPr>
-            <a:spLocks noGrp="1"/>
-          </p:cNvSpPr>
-          <p:nvPr>
-            <p:ph type="sldNum" sz="quarter" idx="12"/>
-          </p:nvPr>
-        </p:nvSpPr>
-        <p:spPr/>
-        <p:txBody>
-          <a:bodyPr/>
-          <a:lstStyle/>
-          <a:p>
-            <a:fld id="{4382A7F7-08BF-4252-8141-63FB96055BBB}" type="slidenum">
-              <a:rPr lang="en-US" smtClean="0"/>
-              <a:pPr/>
-              <a:t>7</a:t>
-            </a:fld>
-            <a:endParaRPr lang="en-US"/>
+              <a:rPr lang="en-US"/>
+              <a:t>© 2015 EV3Lessons.com, Last edit 7/06/2016</a:t>
+            </a:r>
           </a:p>
         </p:txBody>
       </p:sp>
@@ -5654,7 +9403,7 @@
           <a:effectLst/>
           <a:extLst>
             <a:ext uri="{91240B29-F687-4f45-9708-019B960494DF}">
-              <a14:hiddenLine xmlns:a14="http://schemas.microsoft.com/office/drawing/2010/main" xmlns="" w="9525">
+              <a14:hiddenLine xmlns="" xmlns:a14="http://schemas.microsoft.com/office/drawing/2010/main" w="9525">
                 <a:solidFill>
                   <a:schemeClr val="tx1"/>
                 </a:solidFill>
@@ -5664,7 +9413,7 @@
               </a14:hiddenLine>
             </a:ext>
             <a:ext uri="{AF507438-7753-43e0-B8FC-AC1667EBCBE1}">
-              <a14:hiddenEffects xmlns:a14="http://schemas.microsoft.com/office/drawing/2010/main" xmlns="">
+              <a14:hiddenEffects xmlns="" xmlns:a14="http://schemas.microsoft.com/office/drawing/2010/main">
                 <a:effectLst>
                   <a:outerShdw dist="35921" dir="2700000" algn="ctr" rotWithShape="0">
                     <a:schemeClr val="bg2"/>
@@ -5827,7 +9576,7 @@
               <a:tabLst/>
             </a:pPr>
             <a:r>
-              <a:rPr kumimoji="0" lang="en-US" altLang="en-US" sz="2000" b="0" i="0" u="none" strike="noStrike" cap="none" normalizeH="0" baseline="0" dirty="0" smtClean="0">
+              <a:rPr kumimoji="0" lang="en-US" altLang="en-US" sz="2000" b="0" i="0" u="none" strike="noStrike" cap="none" normalizeH="0" baseline="0" dirty="0">
                 <a:ln>
                   <a:noFill/>
                 </a:ln>
@@ -5839,20 +9588,8 @@
               </a:rPr>
               <a:t>                         </a:t>
             </a:r>
-            <a:r>
-              <a:rPr kumimoji="0" lang="en-US" altLang="en-US" sz="1600" b="0" i="0" u="none" strike="noStrike" cap="none" normalizeH="0" baseline="0" dirty="0" smtClean="0">
-                <a:ln>
-                  <a:noFill/>
-                </a:ln>
-                <a:solidFill>
-                  <a:schemeClr val="tx1"/>
-                </a:solidFill>
-                <a:effectLst/>
-              </a:rPr>
-              <a:t/>
-            </a:r>
             <a:br>
-              <a:rPr kumimoji="0" lang="en-US" altLang="en-US" sz="1600" b="0" i="0" u="none" strike="noStrike" cap="none" normalizeH="0" baseline="0" dirty="0" smtClean="0">
+              <a:rPr kumimoji="0" lang="en-US" altLang="en-US" sz="1600" b="0" i="0" u="none" strike="noStrike" cap="none" normalizeH="0" baseline="0" dirty="0">
                 <a:ln>
                   <a:noFill/>
                 </a:ln>
@@ -5863,7 +9600,7 @@
               </a:rPr>
             </a:br>
             <a:r>
-              <a:rPr kumimoji="0" lang="en-US" altLang="en-US" sz="2000" b="0" i="0" u="none" strike="noStrike" cap="none" normalizeH="0" baseline="0" dirty="0" smtClean="0">
+              <a:rPr kumimoji="0" lang="en-US" altLang="en-US" sz="2000" b="0" i="0" u="none" strike="noStrike" cap="none" normalizeH="0" baseline="0" dirty="0">
                 <a:ln>
                   <a:noFill/>
                 </a:ln>
@@ -5876,7 +9613,7 @@
               <a:t>This work is licensed under a </a:t>
             </a:r>
             <a:r>
-              <a:rPr kumimoji="0" lang="en-US" altLang="en-US" sz="2000" b="0" i="0" u="none" strike="noStrike" cap="none" normalizeH="0" baseline="0" dirty="0" smtClean="0">
+              <a:rPr kumimoji="0" lang="en-US" altLang="en-US" sz="2000" b="0" i="0" u="none" strike="noStrike" cap="none" normalizeH="0" baseline="0" dirty="0">
                 <a:ln>
                   <a:noFill/>
                 </a:ln>
@@ -5890,7 +9627,7 @@
               <a:t>Creative Commons Attribution-</a:t>
             </a:r>
             <a:r>
-              <a:rPr kumimoji="0" lang="en-US" altLang="en-US" sz="2000" b="0" i="0" u="none" strike="noStrike" cap="none" normalizeH="0" baseline="0" dirty="0" err="1" smtClean="0">
+              <a:rPr kumimoji="0" lang="en-US" altLang="en-US" sz="2000" b="0" i="0" u="none" strike="noStrike" cap="none" normalizeH="0" baseline="0" dirty="0" err="1">
                 <a:ln>
                   <a:noFill/>
                 </a:ln>
@@ -5904,7 +9641,7 @@
               <a:t>NonCommercial</a:t>
             </a:r>
             <a:r>
-              <a:rPr kumimoji="0" lang="en-US" altLang="en-US" sz="2000" b="0" i="0" u="none" strike="noStrike" cap="none" normalizeH="0" baseline="0" dirty="0" smtClean="0">
+              <a:rPr kumimoji="0" lang="en-US" altLang="en-US" sz="2000" b="0" i="0" u="none" strike="noStrike" cap="none" normalizeH="0" baseline="0" dirty="0">
                 <a:ln>
                   <a:noFill/>
                 </a:ln>
@@ -5918,7 +9655,7 @@
               <a:t>-</a:t>
             </a:r>
             <a:r>
-              <a:rPr kumimoji="0" lang="en-US" altLang="en-US" sz="2000" b="0" i="0" u="none" strike="noStrike" cap="none" normalizeH="0" baseline="0" dirty="0" err="1" smtClean="0">
+              <a:rPr kumimoji="0" lang="en-US" altLang="en-US" sz="2000" b="0" i="0" u="none" strike="noStrike" cap="none" normalizeH="0" baseline="0" dirty="0" err="1">
                 <a:ln>
                   <a:noFill/>
                 </a:ln>
@@ -5932,7 +9669,7 @@
               <a:t>ShareAlike</a:t>
             </a:r>
             <a:r>
-              <a:rPr kumimoji="0" lang="en-US" altLang="en-US" sz="2000" b="0" i="0" u="none" strike="noStrike" cap="none" normalizeH="0" baseline="0" dirty="0" smtClean="0">
+              <a:rPr kumimoji="0" lang="en-US" altLang="en-US" sz="2000" b="0" i="0" u="none" strike="noStrike" cap="none" normalizeH="0" baseline="0" dirty="0">
                 <a:ln>
                   <a:noFill/>
                 </a:ln>
@@ -5946,7 +9683,7 @@
               <a:t> 4.0 International License</a:t>
             </a:r>
             <a:r>
-              <a:rPr kumimoji="0" lang="en-US" altLang="en-US" sz="2000" b="0" i="0" u="none" strike="noStrike" cap="none" normalizeH="0" baseline="0" dirty="0" smtClean="0">
+              <a:rPr kumimoji="0" lang="en-US" altLang="en-US" sz="2000" b="0" i="0" u="none" strike="noStrike" cap="none" normalizeH="0" baseline="0" dirty="0">
                 <a:ln>
                   <a:noFill/>
                 </a:ln>
@@ -5959,7 +9696,7 @@
               <a:t>.</a:t>
             </a:r>
             <a:r>
-              <a:rPr kumimoji="0" lang="en-US" altLang="en-US" sz="1600" b="0" i="0" u="none" strike="noStrike" cap="none" normalizeH="0" baseline="0" dirty="0" smtClean="0">
+              <a:rPr kumimoji="0" lang="en-US" altLang="en-US" sz="1600" b="0" i="0" u="none" strike="noStrike" cap="none" normalizeH="0" baseline="0" dirty="0">
                 <a:ln>
                   <a:noFill/>
                 </a:ln>
@@ -5970,7 +9707,7 @@
               </a:rPr>
               <a:t> </a:t>
             </a:r>
-            <a:endParaRPr kumimoji="0" lang="en-US" altLang="en-US" sz="2000" b="0" i="0" u="none" strike="noStrike" cap="none" normalizeH="0" baseline="0" dirty="0" smtClean="0">
+            <a:endParaRPr kumimoji="0" lang="en-US" altLang="en-US" sz="2000" b="0" i="0" u="none" strike="noStrike" cap="none" normalizeH="0" baseline="0" dirty="0">
               <a:ln>
                 <a:noFill/>
               </a:ln>
@@ -6017,7 +9754,7 @@
           <a:noFill/>
           <a:extLst>
             <a:ext uri="{909E8E84-426E-40dd-AFC4-6F175D3DCCD1}">
-              <a14:hiddenFill xmlns:a14="http://schemas.microsoft.com/office/drawing/2010/main" xmlns="">
+              <a14:hiddenFill xmlns="" xmlns:a14="http://schemas.microsoft.com/office/drawing/2010/main">
                 <a:solidFill>
                   <a:srgbClr val="FFFFFF"/>
                 </a:solidFill>
@@ -6036,21 +9773,6 @@
   <p:clrMapOvr>
     <a:masterClrMapping/>
   </p:clrMapOvr>
-  <mc:AlternateContent xmlns:mc="http://schemas.openxmlformats.org/markup-compatibility/2006" xmlns:p14="http://schemas.microsoft.com/office/powerpoint/2010/main">
-    <mc:Choice Requires="p14">
-      <p:transition spd="slow" p14:dur="2000"/>
-    </mc:Choice>
-    <mc:Fallback xmlns="">
-      <p:transition xmlns:p14="http://schemas.microsoft.com/office/powerpoint/2010/main" spd="slow"/>
-    </mc:Fallback>
-  </mc:AlternateContent>
-  <p:timing>
-    <p:tnLst>
-      <p:par>
-        <p:cTn id="1" dur="indefinite" restart="never" nodeType="tmRoot"/>
-      </p:par>
-    </p:tnLst>
-  </p:timing>
 </p:sld>
 </file>
 
@@ -6338,9 +10060,9 @@
 </file>
 
 <file path=ppt/theme/theme2.xml><?xml version="1.0" encoding="utf-8"?>
-<a:theme xmlns:a="http://schemas.openxmlformats.org/drawingml/2006/main" name="Office Theme">
+<a:theme xmlns:a="http://schemas.openxmlformats.org/drawingml/2006/main" name="intermediatev2">
   <a:themeElements>
-    <a:clrScheme name="Office">
+    <a:clrScheme name="Blue II">
       <a:dk1>
         <a:sysClr val="windowText" lastClr="000000"/>
       </a:dk1>
@@ -6348,39 +10070,39 @@
         <a:sysClr val="window" lastClr="FFFFFF"/>
       </a:lt1>
       <a:dk2>
-        <a:srgbClr val="1F497D"/>
+        <a:srgbClr val="335B74"/>
       </a:dk2>
       <a:lt2>
-        <a:srgbClr val="EEECE1"/>
+        <a:srgbClr val="DFE3E5"/>
       </a:lt2>
       <a:accent1>
-        <a:srgbClr val="4F81BD"/>
+        <a:srgbClr val="1CADE4"/>
       </a:accent1>
       <a:accent2>
-        <a:srgbClr val="C0504D"/>
+        <a:srgbClr val="2683C6"/>
       </a:accent2>
       <a:accent3>
-        <a:srgbClr val="9BBB59"/>
+        <a:srgbClr val="27CED7"/>
       </a:accent3>
       <a:accent4>
-        <a:srgbClr val="8064A2"/>
+        <a:srgbClr val="42BA97"/>
       </a:accent4>
       <a:accent5>
-        <a:srgbClr val="4BACC6"/>
+        <a:srgbClr val="3E8853"/>
       </a:accent5>
       <a:accent6>
-        <a:srgbClr val="F79646"/>
+        <a:srgbClr val="62A39F"/>
       </a:accent6>
       <a:hlink>
-        <a:srgbClr val="0000FF"/>
+        <a:srgbClr val="6EAC1C"/>
       </a:hlink>
       <a:folHlink>
-        <a:srgbClr val="800080"/>
+        <a:srgbClr val="B26B02"/>
       </a:folHlink>
     </a:clrScheme>
-    <a:fontScheme name="Office">
+    <a:fontScheme name="Retrospect">
       <a:majorFont>
-        <a:latin typeface="Calibri"/>
+        <a:latin typeface="Calibri Light" panose="020F0302020204030204"/>
         <a:ea typeface=""/>
         <a:cs typeface=""/>
         <a:font script="Jpan" typeface="ＭＳ Ｐゴシック"/>
@@ -6415,7 +10137,7 @@
         <a:font script="Geor" typeface="Sylfaen"/>
       </a:majorFont>
       <a:minorFont>
-        <a:latin typeface="Calibri"/>
+        <a:latin typeface="Calibri" panose="020F0502020204030204"/>
         <a:ea typeface=""/>
         <a:cs typeface=""/>
         <a:font script="Jpan" typeface="ＭＳ Ｐゴシック"/>
@@ -6450,7 +10172,7 @@
         <a:font script="Geor" typeface="Sylfaen"/>
       </a:minorFont>
     </a:fontScheme>
-    <a:fmtScheme name="Office">
+    <a:fmtScheme name="Retrospect">
       <a:fillStyleLst>
         <a:solidFill>
           <a:schemeClr val="phClr"/>
@@ -6459,52 +10181,73 @@
           <a:gsLst>
             <a:gs pos="0">
               <a:schemeClr val="phClr">
-                <a:tint val="50000"/>
-                <a:satMod val="300000"/>
+                <a:tint val="65000"/>
+                <a:shade val="92000"/>
+                <a:satMod val="130000"/>
               </a:schemeClr>
             </a:gs>
-            <a:gs pos="35000">
+            <a:gs pos="45000">
               <a:schemeClr val="phClr">
-                <a:tint val="37000"/>
-                <a:satMod val="300000"/>
+                <a:tint val="60000"/>
+                <a:shade val="99000"/>
+                <a:satMod val="120000"/>
               </a:schemeClr>
             </a:gs>
             <a:gs pos="100000">
               <a:schemeClr val="phClr">
-                <a:tint val="15000"/>
-                <a:satMod val="350000"/>
+                <a:tint val="55000"/>
+                <a:satMod val="140000"/>
               </a:schemeClr>
             </a:gs>
           </a:gsLst>
-          <a:lin ang="16200000" scaled="1"/>
+          <a:path path="circle">
+            <a:fillToRect l="100000" t="100000" r="100000" b="100000"/>
+          </a:path>
         </a:gradFill>
         <a:gradFill rotWithShape="1">
           <a:gsLst>
             <a:gs pos="0">
               <a:schemeClr val="phClr">
+                <a:shade val="85000"/>
+                <a:satMod val="130000"/>
+              </a:schemeClr>
+            </a:gs>
+            <a:gs pos="34000">
+              <a:schemeClr val="phClr">
+                <a:shade val="87000"/>
+                <a:satMod val="125000"/>
+              </a:schemeClr>
+            </a:gs>
+            <a:gs pos="70000">
+              <a:schemeClr val="phClr">
                 <a:tint val="100000"/>
-                <a:shade val="100000"/>
+                <a:shade val="90000"/>
                 <a:satMod val="130000"/>
               </a:schemeClr>
             </a:gs>
             <a:gs pos="100000">
               <a:schemeClr val="phClr">
-                <a:tint val="50000"/>
+                <a:tint val="100000"/>
                 <a:shade val="100000"/>
-                <a:satMod val="350000"/>
+                <a:satMod val="110000"/>
               </a:schemeClr>
             </a:gs>
           </a:gsLst>
-          <a:lin ang="16200000" scaled="0"/>
+          <a:path path="circle">
+            <a:fillToRect l="100000" t="100000" r="100000" b="100000"/>
+          </a:path>
         </a:gradFill>
       </a:fillStyleLst>
       <a:lnStyleLst>
-        <a:ln w="9525" cap="flat" cmpd="sng" algn="ctr">
+        <a:ln w="12700" cap="flat" cmpd="sng" algn="ctr">
           <a:solidFill>
-            <a:schemeClr val="phClr">
-              <a:shade val="95000"/>
-              <a:satMod val="105000"/>
-            </a:schemeClr>
+            <a:schemeClr val="phClr"/>
+          </a:solidFill>
+          <a:prstDash val="solid"/>
+        </a:ln>
+        <a:ln w="15875" cap="flat" cmpd="sng" algn="ctr">
+          <a:solidFill>
+            <a:schemeClr val="phClr"/>
           </a:solidFill>
           <a:prstDash val="solid"/>
         </a:ln>
@@ -6514,37 +10257,25 @@
           </a:solidFill>
           <a:prstDash val="solid"/>
         </a:ln>
-        <a:ln w="38100" cap="flat" cmpd="sng" algn="ctr">
-          <a:solidFill>
-            <a:schemeClr val="phClr"/>
-          </a:solidFill>
-          <a:prstDash val="solid"/>
-        </a:ln>
       </a:lnStyleLst>
       <a:effectStyleLst>
         <a:effectStyle>
+          <a:effectLst/>
+        </a:effectStyle>
+        <a:effectStyle>
           <a:effectLst>
-            <a:outerShdw blurRad="40000" dist="20000" dir="5400000" rotWithShape="0">
+            <a:outerShdw blurRad="38100" dist="25400" dir="2700000" algn="br" rotWithShape="0">
               <a:srgbClr val="000000">
-                <a:alpha val="38000"/>
+                <a:alpha val="60000"/>
               </a:srgbClr>
             </a:outerShdw>
           </a:effectLst>
         </a:effectStyle>
         <a:effectStyle>
           <a:effectLst>
-            <a:outerShdw blurRad="40000" dist="23000" dir="5400000" rotWithShape="0">
+            <a:outerShdw blurRad="44450" dist="25400" dir="2700000" algn="br" rotWithShape="0">
               <a:srgbClr val="000000">
-                <a:alpha val="35000"/>
-              </a:srgbClr>
-            </a:outerShdw>
-          </a:effectLst>
-        </a:effectStyle>
-        <a:effectStyle>
-          <a:effectLst>
-            <a:outerShdw blurRad="40000" dist="23000" dir="5400000" rotWithShape="0">
-              <a:srgbClr val="000000">
-                <a:alpha val="35000"/>
+                <a:alpha val="60000"/>
               </a:srgbClr>
             </a:outerShdw>
           </a:effectLst>
@@ -6553,11 +10284,11 @@
               <a:rot lat="0" lon="0" rev="0"/>
             </a:camera>
             <a:lightRig rig="threePt" dir="t">
-              <a:rot lat="0" lon="0" rev="1200000"/>
+              <a:rot lat="0" lon="0" rev="19800000"/>
             </a:lightRig>
           </a:scene3d>
-          <a:sp3d>
-            <a:bevelT w="63500" h="25400"/>
+          <a:sp3d prstMaterial="flat">
+            <a:bevelT w="25400" h="31750"/>
           </a:sp3d>
         </a:effectStyle>
       </a:effectStyleLst>
@@ -6565,95 +10296,49 @@
         <a:solidFill>
           <a:schemeClr val="phClr"/>
         </a:solidFill>
+        <a:solidFill>
+          <a:schemeClr val="phClr">
+            <a:tint val="90000"/>
+            <a:shade val="97000"/>
+            <a:satMod val="130000"/>
+          </a:schemeClr>
+        </a:solidFill>
         <a:gradFill rotWithShape="1">
           <a:gsLst>
             <a:gs pos="0">
               <a:schemeClr val="phClr">
-                <a:tint val="40000"/>
-                <a:satMod val="350000"/>
+                <a:tint val="96000"/>
+                <a:shade val="99000"/>
+                <a:satMod val="140000"/>
               </a:schemeClr>
             </a:gs>
-            <a:gs pos="40000">
+            <a:gs pos="65000">
               <a:schemeClr val="phClr">
-                <a:tint val="45000"/>
-                <a:shade val="99000"/>
-                <a:satMod val="350000"/>
+                <a:tint val="100000"/>
+                <a:shade val="80000"/>
+                <a:satMod val="130000"/>
               </a:schemeClr>
             </a:gs>
             <a:gs pos="100000">
               <a:schemeClr val="phClr">
-                <a:shade val="20000"/>
-                <a:satMod val="255000"/>
+                <a:tint val="100000"/>
+                <a:shade val="48000"/>
+                <a:satMod val="120000"/>
               </a:schemeClr>
             </a:gs>
           </a:gsLst>
-          <a:path path="circle">
-            <a:fillToRect l="50000" t="-80000" r="50000" b="180000"/>
-          </a:path>
-        </a:gradFill>
-        <a:gradFill rotWithShape="1">
-          <a:gsLst>
-            <a:gs pos="0">
-              <a:schemeClr val="phClr">
-                <a:tint val="80000"/>
-                <a:satMod val="300000"/>
-              </a:schemeClr>
-            </a:gs>
-            <a:gs pos="100000">
-              <a:schemeClr val="phClr">
-                <a:shade val="30000"/>
-                <a:satMod val="200000"/>
-              </a:schemeClr>
-            </a:gs>
-          </a:gsLst>
-          <a:path path="circle">
-            <a:fillToRect l="50000" t="50000" r="50000" b="50000"/>
-          </a:path>
+          <a:lin ang="16200000" scaled="0"/>
         </a:gradFill>
       </a:bgFillStyleLst>
     </a:fmtScheme>
   </a:themeElements>
-  <a:objectDefaults>
-    <a:spDef>
-      <a:spPr/>
-      <a:bodyPr/>
-      <a:lstStyle/>
-      <a:style>
-        <a:lnRef idx="1">
-          <a:schemeClr val="accent1"/>
-        </a:lnRef>
-        <a:fillRef idx="3">
-          <a:schemeClr val="accent1"/>
-        </a:fillRef>
-        <a:effectRef idx="2">
-          <a:schemeClr val="accent1"/>
-        </a:effectRef>
-        <a:fontRef idx="minor">
-          <a:schemeClr val="lt1"/>
-        </a:fontRef>
-      </a:style>
-    </a:spDef>
-    <a:lnDef>
-      <a:spPr/>
-      <a:bodyPr/>
-      <a:lstStyle/>
-      <a:style>
-        <a:lnRef idx="2">
-          <a:schemeClr val="accent1"/>
-        </a:lnRef>
-        <a:fillRef idx="0">
-          <a:schemeClr val="accent1"/>
-        </a:fillRef>
-        <a:effectRef idx="1">
-          <a:schemeClr val="accent1"/>
-        </a:effectRef>
-        <a:fontRef idx="minor">
-          <a:schemeClr val="tx1"/>
-        </a:fontRef>
-      </a:style>
-    </a:lnDef>
-  </a:objectDefaults>
+  <a:objectDefaults/>
   <a:extraClrSchemeLst/>
+  <a:extLst>
+    <a:ext uri="{05A4C25C-085E-4340-85A3-A5531E510DB2}">
+      <thm15:themeFamily xmlns:thm15="http://schemas.microsoft.com/office/thememl/2012/main" name="intermediatev2" id="{63F5E447-E8B5-4335-8726-12777BA731C5}" vid="{7C754D33-5435-4000-AB94-F54A58B2A981}"/>
+    </a:ext>
+  </a:extLst>
 </a:theme>
 </file>
 
@@ -6975,4 +10660,324 @@
   </a:objectDefaults>
   <a:extraClrSchemeLst/>
 </a:theme>
+</file>
+
+<file path=ppt/theme/theme4.xml><?xml version="1.0" encoding="utf-8"?>
+<a:theme xmlns:a="http://schemas.openxmlformats.org/drawingml/2006/main" name="Office Theme">
+  <a:themeElements>
+    <a:clrScheme name="Office">
+      <a:dk1>
+        <a:sysClr val="windowText" lastClr="000000"/>
+      </a:dk1>
+      <a:lt1>
+        <a:sysClr val="window" lastClr="FFFFFF"/>
+      </a:lt1>
+      <a:dk2>
+        <a:srgbClr val="1F497D"/>
+      </a:dk2>
+      <a:lt2>
+        <a:srgbClr val="EEECE1"/>
+      </a:lt2>
+      <a:accent1>
+        <a:srgbClr val="4F81BD"/>
+      </a:accent1>
+      <a:accent2>
+        <a:srgbClr val="C0504D"/>
+      </a:accent2>
+      <a:accent3>
+        <a:srgbClr val="9BBB59"/>
+      </a:accent3>
+      <a:accent4>
+        <a:srgbClr val="8064A2"/>
+      </a:accent4>
+      <a:accent5>
+        <a:srgbClr val="4BACC6"/>
+      </a:accent5>
+      <a:accent6>
+        <a:srgbClr val="F79646"/>
+      </a:accent6>
+      <a:hlink>
+        <a:srgbClr val="0000FF"/>
+      </a:hlink>
+      <a:folHlink>
+        <a:srgbClr val="800080"/>
+      </a:folHlink>
+    </a:clrScheme>
+    <a:fontScheme name="Office">
+      <a:majorFont>
+        <a:latin typeface="Calibri"/>
+        <a:ea typeface=""/>
+        <a:cs typeface=""/>
+        <a:font script="Jpan" typeface="ＭＳ Ｐゴシック"/>
+        <a:font script="Hang" typeface="맑은 고딕"/>
+        <a:font script="Hans" typeface="宋体"/>
+        <a:font script="Hant" typeface="新細明體"/>
+        <a:font script="Arab" typeface="Times New Roman"/>
+        <a:font script="Hebr" typeface="Times New Roman"/>
+        <a:font script="Thai" typeface="Angsana New"/>
+        <a:font script="Ethi" typeface="Nyala"/>
+        <a:font script="Beng" typeface="Vrinda"/>
+        <a:font script="Gujr" typeface="Shruti"/>
+        <a:font script="Khmr" typeface="MoolBoran"/>
+        <a:font script="Knda" typeface="Tunga"/>
+        <a:font script="Guru" typeface="Raavi"/>
+        <a:font script="Cans" typeface="Euphemia"/>
+        <a:font script="Cher" typeface="Plantagenet Cherokee"/>
+        <a:font script="Yiii" typeface="Microsoft Yi Baiti"/>
+        <a:font script="Tibt" typeface="Microsoft Himalaya"/>
+        <a:font script="Thaa" typeface="MV Boli"/>
+        <a:font script="Deva" typeface="Mangal"/>
+        <a:font script="Telu" typeface="Gautami"/>
+        <a:font script="Taml" typeface="Latha"/>
+        <a:font script="Syrc" typeface="Estrangelo Edessa"/>
+        <a:font script="Orya" typeface="Kalinga"/>
+        <a:font script="Mlym" typeface="Kartika"/>
+        <a:font script="Laoo" typeface="DokChampa"/>
+        <a:font script="Sinh" typeface="Iskoola Pota"/>
+        <a:font script="Mong" typeface="Mongolian Baiti"/>
+        <a:font script="Viet" typeface="Times New Roman"/>
+        <a:font script="Uigh" typeface="Microsoft Uighur"/>
+        <a:font script="Geor" typeface="Sylfaen"/>
+      </a:majorFont>
+      <a:minorFont>
+        <a:latin typeface="Calibri"/>
+        <a:ea typeface=""/>
+        <a:cs typeface=""/>
+        <a:font script="Jpan" typeface="ＭＳ Ｐゴシック"/>
+        <a:font script="Hang" typeface="맑은 고딕"/>
+        <a:font script="Hans" typeface="宋体"/>
+        <a:font script="Hant" typeface="新細明體"/>
+        <a:font script="Arab" typeface="Arial"/>
+        <a:font script="Hebr" typeface="Arial"/>
+        <a:font script="Thai" typeface="Cordia New"/>
+        <a:font script="Ethi" typeface="Nyala"/>
+        <a:font script="Beng" typeface="Vrinda"/>
+        <a:font script="Gujr" typeface="Shruti"/>
+        <a:font script="Khmr" typeface="DaunPenh"/>
+        <a:font script="Knda" typeface="Tunga"/>
+        <a:font script="Guru" typeface="Raavi"/>
+        <a:font script="Cans" typeface="Euphemia"/>
+        <a:font script="Cher" typeface="Plantagenet Cherokee"/>
+        <a:font script="Yiii" typeface="Microsoft Yi Baiti"/>
+        <a:font script="Tibt" typeface="Microsoft Himalaya"/>
+        <a:font script="Thaa" typeface="MV Boli"/>
+        <a:font script="Deva" typeface="Mangal"/>
+        <a:font script="Telu" typeface="Gautami"/>
+        <a:font script="Taml" typeface="Latha"/>
+        <a:font script="Syrc" typeface="Estrangelo Edessa"/>
+        <a:font script="Orya" typeface="Kalinga"/>
+        <a:font script="Mlym" typeface="Kartika"/>
+        <a:font script="Laoo" typeface="DokChampa"/>
+        <a:font script="Sinh" typeface="Iskoola Pota"/>
+        <a:font script="Mong" typeface="Mongolian Baiti"/>
+        <a:font script="Viet" typeface="Arial"/>
+        <a:font script="Uigh" typeface="Microsoft Uighur"/>
+        <a:font script="Geor" typeface="Sylfaen"/>
+      </a:minorFont>
+    </a:fontScheme>
+    <a:fmtScheme name="Office">
+      <a:fillStyleLst>
+        <a:solidFill>
+          <a:schemeClr val="phClr"/>
+        </a:solidFill>
+        <a:gradFill rotWithShape="1">
+          <a:gsLst>
+            <a:gs pos="0">
+              <a:schemeClr val="phClr">
+                <a:tint val="50000"/>
+                <a:satMod val="300000"/>
+              </a:schemeClr>
+            </a:gs>
+            <a:gs pos="35000">
+              <a:schemeClr val="phClr">
+                <a:tint val="37000"/>
+                <a:satMod val="300000"/>
+              </a:schemeClr>
+            </a:gs>
+            <a:gs pos="100000">
+              <a:schemeClr val="phClr">
+                <a:tint val="15000"/>
+                <a:satMod val="350000"/>
+              </a:schemeClr>
+            </a:gs>
+          </a:gsLst>
+          <a:lin ang="16200000" scaled="1"/>
+        </a:gradFill>
+        <a:gradFill rotWithShape="1">
+          <a:gsLst>
+            <a:gs pos="0">
+              <a:schemeClr val="phClr">
+                <a:tint val="100000"/>
+                <a:shade val="100000"/>
+                <a:satMod val="130000"/>
+              </a:schemeClr>
+            </a:gs>
+            <a:gs pos="100000">
+              <a:schemeClr val="phClr">
+                <a:tint val="50000"/>
+                <a:shade val="100000"/>
+                <a:satMod val="350000"/>
+              </a:schemeClr>
+            </a:gs>
+          </a:gsLst>
+          <a:lin ang="16200000" scaled="0"/>
+        </a:gradFill>
+      </a:fillStyleLst>
+      <a:lnStyleLst>
+        <a:ln w="9525" cap="flat" cmpd="sng" algn="ctr">
+          <a:solidFill>
+            <a:schemeClr val="phClr">
+              <a:shade val="95000"/>
+              <a:satMod val="105000"/>
+            </a:schemeClr>
+          </a:solidFill>
+          <a:prstDash val="solid"/>
+        </a:ln>
+        <a:ln w="25400" cap="flat" cmpd="sng" algn="ctr">
+          <a:solidFill>
+            <a:schemeClr val="phClr"/>
+          </a:solidFill>
+          <a:prstDash val="solid"/>
+        </a:ln>
+        <a:ln w="38100" cap="flat" cmpd="sng" algn="ctr">
+          <a:solidFill>
+            <a:schemeClr val="phClr"/>
+          </a:solidFill>
+          <a:prstDash val="solid"/>
+        </a:ln>
+      </a:lnStyleLst>
+      <a:effectStyleLst>
+        <a:effectStyle>
+          <a:effectLst>
+            <a:outerShdw blurRad="40000" dist="20000" dir="5400000" rotWithShape="0">
+              <a:srgbClr val="000000">
+                <a:alpha val="38000"/>
+              </a:srgbClr>
+            </a:outerShdw>
+          </a:effectLst>
+        </a:effectStyle>
+        <a:effectStyle>
+          <a:effectLst>
+            <a:outerShdw blurRad="40000" dist="23000" dir="5400000" rotWithShape="0">
+              <a:srgbClr val="000000">
+                <a:alpha val="35000"/>
+              </a:srgbClr>
+            </a:outerShdw>
+          </a:effectLst>
+        </a:effectStyle>
+        <a:effectStyle>
+          <a:effectLst>
+            <a:outerShdw blurRad="40000" dist="23000" dir="5400000" rotWithShape="0">
+              <a:srgbClr val="000000">
+                <a:alpha val="35000"/>
+              </a:srgbClr>
+            </a:outerShdw>
+          </a:effectLst>
+          <a:scene3d>
+            <a:camera prst="orthographicFront">
+              <a:rot lat="0" lon="0" rev="0"/>
+            </a:camera>
+            <a:lightRig rig="threePt" dir="t">
+              <a:rot lat="0" lon="0" rev="1200000"/>
+            </a:lightRig>
+          </a:scene3d>
+          <a:sp3d>
+            <a:bevelT w="63500" h="25400"/>
+          </a:sp3d>
+        </a:effectStyle>
+      </a:effectStyleLst>
+      <a:bgFillStyleLst>
+        <a:solidFill>
+          <a:schemeClr val="phClr"/>
+        </a:solidFill>
+        <a:gradFill rotWithShape="1">
+          <a:gsLst>
+            <a:gs pos="0">
+              <a:schemeClr val="phClr">
+                <a:tint val="40000"/>
+                <a:satMod val="350000"/>
+              </a:schemeClr>
+            </a:gs>
+            <a:gs pos="40000">
+              <a:schemeClr val="phClr">
+                <a:tint val="45000"/>
+                <a:shade val="99000"/>
+                <a:satMod val="350000"/>
+              </a:schemeClr>
+            </a:gs>
+            <a:gs pos="100000">
+              <a:schemeClr val="phClr">
+                <a:shade val="20000"/>
+                <a:satMod val="255000"/>
+              </a:schemeClr>
+            </a:gs>
+          </a:gsLst>
+          <a:path path="circle">
+            <a:fillToRect l="50000" t="-80000" r="50000" b="180000"/>
+          </a:path>
+        </a:gradFill>
+        <a:gradFill rotWithShape="1">
+          <a:gsLst>
+            <a:gs pos="0">
+              <a:schemeClr val="phClr">
+                <a:tint val="80000"/>
+                <a:satMod val="300000"/>
+              </a:schemeClr>
+            </a:gs>
+            <a:gs pos="100000">
+              <a:schemeClr val="phClr">
+                <a:shade val="30000"/>
+                <a:satMod val="200000"/>
+              </a:schemeClr>
+            </a:gs>
+          </a:gsLst>
+          <a:path path="circle">
+            <a:fillToRect l="50000" t="50000" r="50000" b="50000"/>
+          </a:path>
+        </a:gradFill>
+      </a:bgFillStyleLst>
+    </a:fmtScheme>
+  </a:themeElements>
+  <a:objectDefaults>
+    <a:spDef>
+      <a:spPr/>
+      <a:bodyPr/>
+      <a:lstStyle/>
+      <a:style>
+        <a:lnRef idx="1">
+          <a:schemeClr val="accent1"/>
+        </a:lnRef>
+        <a:fillRef idx="3">
+          <a:schemeClr val="accent1"/>
+        </a:fillRef>
+        <a:effectRef idx="2">
+          <a:schemeClr val="accent1"/>
+        </a:effectRef>
+        <a:fontRef idx="minor">
+          <a:schemeClr val="lt1"/>
+        </a:fontRef>
+      </a:style>
+    </a:spDef>
+    <a:lnDef>
+      <a:spPr/>
+      <a:bodyPr/>
+      <a:lstStyle/>
+      <a:style>
+        <a:lnRef idx="2">
+          <a:schemeClr val="accent1"/>
+        </a:lnRef>
+        <a:fillRef idx="0">
+          <a:schemeClr val="accent1"/>
+        </a:fillRef>
+        <a:effectRef idx="1">
+          <a:schemeClr val="accent1"/>
+        </a:effectRef>
+        <a:fontRef idx="minor">
+          <a:schemeClr val="tx1"/>
+        </a:fontRef>
+      </a:style>
+    </a:lnDef>
+  </a:objectDefaults>
+  <a:extraClrSchemeLst/>
+</a:theme>
 </file>
--- a/translations/en-us/intermediate/Calibrate.pptx
+++ b/translations/en-us/intermediate/Calibrate.pptx
@@ -218,7 +218,7 @@
           <a:p>
             <a:fld id="{E354B44E-40A3-0E46-B16A-9BF1250A248B}" type="datetimeFigureOut">
               <a:rPr lang="en-US" smtClean="0"/>
-              <a:t>7/7/2016</a:t>
+              <a:t>7/19/16</a:t>
             </a:fld>
             <a:endParaRPr lang="en-US"/>
           </a:p>
@@ -384,7 +384,7 @@
           <a:p>
             <a:fld id="{C86AD16C-2DB4-6642-BAD4-9ED973A087A0}" type="datetimeFigureOut">
               <a:rPr lang="en-US" smtClean="0"/>
-              <a:t>7/7/2016</a:t>
+              <a:t>7/19/16</a:t>
             </a:fld>
             <a:endParaRPr lang="en-US"/>
           </a:p>
@@ -841,7 +841,7 @@
           <a:p>
             <a:fld id="{25B11890-25CA-46F5-9F8C-9E79EBF4CE1C}" type="datetime1">
               <a:rPr lang="en-US" smtClean="0"/>
-              <a:t>7/7/2016</a:t>
+              <a:t>7/19/16</a:t>
             </a:fld>
             <a:endParaRPr lang="en-US"/>
           </a:p>
@@ -1101,7 +1101,7 @@
           <a:noFill/>
           <a:extLst>
             <a:ext uri="{909E8E84-426E-40dd-AFC4-6F175D3DCCD1}">
-              <a14:hiddenFill xmlns="" xmlns:a14="http://schemas.microsoft.com/office/drawing/2010/main">
+              <a14:hiddenFill xmlns:a14="http://schemas.microsoft.com/office/drawing/2010/main" xmlns="">
                 <a:solidFill>
                   <a:srgbClr val="FFFFFF"/>
                 </a:solidFill>
@@ -1232,7 +1232,7 @@
           <a:p>
             <a:fld id="{BC0A2806-5D5F-4AFE-8E3A-30EC8BB4272B}" type="datetime1">
               <a:rPr lang="en-US" smtClean="0"/>
-              <a:t>7/7/2016</a:t>
+              <a:t>7/19/16</a:t>
             </a:fld>
             <a:endParaRPr lang="en-US"/>
           </a:p>
@@ -1491,7 +1491,7 @@
           <a:p>
             <a:fld id="{BD9A8E37-E2BD-4CAE-B237-1EEED0ABFF10}" type="datetime1">
               <a:rPr lang="en-US" smtClean="0"/>
-              <a:t>7/7/2016</a:t>
+              <a:t>7/19/16</a:t>
             </a:fld>
             <a:endParaRPr lang="en-US"/>
           </a:p>
@@ -1745,7 +1745,7 @@
           <a:p>
             <a:fld id="{4D933E21-E101-4D73-B43E-E88E406318A3}" type="datetime1">
               <a:rPr lang="en-US" smtClean="0"/>
-              <a:t>7/7/2016</a:t>
+              <a:t>7/19/16</a:t>
             </a:fld>
             <a:endParaRPr lang="en-US"/>
           </a:p>
@@ -2190,7 +2190,7 @@
           <a:p>
             <a:fld id="{C9F1B8B2-FE24-4934-A1D5-B0D2E5301B1C}" type="datetime1">
               <a:rPr lang="en-US" smtClean="0"/>
-              <a:t>7/7/2016</a:t>
+              <a:t>7/19/16</a:t>
             </a:fld>
             <a:endParaRPr lang="en-US"/>
           </a:p>
@@ -2536,7 +2536,7 @@
           <a:p>
             <a:fld id="{BA3B3C2F-EC1C-46CA-BECB-CFF1C49CD76C}" type="datetime1">
               <a:rPr lang="en-US" smtClean="0"/>
-              <a:t>7/7/2016</a:t>
+              <a:t>7/19/16</a:t>
             </a:fld>
             <a:endParaRPr lang="en-US"/>
           </a:p>
@@ -2814,7 +2814,7 @@
           <a:p>
             <a:fld id="{00827A6B-EFF2-41DA-9389-1DD4326B2EE4}" type="datetime1">
               <a:rPr lang="en-US" smtClean="0"/>
-              <a:t>7/7/2016</a:t>
+              <a:t>7/19/16</a:t>
             </a:fld>
             <a:endParaRPr lang="en-US"/>
           </a:p>
@@ -3197,7 +3197,7 @@
           <a:p>
             <a:fld id="{A2B67B4E-6008-4AC3-AE01-C0CC6493FE44}" type="datetime1">
               <a:rPr lang="en-US" smtClean="0"/>
-              <a:t>7/7/2016</a:t>
+              <a:t>7/19/16</a:t>
             </a:fld>
             <a:endParaRPr lang="en-US"/>
           </a:p>
@@ -3318,7 +3318,7 @@
           <a:p>
             <a:fld id="{8FC4C136-C7FF-499B-A164-2D4C94D5780B}" type="datetime1">
               <a:rPr lang="en-US" smtClean="0"/>
-              <a:t>7/7/2016</a:t>
+              <a:t>7/19/16</a:t>
             </a:fld>
             <a:endParaRPr lang="en-US"/>
           </a:p>
@@ -3492,7 +3492,7 @@
           <a:p>
             <a:fld id="{D9F8EE4C-AF6A-44DC-9C1E-0CB7A12851C7}" type="datetime1">
               <a:rPr lang="en-US" smtClean="0"/>
-              <a:t>7/7/2016</a:t>
+              <a:t>7/19/16</a:t>
             </a:fld>
             <a:endParaRPr lang="en-US"/>
           </a:p>
@@ -3849,7 +3849,7 @@
           <a:p>
             <a:fld id="{D5922F30-34E0-4C39-BC01-021BBB3779F5}" type="datetime1">
               <a:rPr lang="en-US" smtClean="0"/>
-              <a:t>7/7/2016</a:t>
+              <a:t>7/19/16</a:t>
             </a:fld>
             <a:endParaRPr lang="en-US"/>
           </a:p>
@@ -4043,7 +4043,7 @@
           <a:p>
             <a:fld id="{44DD82AE-8167-4DFE-A047-E1FF61796F26}" type="datetime1">
               <a:rPr lang="en-US" smtClean="0"/>
-              <a:t>7/7/2016</a:t>
+              <a:t>7/19/16</a:t>
             </a:fld>
             <a:endParaRPr lang="en-US"/>
           </a:p>
@@ -4407,7 +4407,7 @@
           <a:p>
             <a:fld id="{613845A1-9DE0-45DA-AF74-AA448812466E}" type="datetime1">
               <a:rPr lang="en-US" smtClean="0"/>
-              <a:t>7/7/2016</a:t>
+              <a:t>7/19/16</a:t>
             </a:fld>
             <a:endParaRPr lang="en-US"/>
           </a:p>
@@ -4580,7 +4580,7 @@
           <a:p>
             <a:fld id="{69B38FE3-4A62-49E7-8F43-F6D0D08BEE13}" type="datetime1">
               <a:rPr lang="en-US" smtClean="0"/>
-              <a:t>7/7/2016</a:t>
+              <a:t>7/19/16</a:t>
             </a:fld>
             <a:endParaRPr lang="en-US"/>
           </a:p>
@@ -4839,7 +4839,7 @@
           <a:p>
             <a:fld id="{E7C0D17F-FAD0-4E89-B98C-767A4628FD6E}" type="datetime1">
               <a:rPr lang="en-US" smtClean="0"/>
-              <a:t>7/7/2016</a:t>
+              <a:t>7/19/16</a:t>
             </a:fld>
             <a:endParaRPr lang="en-US"/>
           </a:p>
@@ -5185,7 +5185,7 @@
           <a:p>
             <a:fld id="{6498C3B8-CCBA-411E-9DB3-AACF68D92F7D}" type="datetime1">
               <a:rPr lang="en-US" smtClean="0"/>
-              <a:t>7/7/2016</a:t>
+              <a:t>7/19/16</a:t>
             </a:fld>
             <a:endParaRPr lang="en-US"/>
           </a:p>
@@ -5463,7 +5463,7 @@
           <a:p>
             <a:fld id="{0EC090BA-9AAD-4420-BFD9-12D0784F3BD8}" type="datetime1">
               <a:rPr lang="en-US" smtClean="0"/>
-              <a:t>7/7/2016</a:t>
+              <a:t>7/19/16</a:t>
             </a:fld>
             <a:endParaRPr lang="en-US"/>
           </a:p>
@@ -5846,7 +5846,7 @@
           <a:p>
             <a:fld id="{606ABF42-B0A3-48A3-84D3-002A163D0068}" type="datetime1">
               <a:rPr lang="en-US" smtClean="0"/>
-              <a:t>7/7/2016</a:t>
+              <a:t>7/19/16</a:t>
             </a:fld>
             <a:endParaRPr lang="en-US"/>
           </a:p>
@@ -5967,7 +5967,7 @@
           <a:p>
             <a:fld id="{9179C439-D066-4536-BF0E-4339595C20C0}" type="datetime1">
               <a:rPr lang="en-US" smtClean="0"/>
-              <a:t>7/7/2016</a:t>
+              <a:t>7/19/16</a:t>
             </a:fld>
             <a:endParaRPr lang="en-US"/>
           </a:p>
@@ -6141,7 +6141,7 @@
           <a:p>
             <a:fld id="{A3887BDB-31CB-4154-A354-1D8431D151E9}" type="datetime1">
               <a:rPr lang="en-US" smtClean="0"/>
-              <a:t>7/7/2016</a:t>
+              <a:t>7/19/16</a:t>
             </a:fld>
             <a:endParaRPr lang="en-US"/>
           </a:p>
@@ -6498,7 +6498,7 @@
           <a:p>
             <a:fld id="{CA72863B-BF54-4663-891A-0C7919FC7BCF}" type="datetime1">
               <a:rPr lang="en-US" smtClean="0"/>
-              <a:t>7/7/2016</a:t>
+              <a:t>7/19/16</a:t>
             </a:fld>
             <a:endParaRPr lang="en-US"/>
           </a:p>
@@ -6883,7 +6883,7 @@
           <a:p>
             <a:fld id="{C54738FF-D9A2-48EA-A9B8-AB69C391D273}" type="datetime1">
               <a:rPr lang="en-US" smtClean="0"/>
-              <a:t>7/7/2016</a:t>
+              <a:t>7/19/16</a:t>
             </a:fld>
             <a:endParaRPr lang="en-US"/>
           </a:p>
@@ -7175,7 +7175,7 @@
           <a:p>
             <a:fld id="{CB2A80F6-584C-43EF-BD30-4D3CC47ECCD6}" type="datetime1">
               <a:rPr lang="en-US" smtClean="0"/>
-              <a:t>7/7/2016</a:t>
+              <a:t>7/19/16</a:t>
             </a:fld>
             <a:endParaRPr lang="en-US" dirty="0"/>
           </a:p>
@@ -7953,7 +7953,7 @@
           <a:p>
             <a:fld id="{4C00F0B2-6DC6-40C8-A51B-F3D7D06C3737}" type="datetime1">
               <a:rPr lang="en-US" smtClean="0"/>
-              <a:t>7/7/2016</a:t>
+              <a:t>7/19/16</a:t>
             </a:fld>
             <a:endParaRPr lang="en-US" dirty="0"/>
           </a:p>
@@ -8606,6 +8606,35 @@
           </a:p>
         </p:txBody>
       </p:sp>
+      <p:pic>
+        <p:nvPicPr>
+          <p:cNvPr id="4" name="Picture 3"/>
+          <p:cNvPicPr>
+            <a:picLocks noChangeAspect="1"/>
+          </p:cNvPicPr>
+          <p:nvPr/>
+        </p:nvPicPr>
+        <p:blipFill rotWithShape="1">
+          <a:blip r:embed="rId2">
+            <a:extLst>
+              <a:ext uri="{28A0092B-C50C-407E-A947-70E740481C1C}">
+                <a14:useLocalDpi xmlns:a14="http://schemas.microsoft.com/office/drawing/2010/main" val="0"/>
+              </a:ext>
+            </a:extLst>
+          </a:blip>
+          <a:srcRect l="4523" t="17619" r="3095" b="25000"/>
+          <a:stretch/>
+        </p:blipFill>
+        <p:spPr>
+          <a:xfrm>
+            <a:off x="3711108" y="4592409"/>
+            <a:ext cx="1700816" cy="1056435"/>
+          </a:xfrm>
+          <a:prstGeom prst="rect">
+            <a:avLst/>
+          </a:prstGeom>
+        </p:spPr>
+      </p:pic>
     </p:spTree>
     <p:extLst>
       <p:ext uri="{BB962C8B-B14F-4D97-AF65-F5344CB8AC3E}">
@@ -9403,7 +9432,7 @@
           <a:effectLst/>
           <a:extLst>
             <a:ext uri="{91240B29-F687-4f45-9708-019B960494DF}">
-              <a14:hiddenLine xmlns="" xmlns:a14="http://schemas.microsoft.com/office/drawing/2010/main" w="9525">
+              <a14:hiddenLine xmlns:a14="http://schemas.microsoft.com/office/drawing/2010/main" xmlns="" w="9525">
                 <a:solidFill>
                   <a:schemeClr val="tx1"/>
                 </a:solidFill>
@@ -9413,7 +9442,7 @@
               </a14:hiddenLine>
             </a:ext>
             <a:ext uri="{AF507438-7753-43e0-B8FC-AC1667EBCBE1}">
-              <a14:hiddenEffects xmlns="" xmlns:a14="http://schemas.microsoft.com/office/drawing/2010/main">
+              <a14:hiddenEffects xmlns:a14="http://schemas.microsoft.com/office/drawing/2010/main" xmlns="">
                 <a:effectLst>
                   <a:outerShdw dist="35921" dir="2700000" algn="ctr" rotWithShape="0">
                     <a:schemeClr val="bg2"/>
@@ -9588,6 +9617,18 @@
               </a:rPr>
               <a:t>                         </a:t>
             </a:r>
+            <a:r>
+              <a:rPr kumimoji="0" lang="en-US" altLang="en-US" sz="1600" b="0" i="0" u="none" strike="noStrike" cap="none" normalizeH="0" baseline="0" dirty="0">
+                <a:ln>
+                  <a:noFill/>
+                </a:ln>
+                <a:solidFill>
+                  <a:schemeClr val="tx1"/>
+                </a:solidFill>
+                <a:effectLst/>
+              </a:rPr>
+              <a:t/>
+            </a:r>
             <a:br>
               <a:rPr kumimoji="0" lang="en-US" altLang="en-US" sz="1600" b="0" i="0" u="none" strike="noStrike" cap="none" normalizeH="0" baseline="0" dirty="0">
                 <a:ln>
@@ -9754,7 +9795,7 @@
           <a:noFill/>
           <a:extLst>
             <a:ext uri="{909E8E84-426E-40dd-AFC4-6F175D3DCCD1}">
-              <a14:hiddenFill xmlns="" xmlns:a14="http://schemas.microsoft.com/office/drawing/2010/main">
+              <a14:hiddenFill xmlns:a14="http://schemas.microsoft.com/office/drawing/2010/main" xmlns="">
                 <a:solidFill>
                   <a:srgbClr val="FFFFFF"/>
                 </a:solidFill>
